--- a/Slides/Lesson 6.4 Mutually Recursive Data Definitions.pptx
+++ b/Slides/Lesson 6.4 Mutually Recursive Data Definitions.pptx
@@ -236,7 +236,7 @@
           <a:p>
             <a:fld id="{1AC50D25-69DA-4251-A3B1-10895C6A89D6}" type="datetimeFigureOut">
               <a:rPr lang="en-US" smtClean="0"/>
-              <a:t>8/31/2015</a:t>
+              <a:t>10/19/2015</a:t>
             </a:fld>
             <a:endParaRPr lang="en-US"/>
           </a:p>
@@ -956,7 +956,7 @@
           <a:p>
             <a:fld id="{2F1F79F5-7BEC-496A-AFC7-876E38F64D71}" type="datetime1">
               <a:rPr lang="en-US" smtClean="0"/>
-              <a:t>8/31/2015</a:t>
+              <a:t>10/19/2015</a:t>
             </a:fld>
             <a:endParaRPr lang="en-US"/>
           </a:p>
@@ -1058,7 +1058,7 @@
           <a:p>
             <a:fld id="{0A05703A-7669-4FEA-9056-25299B4D29D4}" type="datetime1">
               <a:rPr lang="en-US" smtClean="0"/>
-              <a:t>8/31/2015</a:t>
+              <a:t>10/19/2015</a:t>
             </a:fld>
             <a:endParaRPr lang="en-US"/>
           </a:p>
@@ -1335,7 +1335,7 @@
           <a:p>
             <a:fld id="{6E5077B5-BB57-49DB-88CA-226A139E5C01}" type="datetime1">
               <a:rPr lang="en-US" smtClean="0"/>
-              <a:t>8/31/2015</a:t>
+              <a:t>10/19/2015</a:t>
             </a:fld>
             <a:endParaRPr lang="en-US"/>
           </a:p>
@@ -1588,7 +1588,7 @@
           <a:p>
             <a:fld id="{C48D9447-CBD6-49A1-89FD-8512A8CF8999}" type="datetime1">
               <a:rPr lang="en-US" smtClean="0"/>
-              <a:t>8/31/2015</a:t>
+              <a:t>10/19/2015</a:t>
             </a:fld>
             <a:endParaRPr lang="en-US"/>
           </a:p>
@@ -1758,7 +1758,7 @@
           <a:p>
             <a:fld id="{A3639A2A-823D-48B7-9ACE-7FAF42870BA9}" type="datetime1">
               <a:rPr lang="en-US" smtClean="0"/>
-              <a:t>8/31/2015</a:t>
+              <a:t>10/19/2015</a:t>
             </a:fld>
             <a:endParaRPr lang="en-US"/>
           </a:p>
@@ -1938,7 +1938,7 @@
           <a:p>
             <a:fld id="{ED1B6996-82E9-463C-972C-7B56056E426C}" type="datetime1">
               <a:rPr lang="en-US" smtClean="0"/>
-              <a:t>8/31/2015</a:t>
+              <a:t>10/19/2015</a:t>
             </a:fld>
             <a:endParaRPr lang="en-US"/>
           </a:p>
@@ -2121,7 +2121,7 @@
           <a:p>
             <a:fld id="{E22ED4DA-448D-4BB1-B935-CC112220207B}" type="datetime1">
               <a:rPr lang="en-US" smtClean="0"/>
-              <a:t>8/31/2015</a:t>
+              <a:t>10/19/2015</a:t>
             </a:fld>
             <a:endParaRPr lang="en-US"/>
           </a:p>
@@ -2303,7 +2303,7 @@
           <a:p>
             <a:fld id="{E22ED4DA-448D-4BB1-B935-CC112220207B}" type="datetime1">
               <a:rPr lang="en-US" smtClean="0"/>
-              <a:t>8/31/2015</a:t>
+              <a:t>10/19/2015</a:t>
             </a:fld>
             <a:endParaRPr lang="en-US"/>
           </a:p>
@@ -2572,7 +2572,7 @@
           <a:p>
             <a:fld id="{FF5D65A6-AB94-4435-B0B7-3743215FA46C}" type="datetime1">
               <a:rPr lang="en-US" smtClean="0"/>
-              <a:t>8/31/2015</a:t>
+              <a:t>10/19/2015</a:t>
             </a:fld>
             <a:endParaRPr lang="en-US"/>
           </a:p>
@@ -2757,7 +2757,7 @@
           <a:p>
             <a:fld id="{FF5D65A6-AB94-4435-B0B7-3743215FA46C}" type="datetime1">
               <a:rPr lang="en-US" smtClean="0"/>
-              <a:t>8/31/2015</a:t>
+              <a:t>10/19/2015</a:t>
             </a:fld>
             <a:endParaRPr lang="en-US"/>
           </a:p>
@@ -3059,7 +3059,7 @@
           <a:p>
             <a:fld id="{7C193DC4-6EF0-48C9-B29C-616106A645E1}" type="datetime1">
               <a:rPr lang="en-US" smtClean="0"/>
-              <a:t>8/31/2015</a:t>
+              <a:t>10/19/2015</a:t>
             </a:fld>
             <a:endParaRPr lang="en-US"/>
           </a:p>
@@ -3347,7 +3347,7 @@
           <a:p>
             <a:fld id="{5D1846AD-9252-4647-9435-4C2AC365653A}" type="datetime1">
               <a:rPr lang="en-US" smtClean="0"/>
-              <a:t>8/31/2015</a:t>
+              <a:t>10/19/2015</a:t>
             </a:fld>
             <a:endParaRPr lang="en-US"/>
           </a:p>
@@ -3769,7 +3769,7 @@
           <a:p>
             <a:fld id="{CE56DC10-3561-4063-A6AF-C1CC7A41040A}" type="datetime1">
               <a:rPr lang="en-US" smtClean="0"/>
-              <a:t>8/31/2015</a:t>
+              <a:t>10/19/2015</a:t>
             </a:fld>
             <a:endParaRPr lang="en-US"/>
           </a:p>
@@ -3887,7 +3887,7 @@
           <a:p>
             <a:fld id="{2F7B77F5-1464-4F6B-92A8-64FC8A508293}" type="datetime1">
               <a:rPr lang="en-US" smtClean="0"/>
-              <a:t>8/31/2015</a:t>
+              <a:t>10/19/2015</a:t>
             </a:fld>
             <a:endParaRPr lang="en-US"/>
           </a:p>
@@ -4119,7 +4119,7 @@
           <a:p>
             <a:fld id="{02B3F677-983B-48DB-ADFD-63FE6CBC7FB2}" type="datetime1">
               <a:rPr lang="en-US" smtClean="0"/>
-              <a:t>8/31/2015</a:t>
+              <a:t>10/19/2015</a:t>
             </a:fld>
             <a:endParaRPr lang="en-US"/>
           </a:p>
@@ -4664,7 +4664,6 @@
                 <a:rPr lang="en-US" sz="1000" dirty="0" smtClean="0"/>
                 <a:t>2012-2015</a:t>
               </a:r>
-              <a:endParaRPr lang="en-US" sz="1000" dirty="0" smtClean="0"/>
             </a:p>
             <a:p>
               <a:r>
@@ -8341,21 +8340,7 @@
                 <a:latin typeface="Consolas" pitchFamily="49" charset="0"/>
                 <a:cs typeface="Consolas" pitchFamily="49" charset="0"/>
               </a:rPr>
-              <a:t>;; strategy: </a:t>
-            </a:r>
-            <a:r>
-              <a:rPr lang="en-US" sz="2400" b="1" dirty="0" smtClean="0">
-                <a:latin typeface="Consolas" pitchFamily="49" charset="0"/>
-                <a:cs typeface="Consolas" pitchFamily="49" charset="0"/>
-              </a:rPr>
-              <a:t>Use template for LANS </a:t>
-            </a:r>
-            <a:r>
-              <a:rPr lang="en-US" sz="2400" b="1" dirty="0" smtClean="0">
-                <a:latin typeface="Consolas" pitchFamily="49" charset="0"/>
-                <a:cs typeface="Consolas" pitchFamily="49" charset="0"/>
-              </a:rPr>
-              <a:t>and LASN</a:t>
+              <a:t>;; strategy: Use template for LANS and LASN</a:t>
             </a:r>
           </a:p>
           <a:p>
@@ -9592,8 +9577,18 @@
           <a:lstStyle/>
           <a:p>
             <a:r>
+              <a:rPr lang="en-US" smtClean="0"/>
+              <a:t>Study the file 06-4-lasns.rkt</a:t>
+            </a:r>
+          </a:p>
+          <a:p>
+            <a:r>
               <a:rPr lang="en-US" dirty="0" smtClean="0"/>
-              <a:t>If you have questions about this lesson, ask them on the Discussion Board</a:t>
+              <a:t>If </a:t>
+            </a:r>
+            <a:r>
+              <a:rPr lang="en-US" dirty="0" smtClean="0"/>
+              <a:t>you have questions about this lesson, ask them on the Discussion Board</a:t>
             </a:r>
           </a:p>
           <a:p>

--- a/Slides/Lesson 6.4 Mutually Recursive Data Definitions.pptx
+++ b/Slides/Lesson 6.4 Mutually Recursive Data Definitions.pptx
@@ -5,7 +5,7 @@
     <p:sldMasterId id="2147483660" r:id="rId1"/>
   </p:sldMasterIdLst>
   <p:notesMasterIdLst>
-    <p:notesMasterId r:id="rId22"/>
+    <p:notesMasterId r:id="rId23"/>
   </p:notesMasterIdLst>
   <p:sldIdLst>
     <p:sldId id="256" r:id="rId2"/>
@@ -25,14 +25,15 @@
     <p:sldId id="269" r:id="rId16"/>
     <p:sldId id="270" r:id="rId17"/>
     <p:sldId id="271" r:id="rId18"/>
-    <p:sldId id="272" r:id="rId19"/>
-    <p:sldId id="276" r:id="rId20"/>
-    <p:sldId id="277" r:id="rId21"/>
+    <p:sldId id="278" r:id="rId19"/>
+    <p:sldId id="272" r:id="rId20"/>
+    <p:sldId id="276" r:id="rId21"/>
+    <p:sldId id="277" r:id="rId22"/>
   </p:sldIdLst>
   <p:sldSz cx="9144000" cy="6858000" type="screen4x3"/>
   <p:notesSz cx="6858000" cy="9144000"/>
   <p:custDataLst>
-    <p:tags r:id="rId23"/>
+    <p:tags r:id="rId24"/>
   </p:custDataLst>
   <p:defaultTextStyle>
     <a:defPPr>
@@ -236,7 +237,7 @@
           <a:p>
             <a:fld id="{1AC50D25-69DA-4251-A3B1-10895C6A89D6}" type="datetimeFigureOut">
               <a:rPr lang="en-US" smtClean="0"/>
-              <a:t>10/19/2015</a:t>
+              <a:t>9/6/2016</a:t>
             </a:fld>
             <a:endParaRPr lang="en-US"/>
           </a:p>
@@ -300,38 +301,37 @@
           <a:p>
             <a:pPr lvl="0"/>
             <a:r>
-              <a:rPr lang="en-US" smtClean="0"/>
+              <a:rPr lang="en-US"/>
               <a:t>Click to edit Master text styles</a:t>
             </a:r>
           </a:p>
           <a:p>
             <a:pPr lvl="1"/>
             <a:r>
-              <a:rPr lang="en-US" smtClean="0"/>
+              <a:rPr lang="en-US"/>
               <a:t>Second level</a:t>
             </a:r>
           </a:p>
           <a:p>
             <a:pPr lvl="2"/>
             <a:r>
-              <a:rPr lang="en-US" smtClean="0"/>
+              <a:rPr lang="en-US"/>
               <a:t>Third level</a:t>
             </a:r>
           </a:p>
           <a:p>
             <a:pPr lvl="3"/>
             <a:r>
-              <a:rPr lang="en-US" smtClean="0"/>
+              <a:rPr lang="en-US"/>
               <a:t>Fourth level</a:t>
             </a:r>
           </a:p>
           <a:p>
             <a:pPr lvl="4"/>
             <a:r>
-              <a:rPr lang="en-US" smtClean="0"/>
+              <a:rPr lang="en-US"/>
               <a:t>Fifth level</a:t>
             </a:r>
-            <a:endParaRPr lang="en-US"/>
           </a:p>
         </p:txBody>
       </p:sp>
@@ -722,19 +722,18 @@
           <a:lstStyle/>
           <a:p>
             <a:r>
-              <a:rPr lang="en-US" dirty="0" smtClean="0"/>
+              <a:rPr lang="en-US" dirty="0"/>
               <a:t>Information is represented as Data</a:t>
             </a:r>
           </a:p>
           <a:p>
-            <a:endParaRPr lang="en-US" dirty="0" smtClean="0"/>
-          </a:p>
-          <a:p>
-            <a:r>
-              <a:rPr lang="en-US" dirty="0" smtClean="0"/>
+            <a:endParaRPr lang="en-US" dirty="0"/>
+          </a:p>
+          <a:p>
+            <a:r>
+              <a:rPr lang="en-US" dirty="0"/>
               <a:t>Data is interpreted as Information</a:t>
             </a:r>
-            <a:endParaRPr lang="en-US" dirty="0"/>
           </a:p>
         </p:txBody>
       </p:sp>
@@ -756,7 +755,7 @@
             <a:fld id="{6048B3DE-E9CD-4720-84B6-E24D30E64DE7}" type="slidenum">
               <a:rPr lang="en-US" smtClean="0"/>
               <a:pPr/>
-              <a:t>18</a:t>
+              <a:t>19</a:t>
             </a:fld>
             <a:endParaRPr lang="en-US"/>
           </a:p>
@@ -813,10 +812,9 @@
           <a:lstStyle/>
           <a:p>
             <a:r>
-              <a:rPr lang="en-US" smtClean="0"/>
+              <a:rPr lang="en-US"/>
               <a:t>Click to edit Master title style</a:t>
             </a:r>
-            <a:endParaRPr lang="en-US"/>
           </a:p>
         </p:txBody>
       </p:sp>
@@ -932,10 +930,9 @@
           </a:lstStyle>
           <a:p>
             <a:r>
-              <a:rPr lang="en-US" smtClean="0"/>
+              <a:rPr lang="en-US"/>
               <a:t>Click to edit Master subtitle style</a:t>
             </a:r>
-            <a:endParaRPr lang="en-US"/>
           </a:p>
         </p:txBody>
       </p:sp>
@@ -956,7 +953,7 @@
           <a:p>
             <a:fld id="{2F1F79F5-7BEC-496A-AFC7-876E38F64D71}" type="datetime1">
               <a:rPr lang="en-US" smtClean="0"/>
-              <a:t>10/19/2015</a:t>
+              <a:t>9/6/2016</a:t>
             </a:fld>
             <a:endParaRPr lang="en-US"/>
           </a:p>
@@ -1014,13 +1011,6 @@
   <p:clrMapOvr>
     <a:masterClrMapping/>
   </p:clrMapOvr>
-  <p:timing>
-    <p:tnLst>
-      <p:par>
-        <p:cTn id="1" dur="indefinite" restart="never" nodeType="tmRoot"/>
-      </p:par>
-    </p:tnLst>
-  </p:timing>
 </p:sldLayout>
 </file>
 
@@ -1058,7 +1048,7 @@
           <a:p>
             <a:fld id="{0A05703A-7669-4FEA-9056-25299B4D29D4}" type="datetime1">
               <a:rPr lang="en-US" smtClean="0"/>
-              <a:t>10/19/2015</a:t>
+              <a:t>9/6/2016</a:t>
             </a:fld>
             <a:endParaRPr lang="en-US"/>
           </a:p>
@@ -1161,10 +1151,9 @@
           </a:lstStyle>
           <a:p>
             <a:r>
-              <a:rPr lang="en-US" smtClean="0"/>
+              <a:rPr lang="en-US"/>
               <a:t>Click to edit Master title style</a:t>
             </a:r>
-            <a:endParaRPr lang="en-US"/>
           </a:p>
         </p:txBody>
       </p:sp>
@@ -1218,38 +1207,37 @@
           <a:p>
             <a:pPr lvl="0"/>
             <a:r>
-              <a:rPr lang="en-US" smtClean="0"/>
+              <a:rPr lang="en-US"/>
               <a:t>Click to edit Master text styles</a:t>
             </a:r>
           </a:p>
           <a:p>
             <a:pPr lvl="1"/>
             <a:r>
-              <a:rPr lang="en-US" smtClean="0"/>
+              <a:rPr lang="en-US"/>
               <a:t>Second level</a:t>
             </a:r>
           </a:p>
           <a:p>
             <a:pPr lvl="2"/>
             <a:r>
-              <a:rPr lang="en-US" smtClean="0"/>
+              <a:rPr lang="en-US"/>
               <a:t>Third level</a:t>
             </a:r>
           </a:p>
           <a:p>
             <a:pPr lvl="3"/>
             <a:r>
-              <a:rPr lang="en-US" smtClean="0"/>
+              <a:rPr lang="en-US"/>
               <a:t>Fourth level</a:t>
             </a:r>
           </a:p>
           <a:p>
             <a:pPr lvl="4"/>
             <a:r>
-              <a:rPr lang="en-US" smtClean="0"/>
+              <a:rPr lang="en-US"/>
               <a:t>Fifth level</a:t>
             </a:r>
-            <a:endParaRPr lang="en-US"/>
           </a:p>
         </p:txBody>
       </p:sp>
@@ -1312,7 +1300,7 @@
           <a:p>
             <a:pPr lvl="0"/>
             <a:r>
-              <a:rPr lang="en-US" smtClean="0"/>
+              <a:rPr lang="en-US"/>
               <a:t>Click to edit Master text styles</a:t>
             </a:r>
           </a:p>
@@ -1335,7 +1323,7 @@
           <a:p>
             <a:fld id="{6E5077B5-BB57-49DB-88CA-226A139E5C01}" type="datetime1">
               <a:rPr lang="en-US" smtClean="0"/>
-              <a:t>10/19/2015</a:t>
+              <a:t>9/6/2016</a:t>
             </a:fld>
             <a:endParaRPr lang="en-US"/>
           </a:p>
@@ -1438,10 +1426,9 @@
           </a:lstStyle>
           <a:p>
             <a:r>
-              <a:rPr lang="en-US" smtClean="0"/>
+              <a:rPr lang="en-US"/>
               <a:t>Click to edit Master title style</a:t>
             </a:r>
-            <a:endParaRPr lang="en-US"/>
           </a:p>
         </p:txBody>
       </p:sp>
@@ -1565,7 +1552,7 @@
           <a:p>
             <a:pPr lvl="0"/>
             <a:r>
-              <a:rPr lang="en-US" smtClean="0"/>
+              <a:rPr lang="en-US"/>
               <a:t>Click to edit Master text styles</a:t>
             </a:r>
           </a:p>
@@ -1588,7 +1575,7 @@
           <a:p>
             <a:fld id="{C48D9447-CBD6-49A1-89FD-8512A8CF8999}" type="datetime1">
               <a:rPr lang="en-US" smtClean="0"/>
-              <a:t>10/19/2015</a:t>
+              <a:t>9/6/2016</a:t>
             </a:fld>
             <a:endParaRPr lang="en-US"/>
           </a:p>
@@ -1682,10 +1669,9 @@
           <a:lstStyle/>
           <a:p>
             <a:r>
-              <a:rPr lang="en-US" smtClean="0"/>
+              <a:rPr lang="en-US"/>
               <a:t>Click to edit Master title style</a:t>
             </a:r>
-            <a:endParaRPr lang="en-US"/>
           </a:p>
         </p:txBody>
       </p:sp>
@@ -1706,38 +1692,37 @@
           <a:p>
             <a:pPr lvl="0"/>
             <a:r>
-              <a:rPr lang="en-US" smtClean="0"/>
+              <a:rPr lang="en-US"/>
               <a:t>Click to edit Master text styles</a:t>
             </a:r>
           </a:p>
           <a:p>
             <a:pPr lvl="1"/>
             <a:r>
-              <a:rPr lang="en-US" smtClean="0"/>
+              <a:rPr lang="en-US"/>
               <a:t>Second level</a:t>
             </a:r>
           </a:p>
           <a:p>
             <a:pPr lvl="2"/>
             <a:r>
-              <a:rPr lang="en-US" smtClean="0"/>
+              <a:rPr lang="en-US"/>
               <a:t>Third level</a:t>
             </a:r>
           </a:p>
           <a:p>
             <a:pPr lvl="3"/>
             <a:r>
-              <a:rPr lang="en-US" smtClean="0"/>
+              <a:rPr lang="en-US"/>
               <a:t>Fourth level</a:t>
             </a:r>
           </a:p>
           <a:p>
             <a:pPr lvl="4"/>
             <a:r>
-              <a:rPr lang="en-US" smtClean="0"/>
+              <a:rPr lang="en-US"/>
               <a:t>Fifth level</a:t>
             </a:r>
-            <a:endParaRPr lang="en-US"/>
           </a:p>
         </p:txBody>
       </p:sp>
@@ -1758,7 +1743,7 @@
           <a:p>
             <a:fld id="{A3639A2A-823D-48B7-9ACE-7FAF42870BA9}" type="datetime1">
               <a:rPr lang="en-US" smtClean="0"/>
-              <a:t>10/19/2015</a:t>
+              <a:t>9/6/2016</a:t>
             </a:fld>
             <a:endParaRPr lang="en-US"/>
           </a:p>
@@ -1857,10 +1842,9 @@
           <a:lstStyle/>
           <a:p>
             <a:r>
-              <a:rPr lang="en-US" smtClean="0"/>
+              <a:rPr lang="en-US"/>
               <a:t>Click to edit Master title style</a:t>
             </a:r>
-            <a:endParaRPr lang="en-US"/>
           </a:p>
         </p:txBody>
       </p:sp>
@@ -1886,38 +1870,37 @@
           <a:p>
             <a:pPr lvl="0"/>
             <a:r>
-              <a:rPr lang="en-US" smtClean="0"/>
+              <a:rPr lang="en-US"/>
               <a:t>Click to edit Master text styles</a:t>
             </a:r>
           </a:p>
           <a:p>
             <a:pPr lvl="1"/>
             <a:r>
-              <a:rPr lang="en-US" smtClean="0"/>
+              <a:rPr lang="en-US"/>
               <a:t>Second level</a:t>
             </a:r>
           </a:p>
           <a:p>
             <a:pPr lvl="2"/>
             <a:r>
-              <a:rPr lang="en-US" smtClean="0"/>
+              <a:rPr lang="en-US"/>
               <a:t>Third level</a:t>
             </a:r>
           </a:p>
           <a:p>
             <a:pPr lvl="3"/>
             <a:r>
-              <a:rPr lang="en-US" smtClean="0"/>
+              <a:rPr lang="en-US"/>
               <a:t>Fourth level</a:t>
             </a:r>
           </a:p>
           <a:p>
             <a:pPr lvl="4"/>
             <a:r>
-              <a:rPr lang="en-US" smtClean="0"/>
+              <a:rPr lang="en-US"/>
               <a:t>Fifth level</a:t>
             </a:r>
-            <a:endParaRPr lang="en-US"/>
           </a:p>
         </p:txBody>
       </p:sp>
@@ -1938,7 +1921,7 @@
           <a:p>
             <a:fld id="{ED1B6996-82E9-463C-972C-7B56056E426C}" type="datetime1">
               <a:rPr lang="en-US" smtClean="0"/>
-              <a:t>10/19/2015</a:t>
+              <a:t>9/6/2016</a:t>
             </a:fld>
             <a:endParaRPr lang="en-US"/>
           </a:p>
@@ -1996,13 +1979,6 @@
   <p:clrMapOvr>
     <a:masterClrMapping/>
   </p:clrMapOvr>
-  <p:timing>
-    <p:tnLst>
-      <p:par>
-        <p:cTn id="1" dur="indefinite" restart="never" nodeType="tmRoot"/>
-      </p:par>
-    </p:tnLst>
-  </p:timing>
 </p:sldLayout>
 </file>
 
@@ -2045,10 +2021,9 @@
           <a:lstStyle/>
           <a:p>
             <a:r>
-              <a:rPr lang="en-US" dirty="0" smtClean="0"/>
+              <a:rPr lang="en-US" dirty="0"/>
               <a:t>Click to edit Master title style</a:t>
             </a:r>
-            <a:endParaRPr lang="en-US" dirty="0"/>
           </a:p>
         </p:txBody>
       </p:sp>
@@ -2069,38 +2044,37 @@
           <a:p>
             <a:pPr lvl="0"/>
             <a:r>
-              <a:rPr lang="en-US" smtClean="0"/>
+              <a:rPr lang="en-US"/>
               <a:t>Click to edit Master text styles</a:t>
             </a:r>
           </a:p>
           <a:p>
             <a:pPr lvl="1"/>
             <a:r>
-              <a:rPr lang="en-US" smtClean="0"/>
+              <a:rPr lang="en-US"/>
               <a:t>Second level</a:t>
             </a:r>
           </a:p>
           <a:p>
             <a:pPr lvl="2"/>
             <a:r>
-              <a:rPr lang="en-US" smtClean="0"/>
+              <a:rPr lang="en-US"/>
               <a:t>Third level</a:t>
             </a:r>
           </a:p>
           <a:p>
             <a:pPr lvl="3"/>
             <a:r>
-              <a:rPr lang="en-US" smtClean="0"/>
+              <a:rPr lang="en-US"/>
               <a:t>Fourth level</a:t>
             </a:r>
           </a:p>
           <a:p>
             <a:pPr lvl="4"/>
             <a:r>
-              <a:rPr lang="en-US" smtClean="0"/>
+              <a:rPr lang="en-US"/>
               <a:t>Fifth level</a:t>
             </a:r>
-            <a:endParaRPr lang="en-US"/>
           </a:p>
         </p:txBody>
       </p:sp>
@@ -2121,7 +2095,7 @@
           <a:p>
             <a:fld id="{E22ED4DA-448D-4BB1-B935-CC112220207B}" type="datetime1">
               <a:rPr lang="en-US" smtClean="0"/>
-              <a:t>10/19/2015</a:t>
+              <a:t>9/6/2016</a:t>
             </a:fld>
             <a:endParaRPr lang="en-US"/>
           </a:p>
@@ -2179,13 +2153,6 @@
   <p:clrMapOvr>
     <a:masterClrMapping/>
   </p:clrMapOvr>
-  <p:timing>
-    <p:tnLst>
-      <p:par>
-        <p:cTn id="1" dur="indefinite" restart="never" nodeType="tmRoot"/>
-      </p:par>
-    </p:tnLst>
-  </p:timing>
 </p:sldLayout>
 </file>
 
@@ -2222,10 +2189,9 @@
           <a:lstStyle/>
           <a:p>
             <a:r>
-              <a:rPr lang="en-US" smtClean="0"/>
+              <a:rPr lang="en-US"/>
               <a:t>Click to edit Master title style</a:t>
             </a:r>
-            <a:endParaRPr lang="en-US"/>
           </a:p>
         </p:txBody>
       </p:sp>
@@ -2251,38 +2217,37 @@
           <a:p>
             <a:pPr lvl="0"/>
             <a:r>
-              <a:rPr lang="en-US" dirty="0" smtClean="0"/>
+              <a:rPr lang="en-US" dirty="0"/>
               <a:t>Click to edit Master text styles</a:t>
             </a:r>
           </a:p>
           <a:p>
             <a:pPr lvl="1"/>
             <a:r>
-              <a:rPr lang="en-US" dirty="0" smtClean="0"/>
+              <a:rPr lang="en-US" dirty="0"/>
               <a:t>Second level</a:t>
             </a:r>
           </a:p>
           <a:p>
             <a:pPr lvl="2"/>
             <a:r>
-              <a:rPr lang="en-US" dirty="0" smtClean="0"/>
+              <a:rPr lang="en-US" dirty="0"/>
               <a:t>Third level</a:t>
             </a:r>
           </a:p>
           <a:p>
             <a:pPr lvl="3"/>
             <a:r>
-              <a:rPr lang="en-US" dirty="0" smtClean="0"/>
+              <a:rPr lang="en-US" dirty="0"/>
               <a:t>Fourth level</a:t>
             </a:r>
           </a:p>
           <a:p>
             <a:pPr lvl="4"/>
             <a:r>
-              <a:rPr lang="en-US" dirty="0" smtClean="0"/>
+              <a:rPr lang="en-US" dirty="0"/>
               <a:t>Fifth level</a:t>
             </a:r>
-            <a:endParaRPr lang="en-US" dirty="0"/>
           </a:p>
         </p:txBody>
       </p:sp>
@@ -2303,7 +2268,7 @@
           <a:p>
             <a:fld id="{E22ED4DA-448D-4BB1-B935-CC112220207B}" type="datetime1">
               <a:rPr lang="en-US" smtClean="0"/>
-              <a:t>10/19/2015</a:t>
+              <a:t>9/6/2016</a:t>
             </a:fld>
             <a:endParaRPr lang="en-US"/>
           </a:p>
@@ -2393,7 +2358,7 @@
           <a:lstStyle/>
           <a:p>
             <a:pPr algn="ctr"/>
-            <a:endParaRPr lang="en-US" dirty="0" smtClean="0">
+            <a:endParaRPr lang="en-US" dirty="0">
               <a:solidFill>
                 <a:schemeClr val="tx1"/>
               </a:solidFill>
@@ -2424,11 +2389,11 @@
           <a:lstStyle/>
           <a:p>
             <a:r>
-              <a:rPr lang="en-US" dirty="0" smtClean="0"/>
+              <a:rPr lang="en-US" dirty="0"/>
               <a:t>Resize video to this</a:t>
             </a:r>
             <a:r>
-              <a:rPr lang="en-US" baseline="0" dirty="0" smtClean="0"/>
+              <a:rPr lang="en-US" baseline="0" dirty="0"/>
               <a:t> box.</a:t>
             </a:r>
             <a:endParaRPr lang="en-US" dirty="0"/>
@@ -2445,13 +2410,6 @@
   <p:clrMapOvr>
     <a:masterClrMapping/>
   </p:clrMapOvr>
-  <p:timing>
-    <p:tnLst>
-      <p:par>
-        <p:cTn id="1" dur="indefinite" restart="never" nodeType="tmRoot"/>
-      </p:par>
-    </p:tnLst>
-  </p:timing>
 </p:sldLayout>
 </file>
 
@@ -2488,10 +2446,9 @@
           <a:lstStyle/>
           <a:p>
             <a:r>
-              <a:rPr lang="en-US" smtClean="0"/>
+              <a:rPr lang="en-US"/>
               <a:t>Click to edit Master title style</a:t>
             </a:r>
-            <a:endParaRPr lang="en-US"/>
           </a:p>
         </p:txBody>
       </p:sp>
@@ -2520,38 +2477,37 @@
           <a:p>
             <a:pPr lvl="0"/>
             <a:r>
-              <a:rPr lang="en-US" dirty="0" smtClean="0"/>
+              <a:rPr lang="en-US" dirty="0"/>
               <a:t>Click to edit Master text styles</a:t>
             </a:r>
           </a:p>
           <a:p>
             <a:pPr lvl="1"/>
             <a:r>
-              <a:rPr lang="en-US" dirty="0" smtClean="0"/>
+              <a:rPr lang="en-US" dirty="0"/>
               <a:t>Second level</a:t>
             </a:r>
           </a:p>
           <a:p>
             <a:pPr lvl="2"/>
             <a:r>
-              <a:rPr lang="en-US" dirty="0" smtClean="0"/>
+              <a:rPr lang="en-US" dirty="0"/>
               <a:t>Third level</a:t>
             </a:r>
           </a:p>
           <a:p>
             <a:pPr lvl="3"/>
             <a:r>
-              <a:rPr lang="en-US" dirty="0" smtClean="0"/>
+              <a:rPr lang="en-US" dirty="0"/>
               <a:t>Fourth level</a:t>
             </a:r>
           </a:p>
           <a:p>
             <a:pPr lvl="4"/>
             <a:r>
-              <a:rPr lang="en-US" dirty="0" smtClean="0"/>
+              <a:rPr lang="en-US" dirty="0"/>
               <a:t>Fifth level</a:t>
             </a:r>
-            <a:endParaRPr lang="en-US" dirty="0"/>
           </a:p>
         </p:txBody>
       </p:sp>
@@ -2572,7 +2528,7 @@
           <a:p>
             <a:fld id="{FF5D65A6-AB94-4435-B0B7-3743215FA46C}" type="datetime1">
               <a:rPr lang="en-US" smtClean="0"/>
-              <a:t>10/19/2015</a:t>
+              <a:t>9/6/2016</a:t>
             </a:fld>
             <a:endParaRPr lang="en-US"/>
           </a:p>
@@ -2630,13 +2586,6 @@
   <p:clrMapOvr>
     <a:masterClrMapping/>
   </p:clrMapOvr>
-  <p:timing>
-    <p:tnLst>
-      <p:par>
-        <p:cTn id="1" dur="indefinite" restart="never" nodeType="tmRoot"/>
-      </p:par>
-    </p:tnLst>
-  </p:timing>
 </p:sldLayout>
 </file>
 
@@ -2673,10 +2622,9 @@
           <a:lstStyle/>
           <a:p>
             <a:r>
-              <a:rPr lang="en-US" smtClean="0"/>
+              <a:rPr lang="en-US"/>
               <a:t>Click to edit Master title style</a:t>
             </a:r>
-            <a:endParaRPr lang="en-US"/>
           </a:p>
         </p:txBody>
       </p:sp>
@@ -2705,38 +2653,37 @@
           <a:p>
             <a:pPr lvl="0"/>
             <a:r>
-              <a:rPr lang="en-US" dirty="0" smtClean="0"/>
+              <a:rPr lang="en-US" dirty="0"/>
               <a:t>Click to edit Master text styles</a:t>
             </a:r>
           </a:p>
           <a:p>
             <a:pPr lvl="1"/>
             <a:r>
-              <a:rPr lang="en-US" dirty="0" smtClean="0"/>
+              <a:rPr lang="en-US" dirty="0"/>
               <a:t>Second level</a:t>
             </a:r>
           </a:p>
           <a:p>
             <a:pPr lvl="2"/>
             <a:r>
-              <a:rPr lang="en-US" dirty="0" smtClean="0"/>
+              <a:rPr lang="en-US" dirty="0"/>
               <a:t>Third level</a:t>
             </a:r>
           </a:p>
           <a:p>
             <a:pPr lvl="3"/>
             <a:r>
-              <a:rPr lang="en-US" dirty="0" smtClean="0"/>
+              <a:rPr lang="en-US" dirty="0"/>
               <a:t>Fourth level</a:t>
             </a:r>
           </a:p>
           <a:p>
             <a:pPr lvl="4"/>
             <a:r>
-              <a:rPr lang="en-US" dirty="0" smtClean="0"/>
+              <a:rPr lang="en-US" dirty="0"/>
               <a:t>Fifth level</a:t>
             </a:r>
-            <a:endParaRPr lang="en-US" dirty="0"/>
           </a:p>
         </p:txBody>
       </p:sp>
@@ -2757,7 +2704,7 @@
           <a:p>
             <a:fld id="{FF5D65A6-AB94-4435-B0B7-3743215FA46C}" type="datetime1">
               <a:rPr lang="en-US" smtClean="0"/>
-              <a:t>10/19/2015</a:t>
+              <a:t>9/6/2016</a:t>
             </a:fld>
             <a:endParaRPr lang="en-US"/>
           </a:p>
@@ -2864,13 +2811,6 @@
   <p:clrMapOvr>
     <a:masterClrMapping/>
   </p:clrMapOvr>
-  <p:timing>
-    <p:tnLst>
-      <p:par>
-        <p:cTn id="1" dur="indefinite" restart="never" nodeType="tmRoot"/>
-      </p:par>
-    </p:tnLst>
-  </p:timing>
 </p:sldLayout>
 </file>
 
@@ -2916,10 +2856,9 @@
           </a:lstStyle>
           <a:p>
             <a:r>
-              <a:rPr lang="en-US" smtClean="0"/>
+              <a:rPr lang="en-US"/>
               <a:t>Click to edit Master title style</a:t>
             </a:r>
-            <a:endParaRPr lang="en-US"/>
           </a:p>
         </p:txBody>
       </p:sp>
@@ -3036,7 +2975,7 @@
           <a:p>
             <a:pPr lvl="0"/>
             <a:r>
-              <a:rPr lang="en-US" smtClean="0"/>
+              <a:rPr lang="en-US"/>
               <a:t>Click to edit Master text styles</a:t>
             </a:r>
           </a:p>
@@ -3059,7 +2998,7 @@
           <a:p>
             <a:fld id="{7C193DC4-6EF0-48C9-B29C-616106A645E1}" type="datetime1">
               <a:rPr lang="en-US" smtClean="0"/>
-              <a:t>10/19/2015</a:t>
+              <a:t>9/6/2016</a:t>
             </a:fld>
             <a:endParaRPr lang="en-US"/>
           </a:p>
@@ -3153,10 +3092,9 @@
           <a:lstStyle/>
           <a:p>
             <a:r>
-              <a:rPr lang="en-US" smtClean="0"/>
+              <a:rPr lang="en-US"/>
               <a:t>Click to edit Master title style</a:t>
             </a:r>
-            <a:endParaRPr lang="en-US"/>
           </a:p>
         </p:txBody>
       </p:sp>
@@ -3210,38 +3148,37 @@
           <a:p>
             <a:pPr lvl="0"/>
             <a:r>
-              <a:rPr lang="en-US" smtClean="0"/>
+              <a:rPr lang="en-US"/>
               <a:t>Click to edit Master text styles</a:t>
             </a:r>
           </a:p>
           <a:p>
             <a:pPr lvl="1"/>
             <a:r>
-              <a:rPr lang="en-US" smtClean="0"/>
+              <a:rPr lang="en-US"/>
               <a:t>Second level</a:t>
             </a:r>
           </a:p>
           <a:p>
             <a:pPr lvl="2"/>
             <a:r>
-              <a:rPr lang="en-US" smtClean="0"/>
+              <a:rPr lang="en-US"/>
               <a:t>Third level</a:t>
             </a:r>
           </a:p>
           <a:p>
             <a:pPr lvl="3"/>
             <a:r>
-              <a:rPr lang="en-US" smtClean="0"/>
+              <a:rPr lang="en-US"/>
               <a:t>Fourth level</a:t>
             </a:r>
           </a:p>
           <a:p>
             <a:pPr lvl="4"/>
             <a:r>
-              <a:rPr lang="en-US" smtClean="0"/>
+              <a:rPr lang="en-US"/>
               <a:t>Fifth level</a:t>
             </a:r>
-            <a:endParaRPr lang="en-US"/>
           </a:p>
         </p:txBody>
       </p:sp>
@@ -3295,38 +3232,37 @@
           <a:p>
             <a:pPr lvl="0"/>
             <a:r>
-              <a:rPr lang="en-US" smtClean="0"/>
+              <a:rPr lang="en-US"/>
               <a:t>Click to edit Master text styles</a:t>
             </a:r>
           </a:p>
           <a:p>
             <a:pPr lvl="1"/>
             <a:r>
-              <a:rPr lang="en-US" smtClean="0"/>
+              <a:rPr lang="en-US"/>
               <a:t>Second level</a:t>
             </a:r>
           </a:p>
           <a:p>
             <a:pPr lvl="2"/>
             <a:r>
-              <a:rPr lang="en-US" smtClean="0"/>
+              <a:rPr lang="en-US"/>
               <a:t>Third level</a:t>
             </a:r>
           </a:p>
           <a:p>
             <a:pPr lvl="3"/>
             <a:r>
-              <a:rPr lang="en-US" smtClean="0"/>
+              <a:rPr lang="en-US"/>
               <a:t>Fourth level</a:t>
             </a:r>
           </a:p>
           <a:p>
             <a:pPr lvl="4"/>
             <a:r>
-              <a:rPr lang="en-US" smtClean="0"/>
+              <a:rPr lang="en-US"/>
               <a:t>Fifth level</a:t>
             </a:r>
-            <a:endParaRPr lang="en-US"/>
           </a:p>
         </p:txBody>
       </p:sp>
@@ -3347,7 +3283,7 @@
           <a:p>
             <a:fld id="{5D1846AD-9252-4647-9435-4C2AC365653A}" type="datetime1">
               <a:rPr lang="en-US" smtClean="0"/>
-              <a:t>10/19/2015</a:t>
+              <a:t>9/6/2016</a:t>
             </a:fld>
             <a:endParaRPr lang="en-US"/>
           </a:p>
@@ -3445,10 +3381,9 @@
           </a:lstStyle>
           <a:p>
             <a:r>
-              <a:rPr lang="en-US" smtClean="0"/>
+              <a:rPr lang="en-US"/>
               <a:t>Click to edit Master title style</a:t>
             </a:r>
-            <a:endParaRPr lang="en-US"/>
           </a:p>
         </p:txBody>
       </p:sp>
@@ -3511,7 +3446,7 @@
           <a:p>
             <a:pPr lvl="0"/>
             <a:r>
-              <a:rPr lang="en-US" smtClean="0"/>
+              <a:rPr lang="en-US"/>
               <a:t>Click to edit Master text styles</a:t>
             </a:r>
           </a:p>
@@ -3567,38 +3502,37 @@
           <a:p>
             <a:pPr lvl="0"/>
             <a:r>
-              <a:rPr lang="en-US" smtClean="0"/>
+              <a:rPr lang="en-US"/>
               <a:t>Click to edit Master text styles</a:t>
             </a:r>
           </a:p>
           <a:p>
             <a:pPr lvl="1"/>
             <a:r>
-              <a:rPr lang="en-US" smtClean="0"/>
+              <a:rPr lang="en-US"/>
               <a:t>Second level</a:t>
             </a:r>
           </a:p>
           <a:p>
             <a:pPr lvl="2"/>
             <a:r>
-              <a:rPr lang="en-US" smtClean="0"/>
+              <a:rPr lang="en-US"/>
               <a:t>Third level</a:t>
             </a:r>
           </a:p>
           <a:p>
             <a:pPr lvl="3"/>
             <a:r>
-              <a:rPr lang="en-US" smtClean="0"/>
+              <a:rPr lang="en-US"/>
               <a:t>Fourth level</a:t>
             </a:r>
           </a:p>
           <a:p>
             <a:pPr lvl="4"/>
             <a:r>
-              <a:rPr lang="en-US" smtClean="0"/>
+              <a:rPr lang="en-US"/>
               <a:t>Fifth level</a:t>
             </a:r>
-            <a:endParaRPr lang="en-US"/>
           </a:p>
         </p:txBody>
       </p:sp>
@@ -3661,7 +3595,7 @@
           <a:p>
             <a:pPr lvl="0"/>
             <a:r>
-              <a:rPr lang="en-US" smtClean="0"/>
+              <a:rPr lang="en-US"/>
               <a:t>Click to edit Master text styles</a:t>
             </a:r>
           </a:p>
@@ -3717,38 +3651,37 @@
           <a:p>
             <a:pPr lvl="0"/>
             <a:r>
-              <a:rPr lang="en-US" smtClean="0"/>
+              <a:rPr lang="en-US"/>
               <a:t>Click to edit Master text styles</a:t>
             </a:r>
           </a:p>
           <a:p>
             <a:pPr lvl="1"/>
             <a:r>
-              <a:rPr lang="en-US" smtClean="0"/>
+              <a:rPr lang="en-US"/>
               <a:t>Second level</a:t>
             </a:r>
           </a:p>
           <a:p>
             <a:pPr lvl="2"/>
             <a:r>
-              <a:rPr lang="en-US" smtClean="0"/>
+              <a:rPr lang="en-US"/>
               <a:t>Third level</a:t>
             </a:r>
           </a:p>
           <a:p>
             <a:pPr lvl="3"/>
             <a:r>
-              <a:rPr lang="en-US" smtClean="0"/>
+              <a:rPr lang="en-US"/>
               <a:t>Fourth level</a:t>
             </a:r>
           </a:p>
           <a:p>
             <a:pPr lvl="4"/>
             <a:r>
-              <a:rPr lang="en-US" smtClean="0"/>
+              <a:rPr lang="en-US"/>
               <a:t>Fifth level</a:t>
             </a:r>
-            <a:endParaRPr lang="en-US"/>
           </a:p>
         </p:txBody>
       </p:sp>
@@ -3769,7 +3702,7 @@
           <a:p>
             <a:fld id="{CE56DC10-3561-4063-A6AF-C1CC7A41040A}" type="datetime1">
               <a:rPr lang="en-US" smtClean="0"/>
-              <a:t>10/19/2015</a:t>
+              <a:t>9/6/2016</a:t>
             </a:fld>
             <a:endParaRPr lang="en-US"/>
           </a:p>
@@ -3863,10 +3796,9 @@
           <a:lstStyle/>
           <a:p>
             <a:r>
-              <a:rPr lang="en-US" smtClean="0"/>
+              <a:rPr lang="en-US"/>
               <a:t>Click to edit Master title style</a:t>
             </a:r>
-            <a:endParaRPr lang="en-US"/>
           </a:p>
         </p:txBody>
       </p:sp>
@@ -3887,7 +3819,7 @@
           <a:p>
             <a:fld id="{2F7B77F5-1464-4F6B-92A8-64FC8A508293}" type="datetime1">
               <a:rPr lang="en-US" smtClean="0"/>
-              <a:t>10/19/2015</a:t>
+              <a:t>9/6/2016</a:t>
             </a:fld>
             <a:endParaRPr lang="en-US"/>
           </a:p>
@@ -3945,13 +3877,6 @@
   <p:clrMapOvr>
     <a:masterClrMapping/>
   </p:clrMapOvr>
-  <p:timing>
-    <p:tnLst>
-      <p:par>
-        <p:cTn id="1" dur="indefinite" restart="never" nodeType="tmRoot"/>
-      </p:par>
-    </p:tnLst>
-  </p:timing>
 </p:sldLayout>
 </file>
 
@@ -4015,10 +3940,9 @@
           <a:lstStyle/>
           <a:p>
             <a:r>
-              <a:rPr lang="en-US" smtClean="0"/>
+              <a:rPr lang="en-US"/>
               <a:t>Click to edit Master title style</a:t>
             </a:r>
-            <a:endParaRPr lang="en-US"/>
           </a:p>
         </p:txBody>
       </p:sp>
@@ -4049,38 +3973,37 @@
           <a:p>
             <a:pPr lvl="0"/>
             <a:r>
-              <a:rPr lang="en-US" smtClean="0"/>
+              <a:rPr lang="en-US"/>
               <a:t>Click to edit Master text styles</a:t>
             </a:r>
           </a:p>
           <a:p>
             <a:pPr lvl="1"/>
             <a:r>
-              <a:rPr lang="en-US" smtClean="0"/>
+              <a:rPr lang="en-US"/>
               <a:t>Second level</a:t>
             </a:r>
           </a:p>
           <a:p>
             <a:pPr lvl="2"/>
             <a:r>
-              <a:rPr lang="en-US" smtClean="0"/>
+              <a:rPr lang="en-US"/>
               <a:t>Third level</a:t>
             </a:r>
           </a:p>
           <a:p>
             <a:pPr lvl="3"/>
             <a:r>
-              <a:rPr lang="en-US" smtClean="0"/>
+              <a:rPr lang="en-US"/>
               <a:t>Fourth level</a:t>
             </a:r>
           </a:p>
           <a:p>
             <a:pPr lvl="4"/>
             <a:r>
-              <a:rPr lang="en-US" smtClean="0"/>
+              <a:rPr lang="en-US"/>
               <a:t>Fifth level</a:t>
             </a:r>
-            <a:endParaRPr lang="en-US"/>
           </a:p>
         </p:txBody>
       </p:sp>
@@ -4119,7 +4042,7 @@
           <a:p>
             <a:fld id="{02B3F677-983B-48DB-ADFD-63FE6CBC7FB2}" type="datetime1">
               <a:rPr lang="en-US" smtClean="0"/>
-              <a:t>10/19/2015</a:t>
+              <a:t>9/6/2016</a:t>
             </a:fld>
             <a:endParaRPr lang="en-US"/>
           </a:p>
@@ -4227,13 +4150,6 @@
     <p:sldLayoutId id="2147483673" r:id="rId13"/>
     <p:sldLayoutId id="2147483674" r:id="rId14"/>
   </p:sldLayoutIdLst>
-  <p:timing>
-    <p:tnLst>
-      <p:par>
-        <p:cTn id="1" dur="indefinite" restart="never" nodeType="tmRoot"/>
-      </p:par>
-    </p:tnLst>
-  </p:timing>
   <p:hf hdr="0" ftr="0" dt="0"/>
   <p:txStyles>
     <p:titleStyle>
@@ -4521,10 +4437,9 @@
           <a:lstStyle/>
           <a:p>
             <a:r>
-              <a:rPr lang="en-US" dirty="0" smtClean="0"/>
+              <a:rPr lang="en-US" dirty="0"/>
               <a:t>Mutually-Recursive Data Definitions</a:t>
             </a:r>
-            <a:endParaRPr lang="en-US" dirty="0"/>
           </a:p>
         </p:txBody>
       </p:sp>
@@ -4544,21 +4459,21 @@
           <a:lstStyle/>
           <a:p>
             <a:r>
-              <a:rPr lang="en-US" dirty="0" smtClean="0"/>
+              <a:rPr lang="en-US" dirty="0"/>
               <a:t>CS 5010 Program Design Paradigms “</a:t>
             </a:r>
             <a:r>
-              <a:rPr lang="en-US" dirty="0" err="1" smtClean="0"/>
+              <a:rPr lang="en-US" dirty="0" err="1"/>
               <a:t>Bootcamp</a:t>
             </a:r>
             <a:r>
-              <a:rPr lang="en-US" dirty="0" smtClean="0"/>
+              <a:rPr lang="en-US" dirty="0"/>
               <a:t>”</a:t>
             </a:r>
           </a:p>
           <a:p>
             <a:r>
-              <a:rPr lang="en-US" dirty="0" smtClean="0"/>
+              <a:rPr lang="en-US" dirty="0"/>
               <a:t>Lesson 6.4</a:t>
             </a:r>
           </a:p>
@@ -4658,53 +4573,53 @@
             <a:p>
               <a:r>
                 <a:rPr lang="en-US" sz="1000" dirty="0"/>
-                <a:t>© Mitchell Wand, </a:t>
+                <a:t>© Mitchell Wand</a:t>
               </a:r>
               <a:r>
-                <a:rPr lang="en-US" sz="1000" dirty="0" smtClean="0"/>
-                <a:t>2012-2015</a:t>
+                <a:rPr lang="en-US" sz="1000"/>
+                <a:t>, 2012-2016</a:t>
               </a:r>
+              <a:endParaRPr lang="en-US" sz="1000" dirty="0"/>
             </a:p>
             <a:p>
               <a:r>
-                <a:rPr lang="en-US" sz="1000" dirty="0" smtClean="0"/>
+                <a:rPr lang="en-US" sz="1000" dirty="0"/>
                 <a:t>This work is licensed under a </a:t>
               </a:r>
               <a:r>
-                <a:rPr lang="en-US" sz="1000" dirty="0" smtClean="0">
+                <a:rPr lang="en-US" sz="1000" dirty="0">
                   <a:hlinkClick r:id="rId4"/>
                 </a:rPr>
                 <a:t>Creative Commons Attribution-</a:t>
               </a:r>
               <a:r>
-                <a:rPr lang="en-US" sz="1000" dirty="0" err="1" smtClean="0">
+                <a:rPr lang="en-US" sz="1000" dirty="0" err="1">
                   <a:hlinkClick r:id="rId4"/>
                 </a:rPr>
                 <a:t>NonCommercial</a:t>
               </a:r>
               <a:r>
-                <a:rPr lang="en-US" sz="1000" dirty="0" smtClean="0">
+                <a:rPr lang="en-US" sz="1000" dirty="0">
                   <a:hlinkClick r:id="rId4"/>
                 </a:rPr>
                 <a:t> 3.0 </a:t>
               </a:r>
               <a:r>
-                <a:rPr lang="en-US" sz="1000" dirty="0" err="1" smtClean="0">
+                <a:rPr lang="en-US" sz="1000" dirty="0" err="1">
                   <a:hlinkClick r:id="rId4"/>
                 </a:rPr>
                 <a:t>Unported</a:t>
               </a:r>
               <a:r>
-                <a:rPr lang="en-US" sz="1000" dirty="0" smtClean="0">
+                <a:rPr lang="en-US" sz="1000" dirty="0">
                   <a:hlinkClick r:id="rId4"/>
                 </a:rPr>
                 <a:t> License</a:t>
               </a:r>
               <a:r>
-                <a:rPr lang="en-US" sz="1000" dirty="0" smtClean="0"/>
+                <a:rPr lang="en-US" sz="1000" dirty="0"/>
                 <a:t>.</a:t>
               </a:r>
-              <a:endParaRPr lang="en-US" sz="1000" dirty="0"/>
             </a:p>
           </p:txBody>
         </p:sp>
@@ -4719,13 +4634,6 @@
   <p:clrMapOvr>
     <a:masterClrMapping/>
   </p:clrMapOvr>
-  <p:timing>
-    <p:tnLst>
-      <p:par>
-        <p:cTn id="1" dur="indefinite" restart="never" nodeType="tmRoot"/>
-      </p:par>
-    </p:tnLst>
-  </p:timing>
 </p:sld>
 </file>
 
@@ -4762,10 +4670,9 @@
           <a:lstStyle/>
           <a:p>
             <a:r>
-              <a:rPr lang="en-US" dirty="0" smtClean="0"/>
+              <a:rPr lang="en-US" dirty="0"/>
               <a:t>Templates come in pairs</a:t>
             </a:r>
-            <a:endParaRPr lang="en-US" dirty="0"/>
           </a:p>
         </p:txBody>
       </p:sp>
@@ -4790,21 +4697,21 @@
               <a:buNone/>
             </a:pPr>
             <a:r>
-              <a:rPr lang="en-US" b="1" dirty="0" smtClean="0">
+              <a:rPr lang="en-US" b="1" dirty="0">
                 <a:latin typeface="Consolas" pitchFamily="49" charset="0"/>
                 <a:cs typeface="Consolas" pitchFamily="49" charset="0"/>
               </a:rPr>
               <a:t>;; </a:t>
             </a:r>
             <a:r>
-              <a:rPr lang="en-US" b="1" dirty="0" err="1" smtClean="0">
+              <a:rPr lang="en-US" b="1" dirty="0" err="1">
                 <a:latin typeface="Consolas" pitchFamily="49" charset="0"/>
                 <a:cs typeface="Consolas" pitchFamily="49" charset="0"/>
               </a:rPr>
               <a:t>lans</a:t>
             </a:r>
             <a:r>
-              <a:rPr lang="en-US" b="1" dirty="0" smtClean="0">
+              <a:rPr lang="en-US" b="1" dirty="0">
                 <a:latin typeface="Consolas" pitchFamily="49" charset="0"/>
                 <a:cs typeface="Consolas" pitchFamily="49" charset="0"/>
               </a:rPr>
@@ -4816,35 +4723,35 @@
               <a:buNone/>
             </a:pPr>
             <a:r>
-              <a:rPr lang="en-US" b="1" dirty="0" smtClean="0">
+              <a:rPr lang="en-US" b="1" dirty="0">
                 <a:latin typeface="Consolas" pitchFamily="49" charset="0"/>
                 <a:cs typeface="Consolas" pitchFamily="49" charset="0"/>
               </a:rPr>
               <a:t>;; (define (</a:t>
             </a:r>
             <a:r>
-              <a:rPr lang="en-US" b="1" dirty="0" err="1" smtClean="0">
+              <a:rPr lang="en-US" b="1" dirty="0" err="1">
                 <a:latin typeface="Consolas" pitchFamily="49" charset="0"/>
                 <a:cs typeface="Consolas" pitchFamily="49" charset="0"/>
               </a:rPr>
               <a:t>lans</a:t>
             </a:r>
             <a:r>
-              <a:rPr lang="en-US" b="1" dirty="0" smtClean="0">
+              <a:rPr lang="en-US" b="1" dirty="0">
                 <a:latin typeface="Consolas" pitchFamily="49" charset="0"/>
                 <a:cs typeface="Consolas" pitchFamily="49" charset="0"/>
               </a:rPr>
               <a:t>-fn </a:t>
             </a:r>
             <a:r>
-              <a:rPr lang="en-US" b="1" dirty="0" err="1" smtClean="0">
+              <a:rPr lang="en-US" b="1" dirty="0" err="1">
                 <a:latin typeface="Consolas" pitchFamily="49" charset="0"/>
                 <a:cs typeface="Consolas" pitchFamily="49" charset="0"/>
               </a:rPr>
               <a:t>lans</a:t>
             </a:r>
             <a:r>
-              <a:rPr lang="en-US" b="1" dirty="0" smtClean="0">
+              <a:rPr lang="en-US" b="1" dirty="0">
                 <a:latin typeface="Consolas" pitchFamily="49" charset="0"/>
                 <a:cs typeface="Consolas" pitchFamily="49" charset="0"/>
               </a:rPr>
@@ -4856,359 +4763,355 @@
               <a:buNone/>
             </a:pPr>
             <a:r>
-              <a:rPr lang="en-US" b="1" dirty="0" smtClean="0">
+              <a:rPr lang="en-US" b="1" dirty="0">
                 <a:latin typeface="Consolas" pitchFamily="49" charset="0"/>
                 <a:cs typeface="Consolas" pitchFamily="49" charset="0"/>
               </a:rPr>
               <a:t>;;   (</a:t>
             </a:r>
             <a:r>
-              <a:rPr lang="en-US" b="1" dirty="0" err="1" smtClean="0">
+              <a:rPr lang="en-US" b="1" dirty="0" err="1">
                 <a:latin typeface="Consolas" pitchFamily="49" charset="0"/>
                 <a:cs typeface="Consolas" pitchFamily="49" charset="0"/>
               </a:rPr>
               <a:t>cond</a:t>
-            </a:r>
-            <a:endParaRPr lang="en-US" b="1" dirty="0" smtClean="0">
-              <a:latin typeface="Consolas" pitchFamily="49" charset="0"/>
-              <a:cs typeface="Consolas" pitchFamily="49" charset="0"/>
-            </a:endParaRPr>
-          </a:p>
-          <a:p>
-            <a:pPr>
-              <a:buNone/>
-            </a:pPr>
-            <a:r>
-              <a:rPr lang="en-US" b="1" dirty="0" smtClean="0">
-                <a:latin typeface="Consolas" pitchFamily="49" charset="0"/>
-                <a:cs typeface="Consolas" pitchFamily="49" charset="0"/>
-              </a:rPr>
-              <a:t>;;     [(empty? </a:t>
-            </a:r>
-            <a:r>
-              <a:rPr lang="en-US" b="1" dirty="0" err="1" smtClean="0">
-                <a:latin typeface="Consolas" pitchFamily="49" charset="0"/>
-                <a:cs typeface="Consolas" pitchFamily="49" charset="0"/>
-              </a:rPr>
-              <a:t>lans</a:t>
-            </a:r>
-            <a:r>
-              <a:rPr lang="en-US" b="1" dirty="0" smtClean="0">
-                <a:latin typeface="Consolas" pitchFamily="49" charset="0"/>
-                <a:cs typeface="Consolas" pitchFamily="49" charset="0"/>
-              </a:rPr>
-              <a:t>) ...]</a:t>
-            </a:r>
-          </a:p>
-          <a:p>
-            <a:pPr>
-              <a:buNone/>
-            </a:pPr>
-            <a:r>
-              <a:rPr lang="en-US" b="1" dirty="0" smtClean="0">
-                <a:latin typeface="Consolas" pitchFamily="49" charset="0"/>
-                <a:cs typeface="Consolas" pitchFamily="49" charset="0"/>
-              </a:rPr>
-              <a:t>;;     [else (...</a:t>
-            </a:r>
-          </a:p>
-          <a:p>
-            <a:pPr>
-              <a:buNone/>
-            </a:pPr>
-            <a:r>
-              <a:rPr lang="en-US" b="1" dirty="0" smtClean="0">
-                <a:latin typeface="Consolas" pitchFamily="49" charset="0"/>
-                <a:cs typeface="Consolas" pitchFamily="49" charset="0"/>
-              </a:rPr>
-              <a:t>;;             (first </a:t>
-            </a:r>
-            <a:r>
-              <a:rPr lang="en-US" b="1" dirty="0" err="1" smtClean="0">
-                <a:latin typeface="Consolas" pitchFamily="49" charset="0"/>
-                <a:cs typeface="Consolas" pitchFamily="49" charset="0"/>
-              </a:rPr>
-              <a:t>lans</a:t>
-            </a:r>
-            <a:r>
-              <a:rPr lang="en-US" b="1" dirty="0" smtClean="0">
-                <a:latin typeface="Consolas" pitchFamily="49" charset="0"/>
-                <a:cs typeface="Consolas" pitchFamily="49" charset="0"/>
-              </a:rPr>
-              <a:t>)</a:t>
-            </a:r>
-          </a:p>
-          <a:p>
-            <a:pPr>
-              <a:buNone/>
-            </a:pPr>
-            <a:r>
-              <a:rPr lang="en-US" b="1" dirty="0" smtClean="0">
-                <a:latin typeface="Consolas" pitchFamily="49" charset="0"/>
-                <a:cs typeface="Consolas" pitchFamily="49" charset="0"/>
-              </a:rPr>
-              <a:t>;;             (</a:t>
-            </a:r>
-            <a:r>
-              <a:rPr lang="en-US" b="1" dirty="0" err="1" smtClean="0">
-                <a:solidFill>
-                  <a:srgbClr val="FF0000"/>
-                </a:solidFill>
-                <a:latin typeface="Consolas" pitchFamily="49" charset="0"/>
-                <a:cs typeface="Consolas" pitchFamily="49" charset="0"/>
-              </a:rPr>
-              <a:t>lasn</a:t>
-            </a:r>
-            <a:r>
-              <a:rPr lang="en-US" b="1" dirty="0" smtClean="0">
-                <a:solidFill>
-                  <a:srgbClr val="FF0000"/>
-                </a:solidFill>
-                <a:latin typeface="Consolas" pitchFamily="49" charset="0"/>
-                <a:cs typeface="Consolas" pitchFamily="49" charset="0"/>
-              </a:rPr>
-              <a:t>-fn</a:t>
-            </a:r>
-            <a:r>
-              <a:rPr lang="en-US" b="1" dirty="0" smtClean="0">
-                <a:latin typeface="Consolas" pitchFamily="49" charset="0"/>
-                <a:cs typeface="Consolas" pitchFamily="49" charset="0"/>
-              </a:rPr>
-              <a:t> (rest </a:t>
-            </a:r>
-            <a:r>
-              <a:rPr lang="en-US" b="1" dirty="0" err="1" smtClean="0">
-                <a:latin typeface="Consolas" pitchFamily="49" charset="0"/>
-                <a:cs typeface="Consolas" pitchFamily="49" charset="0"/>
-              </a:rPr>
-              <a:t>lans</a:t>
-            </a:r>
-            <a:r>
-              <a:rPr lang="en-US" b="1" dirty="0" smtClean="0">
-                <a:latin typeface="Consolas" pitchFamily="49" charset="0"/>
-                <a:cs typeface="Consolas" pitchFamily="49" charset="0"/>
-              </a:rPr>
-              <a:t>)))]))</a:t>
-            </a:r>
-          </a:p>
-          <a:p>
-            <a:pPr>
-              <a:buNone/>
-            </a:pPr>
-            <a:endParaRPr lang="en-US" b="1" dirty="0" smtClean="0">
-              <a:latin typeface="Consolas" pitchFamily="49" charset="0"/>
-              <a:cs typeface="Consolas" pitchFamily="49" charset="0"/>
-            </a:endParaRPr>
-          </a:p>
-          <a:p>
-            <a:pPr>
-              <a:buNone/>
-            </a:pPr>
-            <a:r>
-              <a:rPr lang="en-US" b="1" dirty="0" smtClean="0">
-                <a:latin typeface="Consolas" pitchFamily="49" charset="0"/>
-                <a:cs typeface="Consolas" pitchFamily="49" charset="0"/>
-              </a:rPr>
-              <a:t>;; </a:t>
-            </a:r>
-            <a:r>
-              <a:rPr lang="en-US" b="1" dirty="0" err="1" smtClean="0">
-                <a:latin typeface="Consolas" pitchFamily="49" charset="0"/>
-                <a:cs typeface="Consolas" pitchFamily="49" charset="0"/>
-              </a:rPr>
-              <a:t>lasn-fn</a:t>
-            </a:r>
-            <a:r>
-              <a:rPr lang="en-US" b="1" dirty="0" smtClean="0">
-                <a:latin typeface="Consolas" pitchFamily="49" charset="0"/>
-                <a:cs typeface="Consolas" pitchFamily="49" charset="0"/>
-              </a:rPr>
-              <a:t> : LASN -&gt; ??</a:t>
-            </a:r>
-          </a:p>
-          <a:p>
-            <a:pPr>
-              <a:buNone/>
-            </a:pPr>
-            <a:r>
-              <a:rPr lang="en-US" b="1" dirty="0" smtClean="0">
-                <a:latin typeface="Consolas" pitchFamily="49" charset="0"/>
-                <a:cs typeface="Consolas" pitchFamily="49" charset="0"/>
-              </a:rPr>
-              <a:t>;; (define (</a:t>
-            </a:r>
-            <a:r>
-              <a:rPr lang="en-US" b="1" dirty="0" err="1" smtClean="0">
-                <a:latin typeface="Consolas" pitchFamily="49" charset="0"/>
-                <a:cs typeface="Consolas" pitchFamily="49" charset="0"/>
-              </a:rPr>
-              <a:t>lasn</a:t>
-            </a:r>
-            <a:r>
-              <a:rPr lang="en-US" b="1" dirty="0" smtClean="0">
-                <a:latin typeface="Consolas" pitchFamily="49" charset="0"/>
-                <a:cs typeface="Consolas" pitchFamily="49" charset="0"/>
-              </a:rPr>
-              <a:t>-fn </a:t>
-            </a:r>
-            <a:r>
-              <a:rPr lang="en-US" b="1" dirty="0" err="1" smtClean="0">
-                <a:latin typeface="Consolas" pitchFamily="49" charset="0"/>
-                <a:cs typeface="Consolas" pitchFamily="49" charset="0"/>
-              </a:rPr>
-              <a:t>lasn</a:t>
-            </a:r>
-            <a:r>
-              <a:rPr lang="en-US" b="1" dirty="0" smtClean="0">
-                <a:latin typeface="Consolas" pitchFamily="49" charset="0"/>
-                <a:cs typeface="Consolas" pitchFamily="49" charset="0"/>
-              </a:rPr>
-              <a:t>)</a:t>
-            </a:r>
-          </a:p>
-          <a:p>
-            <a:pPr>
-              <a:buNone/>
-            </a:pPr>
-            <a:r>
-              <a:rPr lang="en-US" b="1" dirty="0" smtClean="0">
-                <a:latin typeface="Consolas" pitchFamily="49" charset="0"/>
-                <a:cs typeface="Consolas" pitchFamily="49" charset="0"/>
-              </a:rPr>
-              <a:t>;;   (</a:t>
-            </a:r>
-            <a:r>
-              <a:rPr lang="en-US" b="1" dirty="0" err="1" smtClean="0">
-                <a:latin typeface="Consolas" pitchFamily="49" charset="0"/>
-                <a:cs typeface="Consolas" pitchFamily="49" charset="0"/>
-              </a:rPr>
-              <a:t>cond</a:t>
-            </a:r>
-            <a:endParaRPr lang="en-US" b="1" dirty="0" smtClean="0">
-              <a:latin typeface="Consolas" pitchFamily="49" charset="0"/>
-              <a:cs typeface="Consolas" pitchFamily="49" charset="0"/>
-            </a:endParaRPr>
-          </a:p>
-          <a:p>
-            <a:pPr>
-              <a:buNone/>
-            </a:pPr>
-            <a:r>
-              <a:rPr lang="en-US" b="1" dirty="0" smtClean="0">
-                <a:latin typeface="Consolas" pitchFamily="49" charset="0"/>
-                <a:cs typeface="Consolas" pitchFamily="49" charset="0"/>
-              </a:rPr>
-              <a:t>;;     [(empty? </a:t>
-            </a:r>
-            <a:r>
-              <a:rPr lang="en-US" b="1" dirty="0" err="1" smtClean="0">
-                <a:latin typeface="Consolas" pitchFamily="49" charset="0"/>
-                <a:cs typeface="Consolas" pitchFamily="49" charset="0"/>
-              </a:rPr>
-              <a:t>lasn</a:t>
-            </a:r>
-            <a:r>
-              <a:rPr lang="en-US" b="1" dirty="0" smtClean="0">
-                <a:latin typeface="Consolas" pitchFamily="49" charset="0"/>
-                <a:cs typeface="Consolas" pitchFamily="49" charset="0"/>
-              </a:rPr>
-              <a:t>) ...]</a:t>
-            </a:r>
-          </a:p>
-          <a:p>
-            <a:pPr>
-              <a:buNone/>
-            </a:pPr>
-            <a:r>
-              <a:rPr lang="en-US" b="1" dirty="0" smtClean="0">
-                <a:latin typeface="Consolas" pitchFamily="49" charset="0"/>
-                <a:cs typeface="Consolas" pitchFamily="49" charset="0"/>
-              </a:rPr>
-              <a:t>;;     [else (... </a:t>
-            </a:r>
-          </a:p>
-          <a:p>
-            <a:pPr>
-              <a:buNone/>
-            </a:pPr>
-            <a:r>
-              <a:rPr lang="en-US" b="1" dirty="0" smtClean="0">
-                <a:latin typeface="Consolas" pitchFamily="49" charset="0"/>
-                <a:cs typeface="Consolas" pitchFamily="49" charset="0"/>
-              </a:rPr>
-              <a:t>;;             (first </a:t>
-            </a:r>
-            <a:r>
-              <a:rPr lang="en-US" b="1" dirty="0" err="1" smtClean="0">
-                <a:latin typeface="Consolas" pitchFamily="49" charset="0"/>
-                <a:cs typeface="Consolas" pitchFamily="49" charset="0"/>
-              </a:rPr>
-              <a:t>lasn</a:t>
-            </a:r>
-            <a:r>
-              <a:rPr lang="en-US" b="1" dirty="0" smtClean="0">
-                <a:latin typeface="Consolas" pitchFamily="49" charset="0"/>
-                <a:cs typeface="Consolas" pitchFamily="49" charset="0"/>
-              </a:rPr>
-              <a:t>)</a:t>
-            </a:r>
-          </a:p>
-          <a:p>
-            <a:pPr>
-              <a:buNone/>
-            </a:pPr>
-            <a:r>
-              <a:rPr lang="en-US" b="1" dirty="0" smtClean="0">
-                <a:latin typeface="Consolas" pitchFamily="49" charset="0"/>
-                <a:cs typeface="Consolas" pitchFamily="49" charset="0"/>
-              </a:rPr>
-              <a:t>;;             (</a:t>
-            </a:r>
-            <a:r>
-              <a:rPr lang="en-US" b="1" dirty="0" err="1" smtClean="0">
-                <a:solidFill>
-                  <a:srgbClr val="FF0000"/>
-                </a:solidFill>
-                <a:latin typeface="Consolas" pitchFamily="49" charset="0"/>
-                <a:cs typeface="Consolas" pitchFamily="49" charset="0"/>
-              </a:rPr>
-              <a:t>lans</a:t>
-            </a:r>
-            <a:r>
-              <a:rPr lang="en-US" b="1" dirty="0" smtClean="0">
-                <a:solidFill>
-                  <a:srgbClr val="FF0000"/>
-                </a:solidFill>
-                <a:latin typeface="Consolas" pitchFamily="49" charset="0"/>
-                <a:cs typeface="Consolas" pitchFamily="49" charset="0"/>
-              </a:rPr>
-              <a:t>-fn</a:t>
-            </a:r>
-            <a:r>
-              <a:rPr lang="en-US" b="1" dirty="0" smtClean="0">
-                <a:latin typeface="Consolas" pitchFamily="49" charset="0"/>
-                <a:cs typeface="Consolas" pitchFamily="49" charset="0"/>
-              </a:rPr>
-              <a:t> (rest </a:t>
-            </a:r>
-            <a:r>
-              <a:rPr lang="en-US" b="1" dirty="0" err="1" smtClean="0">
-                <a:latin typeface="Consolas" pitchFamily="49" charset="0"/>
-                <a:cs typeface="Consolas" pitchFamily="49" charset="0"/>
-              </a:rPr>
-              <a:t>lasn</a:t>
-            </a:r>
-            <a:r>
-              <a:rPr lang="en-US" b="1" dirty="0" smtClean="0">
-                <a:latin typeface="Consolas" pitchFamily="49" charset="0"/>
-                <a:cs typeface="Consolas" pitchFamily="49" charset="0"/>
-              </a:rPr>
-              <a:t>)))]))</a:t>
             </a:r>
             <a:endParaRPr lang="en-US" b="1" dirty="0">
               <a:latin typeface="Consolas" pitchFamily="49" charset="0"/>
               <a:cs typeface="Consolas" pitchFamily="49" charset="0"/>
             </a:endParaRPr>
+          </a:p>
+          <a:p>
+            <a:pPr>
+              <a:buNone/>
+            </a:pPr>
+            <a:r>
+              <a:rPr lang="en-US" b="1" dirty="0">
+                <a:latin typeface="Consolas" pitchFamily="49" charset="0"/>
+                <a:cs typeface="Consolas" pitchFamily="49" charset="0"/>
+              </a:rPr>
+              <a:t>;;     [(empty? </a:t>
+            </a:r>
+            <a:r>
+              <a:rPr lang="en-US" b="1" dirty="0" err="1">
+                <a:latin typeface="Consolas" pitchFamily="49" charset="0"/>
+                <a:cs typeface="Consolas" pitchFamily="49" charset="0"/>
+              </a:rPr>
+              <a:t>lans</a:t>
+            </a:r>
+            <a:r>
+              <a:rPr lang="en-US" b="1" dirty="0">
+                <a:latin typeface="Consolas" pitchFamily="49" charset="0"/>
+                <a:cs typeface="Consolas" pitchFamily="49" charset="0"/>
+              </a:rPr>
+              <a:t>) ...]</a:t>
+            </a:r>
+          </a:p>
+          <a:p>
+            <a:pPr>
+              <a:buNone/>
+            </a:pPr>
+            <a:r>
+              <a:rPr lang="en-US" b="1" dirty="0">
+                <a:latin typeface="Consolas" pitchFamily="49" charset="0"/>
+                <a:cs typeface="Consolas" pitchFamily="49" charset="0"/>
+              </a:rPr>
+              <a:t>;;     [else (...</a:t>
+            </a:r>
+          </a:p>
+          <a:p>
+            <a:pPr>
+              <a:buNone/>
+            </a:pPr>
+            <a:r>
+              <a:rPr lang="en-US" b="1" dirty="0">
+                <a:latin typeface="Consolas" pitchFamily="49" charset="0"/>
+                <a:cs typeface="Consolas" pitchFamily="49" charset="0"/>
+              </a:rPr>
+              <a:t>;;             (first </a:t>
+            </a:r>
+            <a:r>
+              <a:rPr lang="en-US" b="1" dirty="0" err="1">
+                <a:latin typeface="Consolas" pitchFamily="49" charset="0"/>
+                <a:cs typeface="Consolas" pitchFamily="49" charset="0"/>
+              </a:rPr>
+              <a:t>lans</a:t>
+            </a:r>
+            <a:r>
+              <a:rPr lang="en-US" b="1" dirty="0">
+                <a:latin typeface="Consolas" pitchFamily="49" charset="0"/>
+                <a:cs typeface="Consolas" pitchFamily="49" charset="0"/>
+              </a:rPr>
+              <a:t>)</a:t>
+            </a:r>
+          </a:p>
+          <a:p>
+            <a:pPr>
+              <a:buNone/>
+            </a:pPr>
+            <a:r>
+              <a:rPr lang="en-US" b="1" dirty="0">
+                <a:latin typeface="Consolas" pitchFamily="49" charset="0"/>
+                <a:cs typeface="Consolas" pitchFamily="49" charset="0"/>
+              </a:rPr>
+              <a:t>;;             (</a:t>
+            </a:r>
+            <a:r>
+              <a:rPr lang="en-US" b="1" dirty="0" err="1">
+                <a:solidFill>
+                  <a:srgbClr val="FF0000"/>
+                </a:solidFill>
+                <a:latin typeface="Consolas" pitchFamily="49" charset="0"/>
+                <a:cs typeface="Consolas" pitchFamily="49" charset="0"/>
+              </a:rPr>
+              <a:t>lasn</a:t>
+            </a:r>
+            <a:r>
+              <a:rPr lang="en-US" b="1" dirty="0">
+                <a:solidFill>
+                  <a:srgbClr val="FF0000"/>
+                </a:solidFill>
+                <a:latin typeface="Consolas" pitchFamily="49" charset="0"/>
+                <a:cs typeface="Consolas" pitchFamily="49" charset="0"/>
+              </a:rPr>
+              <a:t>-fn</a:t>
+            </a:r>
+            <a:r>
+              <a:rPr lang="en-US" b="1" dirty="0">
+                <a:latin typeface="Consolas" pitchFamily="49" charset="0"/>
+                <a:cs typeface="Consolas" pitchFamily="49" charset="0"/>
+              </a:rPr>
+              <a:t> (rest </a:t>
+            </a:r>
+            <a:r>
+              <a:rPr lang="en-US" b="1" dirty="0" err="1">
+                <a:latin typeface="Consolas" pitchFamily="49" charset="0"/>
+                <a:cs typeface="Consolas" pitchFamily="49" charset="0"/>
+              </a:rPr>
+              <a:t>lans</a:t>
+            </a:r>
+            <a:r>
+              <a:rPr lang="en-US" b="1" dirty="0">
+                <a:latin typeface="Consolas" pitchFamily="49" charset="0"/>
+                <a:cs typeface="Consolas" pitchFamily="49" charset="0"/>
+              </a:rPr>
+              <a:t>)))]))</a:t>
+            </a:r>
+          </a:p>
+          <a:p>
+            <a:pPr>
+              <a:buNone/>
+            </a:pPr>
+            <a:endParaRPr lang="en-US" b="1" dirty="0">
+              <a:latin typeface="Consolas" pitchFamily="49" charset="0"/>
+              <a:cs typeface="Consolas" pitchFamily="49" charset="0"/>
+            </a:endParaRPr>
+          </a:p>
+          <a:p>
+            <a:pPr>
+              <a:buNone/>
+            </a:pPr>
+            <a:r>
+              <a:rPr lang="en-US" b="1" dirty="0">
+                <a:latin typeface="Consolas" pitchFamily="49" charset="0"/>
+                <a:cs typeface="Consolas" pitchFamily="49" charset="0"/>
+              </a:rPr>
+              <a:t>;; </a:t>
+            </a:r>
+            <a:r>
+              <a:rPr lang="en-US" b="1" dirty="0" err="1">
+                <a:latin typeface="Consolas" pitchFamily="49" charset="0"/>
+                <a:cs typeface="Consolas" pitchFamily="49" charset="0"/>
+              </a:rPr>
+              <a:t>lasn-fn</a:t>
+            </a:r>
+            <a:r>
+              <a:rPr lang="en-US" b="1" dirty="0">
+                <a:latin typeface="Consolas" pitchFamily="49" charset="0"/>
+                <a:cs typeface="Consolas" pitchFamily="49" charset="0"/>
+              </a:rPr>
+              <a:t> : LASN -&gt; ??</a:t>
+            </a:r>
+          </a:p>
+          <a:p>
+            <a:pPr>
+              <a:buNone/>
+            </a:pPr>
+            <a:r>
+              <a:rPr lang="en-US" b="1" dirty="0">
+                <a:latin typeface="Consolas" pitchFamily="49" charset="0"/>
+                <a:cs typeface="Consolas" pitchFamily="49" charset="0"/>
+              </a:rPr>
+              <a:t>;; (define (</a:t>
+            </a:r>
+            <a:r>
+              <a:rPr lang="en-US" b="1" dirty="0" err="1">
+                <a:latin typeface="Consolas" pitchFamily="49" charset="0"/>
+                <a:cs typeface="Consolas" pitchFamily="49" charset="0"/>
+              </a:rPr>
+              <a:t>lasn</a:t>
+            </a:r>
+            <a:r>
+              <a:rPr lang="en-US" b="1" dirty="0">
+                <a:latin typeface="Consolas" pitchFamily="49" charset="0"/>
+                <a:cs typeface="Consolas" pitchFamily="49" charset="0"/>
+              </a:rPr>
+              <a:t>-fn </a:t>
+            </a:r>
+            <a:r>
+              <a:rPr lang="en-US" b="1" dirty="0" err="1">
+                <a:latin typeface="Consolas" pitchFamily="49" charset="0"/>
+                <a:cs typeface="Consolas" pitchFamily="49" charset="0"/>
+              </a:rPr>
+              <a:t>lasn</a:t>
+            </a:r>
+            <a:r>
+              <a:rPr lang="en-US" b="1" dirty="0">
+                <a:latin typeface="Consolas" pitchFamily="49" charset="0"/>
+                <a:cs typeface="Consolas" pitchFamily="49" charset="0"/>
+              </a:rPr>
+              <a:t>)</a:t>
+            </a:r>
+          </a:p>
+          <a:p>
+            <a:pPr>
+              <a:buNone/>
+            </a:pPr>
+            <a:r>
+              <a:rPr lang="en-US" b="1" dirty="0">
+                <a:latin typeface="Consolas" pitchFamily="49" charset="0"/>
+                <a:cs typeface="Consolas" pitchFamily="49" charset="0"/>
+              </a:rPr>
+              <a:t>;;   (</a:t>
+            </a:r>
+            <a:r>
+              <a:rPr lang="en-US" b="1" dirty="0" err="1">
+                <a:latin typeface="Consolas" pitchFamily="49" charset="0"/>
+                <a:cs typeface="Consolas" pitchFamily="49" charset="0"/>
+              </a:rPr>
+              <a:t>cond</a:t>
+            </a:r>
+            <a:endParaRPr lang="en-US" b="1" dirty="0">
+              <a:latin typeface="Consolas" pitchFamily="49" charset="0"/>
+              <a:cs typeface="Consolas" pitchFamily="49" charset="0"/>
+            </a:endParaRPr>
+          </a:p>
+          <a:p>
+            <a:pPr>
+              <a:buNone/>
+            </a:pPr>
+            <a:r>
+              <a:rPr lang="en-US" b="1" dirty="0">
+                <a:latin typeface="Consolas" pitchFamily="49" charset="0"/>
+                <a:cs typeface="Consolas" pitchFamily="49" charset="0"/>
+              </a:rPr>
+              <a:t>;;     [(empty? </a:t>
+            </a:r>
+            <a:r>
+              <a:rPr lang="en-US" b="1" dirty="0" err="1">
+                <a:latin typeface="Consolas" pitchFamily="49" charset="0"/>
+                <a:cs typeface="Consolas" pitchFamily="49" charset="0"/>
+              </a:rPr>
+              <a:t>lasn</a:t>
+            </a:r>
+            <a:r>
+              <a:rPr lang="en-US" b="1" dirty="0">
+                <a:latin typeface="Consolas" pitchFamily="49" charset="0"/>
+                <a:cs typeface="Consolas" pitchFamily="49" charset="0"/>
+              </a:rPr>
+              <a:t>) ...]</a:t>
+            </a:r>
+          </a:p>
+          <a:p>
+            <a:pPr>
+              <a:buNone/>
+            </a:pPr>
+            <a:r>
+              <a:rPr lang="en-US" b="1" dirty="0">
+                <a:latin typeface="Consolas" pitchFamily="49" charset="0"/>
+                <a:cs typeface="Consolas" pitchFamily="49" charset="0"/>
+              </a:rPr>
+              <a:t>;;     [else (... </a:t>
+            </a:r>
+          </a:p>
+          <a:p>
+            <a:pPr>
+              <a:buNone/>
+            </a:pPr>
+            <a:r>
+              <a:rPr lang="en-US" b="1" dirty="0">
+                <a:latin typeface="Consolas" pitchFamily="49" charset="0"/>
+                <a:cs typeface="Consolas" pitchFamily="49" charset="0"/>
+              </a:rPr>
+              <a:t>;;             (first </a:t>
+            </a:r>
+            <a:r>
+              <a:rPr lang="en-US" b="1" dirty="0" err="1">
+                <a:latin typeface="Consolas" pitchFamily="49" charset="0"/>
+                <a:cs typeface="Consolas" pitchFamily="49" charset="0"/>
+              </a:rPr>
+              <a:t>lasn</a:t>
+            </a:r>
+            <a:r>
+              <a:rPr lang="en-US" b="1" dirty="0">
+                <a:latin typeface="Consolas" pitchFamily="49" charset="0"/>
+                <a:cs typeface="Consolas" pitchFamily="49" charset="0"/>
+              </a:rPr>
+              <a:t>)</a:t>
+            </a:r>
+          </a:p>
+          <a:p>
+            <a:pPr>
+              <a:buNone/>
+            </a:pPr>
+            <a:r>
+              <a:rPr lang="en-US" b="1" dirty="0">
+                <a:latin typeface="Consolas" pitchFamily="49" charset="0"/>
+                <a:cs typeface="Consolas" pitchFamily="49" charset="0"/>
+              </a:rPr>
+              <a:t>;;             (</a:t>
+            </a:r>
+            <a:r>
+              <a:rPr lang="en-US" b="1" dirty="0" err="1">
+                <a:solidFill>
+                  <a:srgbClr val="FF0000"/>
+                </a:solidFill>
+                <a:latin typeface="Consolas" pitchFamily="49" charset="0"/>
+                <a:cs typeface="Consolas" pitchFamily="49" charset="0"/>
+              </a:rPr>
+              <a:t>lans</a:t>
+            </a:r>
+            <a:r>
+              <a:rPr lang="en-US" b="1" dirty="0">
+                <a:solidFill>
+                  <a:srgbClr val="FF0000"/>
+                </a:solidFill>
+                <a:latin typeface="Consolas" pitchFamily="49" charset="0"/>
+                <a:cs typeface="Consolas" pitchFamily="49" charset="0"/>
+              </a:rPr>
+              <a:t>-fn</a:t>
+            </a:r>
+            <a:r>
+              <a:rPr lang="en-US" b="1" dirty="0">
+                <a:latin typeface="Consolas" pitchFamily="49" charset="0"/>
+                <a:cs typeface="Consolas" pitchFamily="49" charset="0"/>
+              </a:rPr>
+              <a:t> (rest </a:t>
+            </a:r>
+            <a:r>
+              <a:rPr lang="en-US" b="1" dirty="0" err="1">
+                <a:latin typeface="Consolas" pitchFamily="49" charset="0"/>
+                <a:cs typeface="Consolas" pitchFamily="49" charset="0"/>
+              </a:rPr>
+              <a:t>lasn</a:t>
+            </a:r>
+            <a:r>
+              <a:rPr lang="en-US" b="1" dirty="0">
+                <a:latin typeface="Consolas" pitchFamily="49" charset="0"/>
+                <a:cs typeface="Consolas" pitchFamily="49" charset="0"/>
+              </a:rPr>
+              <a:t>)))]))</a:t>
+            </a:r>
           </a:p>
         </p:txBody>
       </p:sp>
@@ -5333,13 +5236,6 @@
   <p:clrMapOvr>
     <a:masterClrMapping/>
   </p:clrMapOvr>
-  <p:timing>
-    <p:tnLst>
-      <p:par>
-        <p:cTn id="1" dur="indefinite" restart="never" nodeType="tmRoot"/>
-      </p:par>
-    </p:tnLst>
-  </p:timing>
 </p:sld>
 </file>
 
@@ -5376,10 +5272,9 @@
           <a:lstStyle/>
           <a:p>
             <a:r>
-              <a:rPr lang="en-US" dirty="0" smtClean="0"/>
+              <a:rPr lang="en-US" dirty="0"/>
               <a:t>Templates are mutually recursive</a:t>
             </a:r>
-            <a:endParaRPr lang="en-US" dirty="0"/>
           </a:p>
         </p:txBody>
       </p:sp>
@@ -5404,21 +5299,21 @@
               <a:buNone/>
             </a:pPr>
             <a:r>
-              <a:rPr lang="en-US" b="1" dirty="0" smtClean="0">
+              <a:rPr lang="en-US" b="1" dirty="0">
                 <a:latin typeface="Consolas" pitchFamily="49" charset="0"/>
                 <a:cs typeface="Consolas" pitchFamily="49" charset="0"/>
               </a:rPr>
               <a:t>;; </a:t>
             </a:r>
             <a:r>
-              <a:rPr lang="en-US" b="1" dirty="0" err="1" smtClean="0">
+              <a:rPr lang="en-US" b="1" dirty="0" err="1">
                 <a:latin typeface="Consolas" pitchFamily="49" charset="0"/>
                 <a:cs typeface="Consolas" pitchFamily="49" charset="0"/>
               </a:rPr>
               <a:t>lans</a:t>
             </a:r>
             <a:r>
-              <a:rPr lang="en-US" b="1" dirty="0" smtClean="0">
+              <a:rPr lang="en-US" b="1" dirty="0">
                 <a:latin typeface="Consolas" pitchFamily="49" charset="0"/>
                 <a:cs typeface="Consolas" pitchFamily="49" charset="0"/>
               </a:rPr>
@@ -5430,35 +5325,35 @@
               <a:buNone/>
             </a:pPr>
             <a:r>
-              <a:rPr lang="en-US" b="1" dirty="0" smtClean="0">
+              <a:rPr lang="en-US" b="1" dirty="0">
                 <a:latin typeface="Consolas" pitchFamily="49" charset="0"/>
                 <a:cs typeface="Consolas" pitchFamily="49" charset="0"/>
               </a:rPr>
               <a:t>;; (define (</a:t>
             </a:r>
             <a:r>
-              <a:rPr lang="en-US" b="1" dirty="0" err="1" smtClean="0">
+              <a:rPr lang="en-US" b="1" dirty="0" err="1">
                 <a:latin typeface="Consolas" pitchFamily="49" charset="0"/>
                 <a:cs typeface="Consolas" pitchFamily="49" charset="0"/>
               </a:rPr>
               <a:t>lans</a:t>
             </a:r>
             <a:r>
-              <a:rPr lang="en-US" b="1" dirty="0" smtClean="0">
+              <a:rPr lang="en-US" b="1" dirty="0">
                 <a:latin typeface="Consolas" pitchFamily="49" charset="0"/>
                 <a:cs typeface="Consolas" pitchFamily="49" charset="0"/>
               </a:rPr>
               <a:t>-fn </a:t>
             </a:r>
             <a:r>
-              <a:rPr lang="en-US" b="1" dirty="0" err="1" smtClean="0">
+              <a:rPr lang="en-US" b="1" dirty="0" err="1">
                 <a:latin typeface="Consolas" pitchFamily="49" charset="0"/>
                 <a:cs typeface="Consolas" pitchFamily="49" charset="0"/>
               </a:rPr>
               <a:t>lans</a:t>
             </a:r>
             <a:r>
-              <a:rPr lang="en-US" b="1" dirty="0" smtClean="0">
+              <a:rPr lang="en-US" b="1" dirty="0">
                 <a:latin typeface="Consolas" pitchFamily="49" charset="0"/>
                 <a:cs typeface="Consolas" pitchFamily="49" charset="0"/>
               </a:rPr>
@@ -5470,333 +5365,329 @@
               <a:buNone/>
             </a:pPr>
             <a:r>
-              <a:rPr lang="en-US" b="1" dirty="0" smtClean="0">
+              <a:rPr lang="en-US" b="1" dirty="0">
                 <a:latin typeface="Consolas" pitchFamily="49" charset="0"/>
                 <a:cs typeface="Consolas" pitchFamily="49" charset="0"/>
               </a:rPr>
               <a:t>;;   (</a:t>
             </a:r>
             <a:r>
-              <a:rPr lang="en-US" b="1" dirty="0" err="1" smtClean="0">
+              <a:rPr lang="en-US" b="1" dirty="0" err="1">
                 <a:latin typeface="Consolas" pitchFamily="49" charset="0"/>
                 <a:cs typeface="Consolas" pitchFamily="49" charset="0"/>
               </a:rPr>
               <a:t>cond</a:t>
-            </a:r>
-            <a:endParaRPr lang="en-US" b="1" dirty="0" smtClean="0">
-              <a:latin typeface="Consolas" pitchFamily="49" charset="0"/>
-              <a:cs typeface="Consolas" pitchFamily="49" charset="0"/>
-            </a:endParaRPr>
-          </a:p>
-          <a:p>
-            <a:pPr>
-              <a:buNone/>
-            </a:pPr>
-            <a:r>
-              <a:rPr lang="en-US" b="1" dirty="0" smtClean="0">
-                <a:latin typeface="Consolas" pitchFamily="49" charset="0"/>
-                <a:cs typeface="Consolas" pitchFamily="49" charset="0"/>
-              </a:rPr>
-              <a:t>;;     [(empty? </a:t>
-            </a:r>
-            <a:r>
-              <a:rPr lang="en-US" b="1" dirty="0" err="1" smtClean="0">
-                <a:latin typeface="Consolas" pitchFamily="49" charset="0"/>
-                <a:cs typeface="Consolas" pitchFamily="49" charset="0"/>
-              </a:rPr>
-              <a:t>lans</a:t>
-            </a:r>
-            <a:r>
-              <a:rPr lang="en-US" b="1" dirty="0" smtClean="0">
-                <a:latin typeface="Consolas" pitchFamily="49" charset="0"/>
-                <a:cs typeface="Consolas" pitchFamily="49" charset="0"/>
-              </a:rPr>
-              <a:t>) ...]</a:t>
-            </a:r>
-          </a:p>
-          <a:p>
-            <a:pPr>
-              <a:buNone/>
-            </a:pPr>
-            <a:r>
-              <a:rPr lang="en-US" b="1" dirty="0" smtClean="0">
-                <a:latin typeface="Consolas" pitchFamily="49" charset="0"/>
-                <a:cs typeface="Consolas" pitchFamily="49" charset="0"/>
-              </a:rPr>
-              <a:t>;;     [else (...</a:t>
-            </a:r>
-          </a:p>
-          <a:p>
-            <a:pPr>
-              <a:buNone/>
-            </a:pPr>
-            <a:r>
-              <a:rPr lang="en-US" b="1" dirty="0" smtClean="0">
-                <a:latin typeface="Consolas" pitchFamily="49" charset="0"/>
-                <a:cs typeface="Consolas" pitchFamily="49" charset="0"/>
-              </a:rPr>
-              <a:t>;;             (first </a:t>
-            </a:r>
-            <a:r>
-              <a:rPr lang="en-US" b="1" dirty="0" err="1" smtClean="0">
-                <a:latin typeface="Consolas" pitchFamily="49" charset="0"/>
-                <a:cs typeface="Consolas" pitchFamily="49" charset="0"/>
-              </a:rPr>
-              <a:t>lans</a:t>
-            </a:r>
-            <a:r>
-              <a:rPr lang="en-US" b="1" dirty="0" smtClean="0">
-                <a:latin typeface="Consolas" pitchFamily="49" charset="0"/>
-                <a:cs typeface="Consolas" pitchFamily="49" charset="0"/>
-              </a:rPr>
-              <a:t>)</a:t>
-            </a:r>
-          </a:p>
-          <a:p>
-            <a:pPr>
-              <a:buNone/>
-            </a:pPr>
-            <a:r>
-              <a:rPr lang="en-US" b="1" dirty="0" smtClean="0">
-                <a:latin typeface="Consolas" pitchFamily="49" charset="0"/>
-                <a:cs typeface="Consolas" pitchFamily="49" charset="0"/>
-              </a:rPr>
-              <a:t>;;             (</a:t>
-            </a:r>
-            <a:r>
-              <a:rPr lang="en-US" b="1" dirty="0" err="1" smtClean="0">
-                <a:latin typeface="Consolas" pitchFamily="49" charset="0"/>
-                <a:cs typeface="Consolas" pitchFamily="49" charset="0"/>
-              </a:rPr>
-              <a:t>lasn</a:t>
-            </a:r>
-            <a:r>
-              <a:rPr lang="en-US" b="1" dirty="0" smtClean="0">
-                <a:latin typeface="Consolas" pitchFamily="49" charset="0"/>
-                <a:cs typeface="Consolas" pitchFamily="49" charset="0"/>
-              </a:rPr>
-              <a:t>-fn (rest </a:t>
-            </a:r>
-            <a:r>
-              <a:rPr lang="en-US" b="1" dirty="0" err="1" smtClean="0">
-                <a:latin typeface="Consolas" pitchFamily="49" charset="0"/>
-                <a:cs typeface="Consolas" pitchFamily="49" charset="0"/>
-              </a:rPr>
-              <a:t>lans</a:t>
-            </a:r>
-            <a:r>
-              <a:rPr lang="en-US" b="1" dirty="0" smtClean="0">
-                <a:latin typeface="Consolas" pitchFamily="49" charset="0"/>
-                <a:cs typeface="Consolas" pitchFamily="49" charset="0"/>
-              </a:rPr>
-              <a:t>)))]))</a:t>
-            </a:r>
-          </a:p>
-          <a:p>
-            <a:pPr>
-              <a:buNone/>
-            </a:pPr>
-            <a:endParaRPr lang="en-US" b="1" dirty="0" smtClean="0">
-              <a:latin typeface="Consolas" pitchFamily="49" charset="0"/>
-              <a:cs typeface="Consolas" pitchFamily="49" charset="0"/>
-            </a:endParaRPr>
-          </a:p>
-          <a:p>
-            <a:pPr>
-              <a:buNone/>
-            </a:pPr>
-            <a:r>
-              <a:rPr lang="en-US" b="1" dirty="0" smtClean="0">
-                <a:latin typeface="Consolas" pitchFamily="49" charset="0"/>
-                <a:cs typeface="Consolas" pitchFamily="49" charset="0"/>
-              </a:rPr>
-              <a:t>;; ;; </a:t>
-            </a:r>
-            <a:r>
-              <a:rPr lang="en-US" b="1" dirty="0" err="1" smtClean="0">
-                <a:latin typeface="Consolas" pitchFamily="49" charset="0"/>
-                <a:cs typeface="Consolas" pitchFamily="49" charset="0"/>
-              </a:rPr>
-              <a:t>lasn</a:t>
-            </a:r>
-            <a:r>
-              <a:rPr lang="en-US" b="1" dirty="0" smtClean="0">
-                <a:latin typeface="Consolas" pitchFamily="49" charset="0"/>
-                <a:cs typeface="Consolas" pitchFamily="49" charset="0"/>
-              </a:rPr>
-              <a:t>-fn : LASN -&gt; ??</a:t>
-            </a:r>
-          </a:p>
-          <a:p>
-            <a:pPr>
-              <a:buNone/>
-            </a:pPr>
-            <a:r>
-              <a:rPr lang="en-US" b="1" dirty="0" smtClean="0">
-                <a:latin typeface="Consolas" pitchFamily="49" charset="0"/>
-                <a:cs typeface="Consolas" pitchFamily="49" charset="0"/>
-              </a:rPr>
-              <a:t>;; (define (</a:t>
-            </a:r>
-            <a:r>
-              <a:rPr lang="en-US" b="1" dirty="0" err="1" smtClean="0">
-                <a:latin typeface="Consolas" pitchFamily="49" charset="0"/>
-                <a:cs typeface="Consolas" pitchFamily="49" charset="0"/>
-              </a:rPr>
-              <a:t>lasn</a:t>
-            </a:r>
-            <a:r>
-              <a:rPr lang="en-US" b="1" dirty="0" smtClean="0">
-                <a:latin typeface="Consolas" pitchFamily="49" charset="0"/>
-                <a:cs typeface="Consolas" pitchFamily="49" charset="0"/>
-              </a:rPr>
-              <a:t>-fn </a:t>
-            </a:r>
-            <a:r>
-              <a:rPr lang="en-US" b="1" dirty="0" err="1" smtClean="0">
-                <a:latin typeface="Consolas" pitchFamily="49" charset="0"/>
-                <a:cs typeface="Consolas" pitchFamily="49" charset="0"/>
-              </a:rPr>
-              <a:t>lasn</a:t>
-            </a:r>
-            <a:r>
-              <a:rPr lang="en-US" b="1" dirty="0" smtClean="0">
-                <a:latin typeface="Consolas" pitchFamily="49" charset="0"/>
-                <a:cs typeface="Consolas" pitchFamily="49" charset="0"/>
-              </a:rPr>
-              <a:t>)</a:t>
-            </a:r>
-          </a:p>
-          <a:p>
-            <a:pPr>
-              <a:buNone/>
-            </a:pPr>
-            <a:r>
-              <a:rPr lang="en-US" b="1" dirty="0" smtClean="0">
-                <a:latin typeface="Consolas" pitchFamily="49" charset="0"/>
-                <a:cs typeface="Consolas" pitchFamily="49" charset="0"/>
-              </a:rPr>
-              <a:t>;;   (</a:t>
-            </a:r>
-            <a:r>
-              <a:rPr lang="en-US" b="1" dirty="0" err="1" smtClean="0">
-                <a:latin typeface="Consolas" pitchFamily="49" charset="0"/>
-                <a:cs typeface="Consolas" pitchFamily="49" charset="0"/>
-              </a:rPr>
-              <a:t>cond</a:t>
-            </a:r>
-            <a:endParaRPr lang="en-US" b="1" dirty="0" smtClean="0">
-              <a:latin typeface="Consolas" pitchFamily="49" charset="0"/>
-              <a:cs typeface="Consolas" pitchFamily="49" charset="0"/>
-            </a:endParaRPr>
-          </a:p>
-          <a:p>
-            <a:pPr>
-              <a:buNone/>
-            </a:pPr>
-            <a:r>
-              <a:rPr lang="en-US" b="1" dirty="0" smtClean="0">
-                <a:latin typeface="Consolas" pitchFamily="49" charset="0"/>
-                <a:cs typeface="Consolas" pitchFamily="49" charset="0"/>
-              </a:rPr>
-              <a:t>;;     [(empty? </a:t>
-            </a:r>
-            <a:r>
-              <a:rPr lang="en-US" b="1" dirty="0" err="1" smtClean="0">
-                <a:latin typeface="Consolas" pitchFamily="49" charset="0"/>
-                <a:cs typeface="Consolas" pitchFamily="49" charset="0"/>
-              </a:rPr>
-              <a:t>lasn</a:t>
-            </a:r>
-            <a:r>
-              <a:rPr lang="en-US" b="1" dirty="0" smtClean="0">
-                <a:latin typeface="Consolas" pitchFamily="49" charset="0"/>
-                <a:cs typeface="Consolas" pitchFamily="49" charset="0"/>
-              </a:rPr>
-              <a:t>) ...]</a:t>
-            </a:r>
-          </a:p>
-          <a:p>
-            <a:pPr>
-              <a:buNone/>
-            </a:pPr>
-            <a:r>
-              <a:rPr lang="en-US" b="1" dirty="0" smtClean="0">
-                <a:latin typeface="Consolas" pitchFamily="49" charset="0"/>
-                <a:cs typeface="Consolas" pitchFamily="49" charset="0"/>
-              </a:rPr>
-              <a:t>;;     [else (... </a:t>
-            </a:r>
-          </a:p>
-          <a:p>
-            <a:pPr>
-              <a:buNone/>
-            </a:pPr>
-            <a:r>
-              <a:rPr lang="en-US" b="1" dirty="0" smtClean="0">
-                <a:latin typeface="Consolas" pitchFamily="49" charset="0"/>
-                <a:cs typeface="Consolas" pitchFamily="49" charset="0"/>
-              </a:rPr>
-              <a:t>;;             (first </a:t>
-            </a:r>
-            <a:r>
-              <a:rPr lang="en-US" b="1" dirty="0" err="1" smtClean="0">
-                <a:latin typeface="Consolas" pitchFamily="49" charset="0"/>
-                <a:cs typeface="Consolas" pitchFamily="49" charset="0"/>
-              </a:rPr>
-              <a:t>lasn</a:t>
-            </a:r>
-            <a:r>
-              <a:rPr lang="en-US" b="1" dirty="0" smtClean="0">
-                <a:latin typeface="Consolas" pitchFamily="49" charset="0"/>
-                <a:cs typeface="Consolas" pitchFamily="49" charset="0"/>
-              </a:rPr>
-              <a:t>)</a:t>
-            </a:r>
-          </a:p>
-          <a:p>
-            <a:pPr>
-              <a:buNone/>
-            </a:pPr>
-            <a:r>
-              <a:rPr lang="en-US" b="1" dirty="0" smtClean="0">
-                <a:latin typeface="Consolas" pitchFamily="49" charset="0"/>
-                <a:cs typeface="Consolas" pitchFamily="49" charset="0"/>
-              </a:rPr>
-              <a:t>;;             (</a:t>
-            </a:r>
-            <a:r>
-              <a:rPr lang="en-US" b="1" dirty="0" err="1" smtClean="0">
-                <a:latin typeface="Consolas" pitchFamily="49" charset="0"/>
-                <a:cs typeface="Consolas" pitchFamily="49" charset="0"/>
-              </a:rPr>
-              <a:t>lans</a:t>
-            </a:r>
-            <a:r>
-              <a:rPr lang="en-US" b="1" dirty="0" smtClean="0">
-                <a:latin typeface="Consolas" pitchFamily="49" charset="0"/>
-                <a:cs typeface="Consolas" pitchFamily="49" charset="0"/>
-              </a:rPr>
-              <a:t>-fn (rest </a:t>
-            </a:r>
-            <a:r>
-              <a:rPr lang="en-US" b="1" dirty="0" err="1" smtClean="0">
-                <a:latin typeface="Consolas" pitchFamily="49" charset="0"/>
-                <a:cs typeface="Consolas" pitchFamily="49" charset="0"/>
-              </a:rPr>
-              <a:t>lasn</a:t>
-            </a:r>
-            <a:r>
-              <a:rPr lang="en-US" b="1" dirty="0" smtClean="0">
-                <a:latin typeface="Consolas" pitchFamily="49" charset="0"/>
-                <a:cs typeface="Consolas" pitchFamily="49" charset="0"/>
-              </a:rPr>
-              <a:t>)))]))</a:t>
             </a:r>
             <a:endParaRPr lang="en-US" b="1" dirty="0">
               <a:latin typeface="Consolas" pitchFamily="49" charset="0"/>
               <a:cs typeface="Consolas" pitchFamily="49" charset="0"/>
             </a:endParaRPr>
+          </a:p>
+          <a:p>
+            <a:pPr>
+              <a:buNone/>
+            </a:pPr>
+            <a:r>
+              <a:rPr lang="en-US" b="1" dirty="0">
+                <a:latin typeface="Consolas" pitchFamily="49" charset="0"/>
+                <a:cs typeface="Consolas" pitchFamily="49" charset="0"/>
+              </a:rPr>
+              <a:t>;;     [(empty? </a:t>
+            </a:r>
+            <a:r>
+              <a:rPr lang="en-US" b="1" dirty="0" err="1">
+                <a:latin typeface="Consolas" pitchFamily="49" charset="0"/>
+                <a:cs typeface="Consolas" pitchFamily="49" charset="0"/>
+              </a:rPr>
+              <a:t>lans</a:t>
+            </a:r>
+            <a:r>
+              <a:rPr lang="en-US" b="1" dirty="0">
+                <a:latin typeface="Consolas" pitchFamily="49" charset="0"/>
+                <a:cs typeface="Consolas" pitchFamily="49" charset="0"/>
+              </a:rPr>
+              <a:t>) ...]</a:t>
+            </a:r>
+          </a:p>
+          <a:p>
+            <a:pPr>
+              <a:buNone/>
+            </a:pPr>
+            <a:r>
+              <a:rPr lang="en-US" b="1" dirty="0">
+                <a:latin typeface="Consolas" pitchFamily="49" charset="0"/>
+                <a:cs typeface="Consolas" pitchFamily="49" charset="0"/>
+              </a:rPr>
+              <a:t>;;     [else (...</a:t>
+            </a:r>
+          </a:p>
+          <a:p>
+            <a:pPr>
+              <a:buNone/>
+            </a:pPr>
+            <a:r>
+              <a:rPr lang="en-US" b="1" dirty="0">
+                <a:latin typeface="Consolas" pitchFamily="49" charset="0"/>
+                <a:cs typeface="Consolas" pitchFamily="49" charset="0"/>
+              </a:rPr>
+              <a:t>;;             (first </a:t>
+            </a:r>
+            <a:r>
+              <a:rPr lang="en-US" b="1" dirty="0" err="1">
+                <a:latin typeface="Consolas" pitchFamily="49" charset="0"/>
+                <a:cs typeface="Consolas" pitchFamily="49" charset="0"/>
+              </a:rPr>
+              <a:t>lans</a:t>
+            </a:r>
+            <a:r>
+              <a:rPr lang="en-US" b="1" dirty="0">
+                <a:latin typeface="Consolas" pitchFamily="49" charset="0"/>
+                <a:cs typeface="Consolas" pitchFamily="49" charset="0"/>
+              </a:rPr>
+              <a:t>)</a:t>
+            </a:r>
+          </a:p>
+          <a:p>
+            <a:pPr>
+              <a:buNone/>
+            </a:pPr>
+            <a:r>
+              <a:rPr lang="en-US" b="1" dirty="0">
+                <a:latin typeface="Consolas" pitchFamily="49" charset="0"/>
+                <a:cs typeface="Consolas" pitchFamily="49" charset="0"/>
+              </a:rPr>
+              <a:t>;;             (</a:t>
+            </a:r>
+            <a:r>
+              <a:rPr lang="en-US" b="1" dirty="0" err="1">
+                <a:latin typeface="Consolas" pitchFamily="49" charset="0"/>
+                <a:cs typeface="Consolas" pitchFamily="49" charset="0"/>
+              </a:rPr>
+              <a:t>lasn</a:t>
+            </a:r>
+            <a:r>
+              <a:rPr lang="en-US" b="1" dirty="0">
+                <a:latin typeface="Consolas" pitchFamily="49" charset="0"/>
+                <a:cs typeface="Consolas" pitchFamily="49" charset="0"/>
+              </a:rPr>
+              <a:t>-fn (rest </a:t>
+            </a:r>
+            <a:r>
+              <a:rPr lang="en-US" b="1" dirty="0" err="1">
+                <a:latin typeface="Consolas" pitchFamily="49" charset="0"/>
+                <a:cs typeface="Consolas" pitchFamily="49" charset="0"/>
+              </a:rPr>
+              <a:t>lans</a:t>
+            </a:r>
+            <a:r>
+              <a:rPr lang="en-US" b="1" dirty="0">
+                <a:latin typeface="Consolas" pitchFamily="49" charset="0"/>
+                <a:cs typeface="Consolas" pitchFamily="49" charset="0"/>
+              </a:rPr>
+              <a:t>)))]))</a:t>
+            </a:r>
+          </a:p>
+          <a:p>
+            <a:pPr>
+              <a:buNone/>
+            </a:pPr>
+            <a:endParaRPr lang="en-US" b="1" dirty="0">
+              <a:latin typeface="Consolas" pitchFamily="49" charset="0"/>
+              <a:cs typeface="Consolas" pitchFamily="49" charset="0"/>
+            </a:endParaRPr>
+          </a:p>
+          <a:p>
+            <a:pPr>
+              <a:buNone/>
+            </a:pPr>
+            <a:r>
+              <a:rPr lang="en-US" b="1" dirty="0">
+                <a:latin typeface="Consolas" pitchFamily="49" charset="0"/>
+                <a:cs typeface="Consolas" pitchFamily="49" charset="0"/>
+              </a:rPr>
+              <a:t>;; ;; </a:t>
+            </a:r>
+            <a:r>
+              <a:rPr lang="en-US" b="1" dirty="0" err="1">
+                <a:latin typeface="Consolas" pitchFamily="49" charset="0"/>
+                <a:cs typeface="Consolas" pitchFamily="49" charset="0"/>
+              </a:rPr>
+              <a:t>lasn</a:t>
+            </a:r>
+            <a:r>
+              <a:rPr lang="en-US" b="1" dirty="0">
+                <a:latin typeface="Consolas" pitchFamily="49" charset="0"/>
+                <a:cs typeface="Consolas" pitchFamily="49" charset="0"/>
+              </a:rPr>
+              <a:t>-fn : LASN -&gt; ??</a:t>
+            </a:r>
+          </a:p>
+          <a:p>
+            <a:pPr>
+              <a:buNone/>
+            </a:pPr>
+            <a:r>
+              <a:rPr lang="en-US" b="1" dirty="0">
+                <a:latin typeface="Consolas" pitchFamily="49" charset="0"/>
+                <a:cs typeface="Consolas" pitchFamily="49" charset="0"/>
+              </a:rPr>
+              <a:t>;; (define (</a:t>
+            </a:r>
+            <a:r>
+              <a:rPr lang="en-US" b="1" dirty="0" err="1">
+                <a:latin typeface="Consolas" pitchFamily="49" charset="0"/>
+                <a:cs typeface="Consolas" pitchFamily="49" charset="0"/>
+              </a:rPr>
+              <a:t>lasn</a:t>
+            </a:r>
+            <a:r>
+              <a:rPr lang="en-US" b="1" dirty="0">
+                <a:latin typeface="Consolas" pitchFamily="49" charset="0"/>
+                <a:cs typeface="Consolas" pitchFamily="49" charset="0"/>
+              </a:rPr>
+              <a:t>-fn </a:t>
+            </a:r>
+            <a:r>
+              <a:rPr lang="en-US" b="1" dirty="0" err="1">
+                <a:latin typeface="Consolas" pitchFamily="49" charset="0"/>
+                <a:cs typeface="Consolas" pitchFamily="49" charset="0"/>
+              </a:rPr>
+              <a:t>lasn</a:t>
+            </a:r>
+            <a:r>
+              <a:rPr lang="en-US" b="1" dirty="0">
+                <a:latin typeface="Consolas" pitchFamily="49" charset="0"/>
+                <a:cs typeface="Consolas" pitchFamily="49" charset="0"/>
+              </a:rPr>
+              <a:t>)</a:t>
+            </a:r>
+          </a:p>
+          <a:p>
+            <a:pPr>
+              <a:buNone/>
+            </a:pPr>
+            <a:r>
+              <a:rPr lang="en-US" b="1" dirty="0">
+                <a:latin typeface="Consolas" pitchFamily="49" charset="0"/>
+                <a:cs typeface="Consolas" pitchFamily="49" charset="0"/>
+              </a:rPr>
+              <a:t>;;   (</a:t>
+            </a:r>
+            <a:r>
+              <a:rPr lang="en-US" b="1" dirty="0" err="1">
+                <a:latin typeface="Consolas" pitchFamily="49" charset="0"/>
+                <a:cs typeface="Consolas" pitchFamily="49" charset="0"/>
+              </a:rPr>
+              <a:t>cond</a:t>
+            </a:r>
+            <a:endParaRPr lang="en-US" b="1" dirty="0">
+              <a:latin typeface="Consolas" pitchFamily="49" charset="0"/>
+              <a:cs typeface="Consolas" pitchFamily="49" charset="0"/>
+            </a:endParaRPr>
+          </a:p>
+          <a:p>
+            <a:pPr>
+              <a:buNone/>
+            </a:pPr>
+            <a:r>
+              <a:rPr lang="en-US" b="1" dirty="0">
+                <a:latin typeface="Consolas" pitchFamily="49" charset="0"/>
+                <a:cs typeface="Consolas" pitchFamily="49" charset="0"/>
+              </a:rPr>
+              <a:t>;;     [(empty? </a:t>
+            </a:r>
+            <a:r>
+              <a:rPr lang="en-US" b="1" dirty="0" err="1">
+                <a:latin typeface="Consolas" pitchFamily="49" charset="0"/>
+                <a:cs typeface="Consolas" pitchFamily="49" charset="0"/>
+              </a:rPr>
+              <a:t>lasn</a:t>
+            </a:r>
+            <a:r>
+              <a:rPr lang="en-US" b="1" dirty="0">
+                <a:latin typeface="Consolas" pitchFamily="49" charset="0"/>
+                <a:cs typeface="Consolas" pitchFamily="49" charset="0"/>
+              </a:rPr>
+              <a:t>) ...]</a:t>
+            </a:r>
+          </a:p>
+          <a:p>
+            <a:pPr>
+              <a:buNone/>
+            </a:pPr>
+            <a:r>
+              <a:rPr lang="en-US" b="1" dirty="0">
+                <a:latin typeface="Consolas" pitchFamily="49" charset="0"/>
+                <a:cs typeface="Consolas" pitchFamily="49" charset="0"/>
+              </a:rPr>
+              <a:t>;;     [else (... </a:t>
+            </a:r>
+          </a:p>
+          <a:p>
+            <a:pPr>
+              <a:buNone/>
+            </a:pPr>
+            <a:r>
+              <a:rPr lang="en-US" b="1" dirty="0">
+                <a:latin typeface="Consolas" pitchFamily="49" charset="0"/>
+                <a:cs typeface="Consolas" pitchFamily="49" charset="0"/>
+              </a:rPr>
+              <a:t>;;             (first </a:t>
+            </a:r>
+            <a:r>
+              <a:rPr lang="en-US" b="1" dirty="0" err="1">
+                <a:latin typeface="Consolas" pitchFamily="49" charset="0"/>
+                <a:cs typeface="Consolas" pitchFamily="49" charset="0"/>
+              </a:rPr>
+              <a:t>lasn</a:t>
+            </a:r>
+            <a:r>
+              <a:rPr lang="en-US" b="1" dirty="0">
+                <a:latin typeface="Consolas" pitchFamily="49" charset="0"/>
+                <a:cs typeface="Consolas" pitchFamily="49" charset="0"/>
+              </a:rPr>
+              <a:t>)</a:t>
+            </a:r>
+          </a:p>
+          <a:p>
+            <a:pPr>
+              <a:buNone/>
+            </a:pPr>
+            <a:r>
+              <a:rPr lang="en-US" b="1" dirty="0">
+                <a:latin typeface="Consolas" pitchFamily="49" charset="0"/>
+                <a:cs typeface="Consolas" pitchFamily="49" charset="0"/>
+              </a:rPr>
+              <a:t>;;             (</a:t>
+            </a:r>
+            <a:r>
+              <a:rPr lang="en-US" b="1" dirty="0" err="1">
+                <a:latin typeface="Consolas" pitchFamily="49" charset="0"/>
+                <a:cs typeface="Consolas" pitchFamily="49" charset="0"/>
+              </a:rPr>
+              <a:t>lans</a:t>
+            </a:r>
+            <a:r>
+              <a:rPr lang="en-US" b="1" dirty="0">
+                <a:latin typeface="Consolas" pitchFamily="49" charset="0"/>
+                <a:cs typeface="Consolas" pitchFamily="49" charset="0"/>
+              </a:rPr>
+              <a:t>-fn (rest </a:t>
+            </a:r>
+            <a:r>
+              <a:rPr lang="en-US" b="1" dirty="0" err="1">
+                <a:latin typeface="Consolas" pitchFamily="49" charset="0"/>
+                <a:cs typeface="Consolas" pitchFamily="49" charset="0"/>
+              </a:rPr>
+              <a:t>lasn</a:t>
+            </a:r>
+            <a:r>
+              <a:rPr lang="en-US" b="1" dirty="0">
+                <a:latin typeface="Consolas" pitchFamily="49" charset="0"/>
+                <a:cs typeface="Consolas" pitchFamily="49" charset="0"/>
+              </a:rPr>
+              <a:t>)))]))</a:t>
+            </a:r>
           </a:p>
         </p:txBody>
       </p:sp>
@@ -5869,7 +5760,7 @@
           <a:lstStyle/>
           <a:p>
             <a:pPr algn="ctr"/>
-            <a:endParaRPr lang="en-US" dirty="0" smtClean="0">
+            <a:endParaRPr lang="en-US" dirty="0">
               <a:solidFill>
                 <a:schemeClr val="tx1"/>
               </a:solidFill>
@@ -5923,7 +5814,7 @@
           <a:lstStyle/>
           <a:p>
             <a:pPr algn="ctr"/>
-            <a:endParaRPr lang="en-US" dirty="0" smtClean="0">
+            <a:endParaRPr lang="en-US" dirty="0">
               <a:solidFill>
                 <a:schemeClr val="tx1"/>
               </a:solidFill>
@@ -5941,13 +5832,6 @@
   <p:clrMapOvr>
     <a:masterClrMapping/>
   </p:clrMapOvr>
-  <p:timing>
-    <p:tnLst>
-      <p:par>
-        <p:cTn id="1" dur="indefinite" restart="never" nodeType="tmRoot"/>
-      </p:par>
-    </p:tnLst>
-  </p:timing>
 </p:sld>
 </file>
 
@@ -5984,10 +5868,9 @@
           <a:lstStyle/>
           <a:p>
             <a:r>
-              <a:rPr lang="en-US" dirty="0" smtClean="0"/>
+              <a:rPr lang="en-US" dirty="0"/>
               <a:t>This is mutual recursion</a:t>
             </a:r>
-            <a:endParaRPr lang="en-US" dirty="0"/>
           </a:p>
         </p:txBody>
       </p:sp>
@@ -6009,7 +5892,7 @@
             <a:pPr>
               <a:buNone/>
             </a:pPr>
-            <a:endParaRPr lang="en-US" b="1" dirty="0" smtClean="0">
+            <a:endParaRPr lang="en-US" b="1" dirty="0">
               <a:latin typeface="Courier New" pitchFamily="49" charset="0"/>
               <a:cs typeface="Courier New" pitchFamily="49" charset="0"/>
             </a:endParaRPr>
@@ -6018,7 +5901,7 @@
             <a:pPr>
               <a:buNone/>
             </a:pPr>
-            <a:endParaRPr lang="en-US" b="1" dirty="0" smtClean="0">
+            <a:endParaRPr lang="en-US" b="1" dirty="0">
               <a:latin typeface="Courier New" pitchFamily="49" charset="0"/>
               <a:cs typeface="Courier New" pitchFamily="49" charset="0"/>
             </a:endParaRPr>
@@ -6027,7 +5910,7 @@
             <a:pPr>
               <a:buNone/>
             </a:pPr>
-            <a:endParaRPr lang="en-US" b="1" dirty="0" smtClean="0">
+            <a:endParaRPr lang="en-US" b="1" dirty="0">
               <a:latin typeface="Courier New" pitchFamily="49" charset="0"/>
               <a:cs typeface="Courier New" pitchFamily="49" charset="0"/>
             </a:endParaRPr>
@@ -6037,28 +5920,28 @@
               <a:buNone/>
             </a:pPr>
             <a:r>
-              <a:rPr lang="en-US" b="1" dirty="0" smtClean="0">
+              <a:rPr lang="en-US" b="1" dirty="0">
                 <a:latin typeface="Courier New" pitchFamily="49" charset="0"/>
                 <a:cs typeface="Courier New" pitchFamily="49" charset="0"/>
               </a:rPr>
               <a:t>     </a:t>
             </a:r>
             <a:r>
-              <a:rPr lang="en-US" b="1" dirty="0" err="1" smtClean="0">
+              <a:rPr lang="en-US" b="1" dirty="0" err="1">
                 <a:latin typeface="Consolas" pitchFamily="49" charset="0"/>
                 <a:cs typeface="Consolas" pitchFamily="49" charset="0"/>
               </a:rPr>
               <a:t>lasn-fn</a:t>
             </a:r>
             <a:r>
-              <a:rPr lang="en-US" b="1" dirty="0" smtClean="0">
+              <a:rPr lang="en-US" b="1" dirty="0">
                 <a:latin typeface="Courier New" pitchFamily="49" charset="0"/>
                 <a:cs typeface="Courier New" pitchFamily="49" charset="0"/>
               </a:rPr>
               <a:t>           </a:t>
             </a:r>
             <a:r>
-              <a:rPr lang="en-US" b="1" dirty="0" err="1" smtClean="0">
+              <a:rPr lang="en-US" b="1" dirty="0" err="1">
                 <a:latin typeface="Consolas" pitchFamily="49" charset="0"/>
                 <a:cs typeface="Consolas" pitchFamily="49" charset="0"/>
               </a:rPr>
@@ -6140,7 +6023,7 @@
           <a:lstStyle/>
           <a:p>
             <a:pPr algn="ctr"/>
-            <a:endParaRPr lang="en-US" dirty="0" smtClean="0">
+            <a:endParaRPr lang="en-US" dirty="0">
               <a:solidFill>
                 <a:schemeClr val="tx1"/>
               </a:solidFill>
@@ -6192,7 +6075,7 @@
           <a:lstStyle/>
           <a:p>
             <a:pPr algn="ctr"/>
-            <a:endParaRPr lang="en-US" dirty="0" smtClean="0">
+            <a:endParaRPr lang="en-US" dirty="0">
               <a:solidFill>
                 <a:schemeClr val="tx1"/>
               </a:solidFill>
@@ -6223,10 +6106,9 @@
           <a:lstStyle/>
           <a:p>
             <a:r>
-              <a:rPr lang="en-US" sz="2400" dirty="0" smtClean="0"/>
+              <a:rPr lang="en-US" sz="2400" dirty="0"/>
               <a:t>defined in terms of </a:t>
             </a:r>
-            <a:endParaRPr lang="en-US" sz="2400" dirty="0"/>
           </a:p>
         </p:txBody>
       </p:sp>
@@ -6253,10 +6135,9 @@
           <a:lstStyle/>
           <a:p>
             <a:r>
-              <a:rPr lang="en-US" sz="2400" dirty="0" smtClean="0"/>
+              <a:rPr lang="en-US" sz="2400" dirty="0"/>
               <a:t>defined in terms of </a:t>
             </a:r>
-            <a:endParaRPr lang="en-US" sz="2400" dirty="0"/>
           </a:p>
         </p:txBody>
       </p:sp>
@@ -6327,13 +6208,6 @@
   <p:clrMapOvr>
     <a:masterClrMapping/>
   </p:clrMapOvr>
-  <p:timing>
-    <p:tnLst>
-      <p:par>
-        <p:cTn id="1" dur="indefinite" restart="never" nodeType="tmRoot"/>
-      </p:par>
-    </p:tnLst>
-  </p:timing>
 </p:sld>
 </file>
 
@@ -6370,10 +6244,9 @@
           <a:lstStyle/>
           <a:p>
             <a:r>
-              <a:rPr lang="en-US" dirty="0" smtClean="0"/>
+              <a:rPr lang="en-US" dirty="0"/>
               <a:t>The template questions</a:t>
             </a:r>
-            <a:endParaRPr lang="en-US" dirty="0"/>
           </a:p>
         </p:txBody>
       </p:sp>
@@ -6398,21 +6271,21 @@
               <a:buNone/>
             </a:pPr>
             <a:r>
-              <a:rPr lang="en-US" b="1" dirty="0" smtClean="0">
+              <a:rPr lang="en-US" b="1" dirty="0">
                 <a:latin typeface="Consolas" pitchFamily="49" charset="0"/>
                 <a:cs typeface="Consolas" pitchFamily="49" charset="0"/>
               </a:rPr>
               <a:t>;; </a:t>
             </a:r>
             <a:r>
-              <a:rPr lang="en-US" b="1" dirty="0" err="1" smtClean="0">
+              <a:rPr lang="en-US" b="1" dirty="0" err="1">
                 <a:latin typeface="Consolas" pitchFamily="49" charset="0"/>
                 <a:cs typeface="Consolas" pitchFamily="49" charset="0"/>
               </a:rPr>
               <a:t>lans</a:t>
             </a:r>
             <a:r>
-              <a:rPr lang="en-US" b="1" dirty="0" smtClean="0">
+              <a:rPr lang="en-US" b="1" dirty="0">
                 <a:latin typeface="Consolas" pitchFamily="49" charset="0"/>
                 <a:cs typeface="Consolas" pitchFamily="49" charset="0"/>
               </a:rPr>
@@ -6424,35 +6297,35 @@
               <a:buNone/>
             </a:pPr>
             <a:r>
-              <a:rPr lang="en-US" b="1" dirty="0" smtClean="0">
+              <a:rPr lang="en-US" b="1" dirty="0">
                 <a:latin typeface="Consolas" pitchFamily="49" charset="0"/>
                 <a:cs typeface="Consolas" pitchFamily="49" charset="0"/>
               </a:rPr>
               <a:t>;; (define (</a:t>
             </a:r>
             <a:r>
-              <a:rPr lang="en-US" b="1" dirty="0" err="1" smtClean="0">
+              <a:rPr lang="en-US" b="1" dirty="0" err="1">
                 <a:latin typeface="Consolas" pitchFamily="49" charset="0"/>
                 <a:cs typeface="Consolas" pitchFamily="49" charset="0"/>
               </a:rPr>
               <a:t>lans</a:t>
             </a:r>
             <a:r>
-              <a:rPr lang="en-US" b="1" dirty="0" smtClean="0">
+              <a:rPr lang="en-US" b="1" dirty="0">
                 <a:latin typeface="Consolas" pitchFamily="49" charset="0"/>
                 <a:cs typeface="Consolas" pitchFamily="49" charset="0"/>
               </a:rPr>
               <a:t>-fn </a:t>
             </a:r>
             <a:r>
-              <a:rPr lang="en-US" b="1" dirty="0" err="1" smtClean="0">
+              <a:rPr lang="en-US" b="1" dirty="0" err="1">
                 <a:latin typeface="Consolas" pitchFamily="49" charset="0"/>
                 <a:cs typeface="Consolas" pitchFamily="49" charset="0"/>
               </a:rPr>
               <a:t>lans</a:t>
             </a:r>
             <a:r>
-              <a:rPr lang="en-US" b="1" dirty="0" smtClean="0">
+              <a:rPr lang="en-US" b="1" dirty="0">
                 <a:latin typeface="Consolas" pitchFamily="49" charset="0"/>
                 <a:cs typeface="Consolas" pitchFamily="49" charset="0"/>
               </a:rPr>
@@ -6464,359 +6337,355 @@
               <a:buNone/>
             </a:pPr>
             <a:r>
-              <a:rPr lang="en-US" b="1" dirty="0" smtClean="0">
+              <a:rPr lang="en-US" b="1" dirty="0">
                 <a:latin typeface="Consolas" pitchFamily="49" charset="0"/>
                 <a:cs typeface="Consolas" pitchFamily="49" charset="0"/>
               </a:rPr>
               <a:t>;;   (</a:t>
             </a:r>
             <a:r>
-              <a:rPr lang="en-US" b="1" dirty="0" err="1" smtClean="0">
+              <a:rPr lang="en-US" b="1" dirty="0" err="1">
                 <a:latin typeface="Consolas" pitchFamily="49" charset="0"/>
                 <a:cs typeface="Consolas" pitchFamily="49" charset="0"/>
               </a:rPr>
               <a:t>cond</a:t>
-            </a:r>
-            <a:endParaRPr lang="en-US" b="1" dirty="0" smtClean="0">
-              <a:latin typeface="Consolas" pitchFamily="49" charset="0"/>
-              <a:cs typeface="Consolas" pitchFamily="49" charset="0"/>
-            </a:endParaRPr>
-          </a:p>
-          <a:p>
-            <a:pPr>
-              <a:buNone/>
-            </a:pPr>
-            <a:r>
-              <a:rPr lang="en-US" b="1" dirty="0" smtClean="0">
-                <a:latin typeface="Consolas" pitchFamily="49" charset="0"/>
-                <a:cs typeface="Consolas" pitchFamily="49" charset="0"/>
-              </a:rPr>
-              <a:t>;;     [(empty? </a:t>
-            </a:r>
-            <a:r>
-              <a:rPr lang="en-US" b="1" dirty="0" err="1" smtClean="0">
-                <a:latin typeface="Consolas" pitchFamily="49" charset="0"/>
-                <a:cs typeface="Consolas" pitchFamily="49" charset="0"/>
-              </a:rPr>
-              <a:t>lans</a:t>
-            </a:r>
-            <a:r>
-              <a:rPr lang="en-US" b="1" dirty="0" smtClean="0">
-                <a:latin typeface="Consolas" pitchFamily="49" charset="0"/>
-                <a:cs typeface="Consolas" pitchFamily="49" charset="0"/>
-              </a:rPr>
-              <a:t>) ...]</a:t>
-            </a:r>
-          </a:p>
-          <a:p>
-            <a:pPr>
-              <a:buNone/>
-            </a:pPr>
-            <a:r>
-              <a:rPr lang="en-US" b="1" dirty="0" smtClean="0">
-                <a:latin typeface="Consolas" pitchFamily="49" charset="0"/>
-                <a:cs typeface="Consolas" pitchFamily="49" charset="0"/>
-              </a:rPr>
-              <a:t>;;     [else (...</a:t>
-            </a:r>
-          </a:p>
-          <a:p>
-            <a:pPr>
-              <a:buNone/>
-            </a:pPr>
-            <a:r>
-              <a:rPr lang="en-US" b="1" dirty="0" smtClean="0">
-                <a:latin typeface="Consolas" pitchFamily="49" charset="0"/>
-                <a:cs typeface="Consolas" pitchFamily="49" charset="0"/>
-              </a:rPr>
-              <a:t>;;             (first </a:t>
-            </a:r>
-            <a:r>
-              <a:rPr lang="en-US" b="1" dirty="0" err="1" smtClean="0">
-                <a:latin typeface="Consolas" pitchFamily="49" charset="0"/>
-                <a:cs typeface="Consolas" pitchFamily="49" charset="0"/>
-              </a:rPr>
-              <a:t>lans</a:t>
-            </a:r>
-            <a:r>
-              <a:rPr lang="en-US" b="1" dirty="0" smtClean="0">
-                <a:latin typeface="Consolas" pitchFamily="49" charset="0"/>
-                <a:cs typeface="Consolas" pitchFamily="49" charset="0"/>
-              </a:rPr>
-              <a:t>)</a:t>
-            </a:r>
-          </a:p>
-          <a:p>
-            <a:pPr>
-              <a:buNone/>
-            </a:pPr>
-            <a:r>
-              <a:rPr lang="en-US" b="1" dirty="0" smtClean="0">
-                <a:latin typeface="Consolas" pitchFamily="49" charset="0"/>
-                <a:cs typeface="Consolas" pitchFamily="49" charset="0"/>
-              </a:rPr>
-              <a:t>;;             (</a:t>
-            </a:r>
-            <a:r>
-              <a:rPr lang="en-US" b="1" dirty="0" err="1" smtClean="0">
-                <a:solidFill>
-                  <a:srgbClr val="FF0000"/>
-                </a:solidFill>
-                <a:latin typeface="Consolas" pitchFamily="49" charset="0"/>
-                <a:cs typeface="Consolas" pitchFamily="49" charset="0"/>
-              </a:rPr>
-              <a:t>lasn</a:t>
-            </a:r>
-            <a:r>
-              <a:rPr lang="en-US" b="1" dirty="0" smtClean="0">
-                <a:solidFill>
-                  <a:srgbClr val="FF0000"/>
-                </a:solidFill>
-                <a:latin typeface="Consolas" pitchFamily="49" charset="0"/>
-                <a:cs typeface="Consolas" pitchFamily="49" charset="0"/>
-              </a:rPr>
-              <a:t>-fn</a:t>
-            </a:r>
-            <a:r>
-              <a:rPr lang="en-US" b="1" dirty="0" smtClean="0">
-                <a:latin typeface="Consolas" pitchFamily="49" charset="0"/>
-                <a:cs typeface="Consolas" pitchFamily="49" charset="0"/>
-              </a:rPr>
-              <a:t> (rest </a:t>
-            </a:r>
-            <a:r>
-              <a:rPr lang="en-US" b="1" dirty="0" err="1" smtClean="0">
-                <a:latin typeface="Consolas" pitchFamily="49" charset="0"/>
-                <a:cs typeface="Consolas" pitchFamily="49" charset="0"/>
-              </a:rPr>
-              <a:t>lans</a:t>
-            </a:r>
-            <a:r>
-              <a:rPr lang="en-US" b="1" dirty="0" smtClean="0">
-                <a:latin typeface="Consolas" pitchFamily="49" charset="0"/>
-                <a:cs typeface="Consolas" pitchFamily="49" charset="0"/>
-              </a:rPr>
-              <a:t>)))]))</a:t>
-            </a:r>
-          </a:p>
-          <a:p>
-            <a:pPr>
-              <a:buNone/>
-            </a:pPr>
-            <a:endParaRPr lang="en-US" b="1" dirty="0" smtClean="0">
-              <a:latin typeface="Consolas" pitchFamily="49" charset="0"/>
-              <a:cs typeface="Consolas" pitchFamily="49" charset="0"/>
-            </a:endParaRPr>
-          </a:p>
-          <a:p>
-            <a:pPr>
-              <a:buNone/>
-            </a:pPr>
-            <a:r>
-              <a:rPr lang="en-US" b="1" dirty="0" smtClean="0">
-                <a:latin typeface="Consolas" pitchFamily="49" charset="0"/>
-                <a:cs typeface="Consolas" pitchFamily="49" charset="0"/>
-              </a:rPr>
-              <a:t>;; ;; </a:t>
-            </a:r>
-            <a:r>
-              <a:rPr lang="en-US" b="1" dirty="0" err="1" smtClean="0">
-                <a:latin typeface="Consolas" pitchFamily="49" charset="0"/>
-                <a:cs typeface="Consolas" pitchFamily="49" charset="0"/>
-              </a:rPr>
-              <a:t>lasn</a:t>
-            </a:r>
-            <a:r>
-              <a:rPr lang="en-US" b="1" dirty="0" smtClean="0">
-                <a:latin typeface="Consolas" pitchFamily="49" charset="0"/>
-                <a:cs typeface="Consolas" pitchFamily="49" charset="0"/>
-              </a:rPr>
-              <a:t>-fn : LASN -&gt; ??</a:t>
-            </a:r>
-          </a:p>
-          <a:p>
-            <a:pPr>
-              <a:buNone/>
-            </a:pPr>
-            <a:r>
-              <a:rPr lang="en-US" b="1" dirty="0" smtClean="0">
-                <a:latin typeface="Consolas" pitchFamily="49" charset="0"/>
-                <a:cs typeface="Consolas" pitchFamily="49" charset="0"/>
-              </a:rPr>
-              <a:t>;; (define (</a:t>
-            </a:r>
-            <a:r>
-              <a:rPr lang="en-US" b="1" dirty="0" err="1" smtClean="0">
-                <a:latin typeface="Consolas" pitchFamily="49" charset="0"/>
-                <a:cs typeface="Consolas" pitchFamily="49" charset="0"/>
-              </a:rPr>
-              <a:t>lasn</a:t>
-            </a:r>
-            <a:r>
-              <a:rPr lang="en-US" b="1" dirty="0" smtClean="0">
-                <a:latin typeface="Consolas" pitchFamily="49" charset="0"/>
-                <a:cs typeface="Consolas" pitchFamily="49" charset="0"/>
-              </a:rPr>
-              <a:t>-fn </a:t>
-            </a:r>
-            <a:r>
-              <a:rPr lang="en-US" b="1" dirty="0" err="1" smtClean="0">
-                <a:latin typeface="Consolas" pitchFamily="49" charset="0"/>
-                <a:cs typeface="Consolas" pitchFamily="49" charset="0"/>
-              </a:rPr>
-              <a:t>lasn</a:t>
-            </a:r>
-            <a:r>
-              <a:rPr lang="en-US" b="1" dirty="0" smtClean="0">
-                <a:latin typeface="Consolas" pitchFamily="49" charset="0"/>
-                <a:cs typeface="Consolas" pitchFamily="49" charset="0"/>
-              </a:rPr>
-              <a:t>)</a:t>
-            </a:r>
-          </a:p>
-          <a:p>
-            <a:pPr>
-              <a:buNone/>
-            </a:pPr>
-            <a:r>
-              <a:rPr lang="en-US" b="1" dirty="0" smtClean="0">
-                <a:latin typeface="Consolas" pitchFamily="49" charset="0"/>
-                <a:cs typeface="Consolas" pitchFamily="49" charset="0"/>
-              </a:rPr>
-              <a:t>;;   (</a:t>
-            </a:r>
-            <a:r>
-              <a:rPr lang="en-US" b="1" dirty="0" err="1" smtClean="0">
-                <a:latin typeface="Consolas" pitchFamily="49" charset="0"/>
-                <a:cs typeface="Consolas" pitchFamily="49" charset="0"/>
-              </a:rPr>
-              <a:t>cond</a:t>
-            </a:r>
-            <a:endParaRPr lang="en-US" b="1" dirty="0" smtClean="0">
-              <a:latin typeface="Consolas" pitchFamily="49" charset="0"/>
-              <a:cs typeface="Consolas" pitchFamily="49" charset="0"/>
-            </a:endParaRPr>
-          </a:p>
-          <a:p>
-            <a:pPr>
-              <a:buNone/>
-            </a:pPr>
-            <a:r>
-              <a:rPr lang="en-US" b="1" dirty="0" smtClean="0">
-                <a:latin typeface="Consolas" pitchFamily="49" charset="0"/>
-                <a:cs typeface="Consolas" pitchFamily="49" charset="0"/>
-              </a:rPr>
-              <a:t>;;     [(empty? </a:t>
-            </a:r>
-            <a:r>
-              <a:rPr lang="en-US" b="1" dirty="0" err="1" smtClean="0">
-                <a:latin typeface="Consolas" pitchFamily="49" charset="0"/>
-                <a:cs typeface="Consolas" pitchFamily="49" charset="0"/>
-              </a:rPr>
-              <a:t>lasn</a:t>
-            </a:r>
-            <a:r>
-              <a:rPr lang="en-US" b="1" dirty="0" smtClean="0">
-                <a:latin typeface="Consolas" pitchFamily="49" charset="0"/>
-                <a:cs typeface="Consolas" pitchFamily="49" charset="0"/>
-              </a:rPr>
-              <a:t>) ...]</a:t>
-            </a:r>
-          </a:p>
-          <a:p>
-            <a:pPr>
-              <a:buNone/>
-            </a:pPr>
-            <a:r>
-              <a:rPr lang="en-US" b="1" dirty="0" smtClean="0">
-                <a:latin typeface="Consolas" pitchFamily="49" charset="0"/>
-                <a:cs typeface="Consolas" pitchFamily="49" charset="0"/>
-              </a:rPr>
-              <a:t>;;     [else (... </a:t>
-            </a:r>
-          </a:p>
-          <a:p>
-            <a:pPr>
-              <a:buNone/>
-            </a:pPr>
-            <a:r>
-              <a:rPr lang="en-US" b="1" dirty="0" smtClean="0">
-                <a:latin typeface="Consolas" pitchFamily="49" charset="0"/>
-                <a:cs typeface="Consolas" pitchFamily="49" charset="0"/>
-              </a:rPr>
-              <a:t>;;             (first </a:t>
-            </a:r>
-            <a:r>
-              <a:rPr lang="en-US" b="1" dirty="0" err="1" smtClean="0">
-                <a:latin typeface="Consolas" pitchFamily="49" charset="0"/>
-                <a:cs typeface="Consolas" pitchFamily="49" charset="0"/>
-              </a:rPr>
-              <a:t>lasn</a:t>
-            </a:r>
-            <a:r>
-              <a:rPr lang="en-US" b="1" dirty="0" smtClean="0">
-                <a:latin typeface="Consolas" pitchFamily="49" charset="0"/>
-                <a:cs typeface="Consolas" pitchFamily="49" charset="0"/>
-              </a:rPr>
-              <a:t>)</a:t>
-            </a:r>
-          </a:p>
-          <a:p>
-            <a:pPr>
-              <a:buNone/>
-            </a:pPr>
-            <a:r>
-              <a:rPr lang="en-US" b="1" dirty="0" smtClean="0">
-                <a:latin typeface="Consolas" pitchFamily="49" charset="0"/>
-                <a:cs typeface="Consolas" pitchFamily="49" charset="0"/>
-              </a:rPr>
-              <a:t>;;             (</a:t>
-            </a:r>
-            <a:r>
-              <a:rPr lang="en-US" b="1" dirty="0" err="1" smtClean="0">
-                <a:solidFill>
-                  <a:srgbClr val="FF0000"/>
-                </a:solidFill>
-                <a:latin typeface="Consolas" pitchFamily="49" charset="0"/>
-                <a:cs typeface="Consolas" pitchFamily="49" charset="0"/>
-              </a:rPr>
-              <a:t>lans</a:t>
-            </a:r>
-            <a:r>
-              <a:rPr lang="en-US" b="1" dirty="0" smtClean="0">
-                <a:solidFill>
-                  <a:srgbClr val="FF0000"/>
-                </a:solidFill>
-                <a:latin typeface="Consolas" pitchFamily="49" charset="0"/>
-                <a:cs typeface="Consolas" pitchFamily="49" charset="0"/>
-              </a:rPr>
-              <a:t>-fn</a:t>
-            </a:r>
-            <a:r>
-              <a:rPr lang="en-US" b="1" dirty="0" smtClean="0">
-                <a:latin typeface="Consolas" pitchFamily="49" charset="0"/>
-                <a:cs typeface="Consolas" pitchFamily="49" charset="0"/>
-              </a:rPr>
-              <a:t> (rest </a:t>
-            </a:r>
-            <a:r>
-              <a:rPr lang="en-US" b="1" dirty="0" err="1" smtClean="0">
-                <a:latin typeface="Consolas" pitchFamily="49" charset="0"/>
-                <a:cs typeface="Consolas" pitchFamily="49" charset="0"/>
-              </a:rPr>
-              <a:t>lasn</a:t>
-            </a:r>
-            <a:r>
-              <a:rPr lang="en-US" b="1" dirty="0" smtClean="0">
-                <a:latin typeface="Consolas" pitchFamily="49" charset="0"/>
-                <a:cs typeface="Consolas" pitchFamily="49" charset="0"/>
-              </a:rPr>
-              <a:t>)))]))</a:t>
             </a:r>
             <a:endParaRPr lang="en-US" b="1" dirty="0">
               <a:latin typeface="Consolas" pitchFamily="49" charset="0"/>
               <a:cs typeface="Consolas" pitchFamily="49" charset="0"/>
             </a:endParaRPr>
+          </a:p>
+          <a:p>
+            <a:pPr>
+              <a:buNone/>
+            </a:pPr>
+            <a:r>
+              <a:rPr lang="en-US" b="1" dirty="0">
+                <a:latin typeface="Consolas" pitchFamily="49" charset="0"/>
+                <a:cs typeface="Consolas" pitchFamily="49" charset="0"/>
+              </a:rPr>
+              <a:t>;;     [(empty? </a:t>
+            </a:r>
+            <a:r>
+              <a:rPr lang="en-US" b="1" dirty="0" err="1">
+                <a:latin typeface="Consolas" pitchFamily="49" charset="0"/>
+                <a:cs typeface="Consolas" pitchFamily="49" charset="0"/>
+              </a:rPr>
+              <a:t>lans</a:t>
+            </a:r>
+            <a:r>
+              <a:rPr lang="en-US" b="1" dirty="0">
+                <a:latin typeface="Consolas" pitchFamily="49" charset="0"/>
+                <a:cs typeface="Consolas" pitchFamily="49" charset="0"/>
+              </a:rPr>
+              <a:t>) ...]</a:t>
+            </a:r>
+          </a:p>
+          <a:p>
+            <a:pPr>
+              <a:buNone/>
+            </a:pPr>
+            <a:r>
+              <a:rPr lang="en-US" b="1" dirty="0">
+                <a:latin typeface="Consolas" pitchFamily="49" charset="0"/>
+                <a:cs typeface="Consolas" pitchFamily="49" charset="0"/>
+              </a:rPr>
+              <a:t>;;     [else (...</a:t>
+            </a:r>
+          </a:p>
+          <a:p>
+            <a:pPr>
+              <a:buNone/>
+            </a:pPr>
+            <a:r>
+              <a:rPr lang="en-US" b="1" dirty="0">
+                <a:latin typeface="Consolas" pitchFamily="49" charset="0"/>
+                <a:cs typeface="Consolas" pitchFamily="49" charset="0"/>
+              </a:rPr>
+              <a:t>;;             (first </a:t>
+            </a:r>
+            <a:r>
+              <a:rPr lang="en-US" b="1" dirty="0" err="1">
+                <a:latin typeface="Consolas" pitchFamily="49" charset="0"/>
+                <a:cs typeface="Consolas" pitchFamily="49" charset="0"/>
+              </a:rPr>
+              <a:t>lans</a:t>
+            </a:r>
+            <a:r>
+              <a:rPr lang="en-US" b="1" dirty="0">
+                <a:latin typeface="Consolas" pitchFamily="49" charset="0"/>
+                <a:cs typeface="Consolas" pitchFamily="49" charset="0"/>
+              </a:rPr>
+              <a:t>)</a:t>
+            </a:r>
+          </a:p>
+          <a:p>
+            <a:pPr>
+              <a:buNone/>
+            </a:pPr>
+            <a:r>
+              <a:rPr lang="en-US" b="1" dirty="0">
+                <a:latin typeface="Consolas" pitchFamily="49" charset="0"/>
+                <a:cs typeface="Consolas" pitchFamily="49" charset="0"/>
+              </a:rPr>
+              <a:t>;;             (</a:t>
+            </a:r>
+            <a:r>
+              <a:rPr lang="en-US" b="1" dirty="0" err="1">
+                <a:solidFill>
+                  <a:srgbClr val="FF0000"/>
+                </a:solidFill>
+                <a:latin typeface="Consolas" pitchFamily="49" charset="0"/>
+                <a:cs typeface="Consolas" pitchFamily="49" charset="0"/>
+              </a:rPr>
+              <a:t>lasn</a:t>
+            </a:r>
+            <a:r>
+              <a:rPr lang="en-US" b="1" dirty="0">
+                <a:solidFill>
+                  <a:srgbClr val="FF0000"/>
+                </a:solidFill>
+                <a:latin typeface="Consolas" pitchFamily="49" charset="0"/>
+                <a:cs typeface="Consolas" pitchFamily="49" charset="0"/>
+              </a:rPr>
+              <a:t>-fn</a:t>
+            </a:r>
+            <a:r>
+              <a:rPr lang="en-US" b="1" dirty="0">
+                <a:latin typeface="Consolas" pitchFamily="49" charset="0"/>
+                <a:cs typeface="Consolas" pitchFamily="49" charset="0"/>
+              </a:rPr>
+              <a:t> (rest </a:t>
+            </a:r>
+            <a:r>
+              <a:rPr lang="en-US" b="1" dirty="0" err="1">
+                <a:latin typeface="Consolas" pitchFamily="49" charset="0"/>
+                <a:cs typeface="Consolas" pitchFamily="49" charset="0"/>
+              </a:rPr>
+              <a:t>lans</a:t>
+            </a:r>
+            <a:r>
+              <a:rPr lang="en-US" b="1" dirty="0">
+                <a:latin typeface="Consolas" pitchFamily="49" charset="0"/>
+                <a:cs typeface="Consolas" pitchFamily="49" charset="0"/>
+              </a:rPr>
+              <a:t>)))]))</a:t>
+            </a:r>
+          </a:p>
+          <a:p>
+            <a:pPr>
+              <a:buNone/>
+            </a:pPr>
+            <a:endParaRPr lang="en-US" b="1" dirty="0">
+              <a:latin typeface="Consolas" pitchFamily="49" charset="0"/>
+              <a:cs typeface="Consolas" pitchFamily="49" charset="0"/>
+            </a:endParaRPr>
+          </a:p>
+          <a:p>
+            <a:pPr>
+              <a:buNone/>
+            </a:pPr>
+            <a:r>
+              <a:rPr lang="en-US" b="1" dirty="0">
+                <a:latin typeface="Consolas" pitchFamily="49" charset="0"/>
+                <a:cs typeface="Consolas" pitchFamily="49" charset="0"/>
+              </a:rPr>
+              <a:t>;; ;; </a:t>
+            </a:r>
+            <a:r>
+              <a:rPr lang="en-US" b="1" dirty="0" err="1">
+                <a:latin typeface="Consolas" pitchFamily="49" charset="0"/>
+                <a:cs typeface="Consolas" pitchFamily="49" charset="0"/>
+              </a:rPr>
+              <a:t>lasn</a:t>
+            </a:r>
+            <a:r>
+              <a:rPr lang="en-US" b="1" dirty="0">
+                <a:latin typeface="Consolas" pitchFamily="49" charset="0"/>
+                <a:cs typeface="Consolas" pitchFamily="49" charset="0"/>
+              </a:rPr>
+              <a:t>-fn : LASN -&gt; ??</a:t>
+            </a:r>
+          </a:p>
+          <a:p>
+            <a:pPr>
+              <a:buNone/>
+            </a:pPr>
+            <a:r>
+              <a:rPr lang="en-US" b="1" dirty="0">
+                <a:latin typeface="Consolas" pitchFamily="49" charset="0"/>
+                <a:cs typeface="Consolas" pitchFamily="49" charset="0"/>
+              </a:rPr>
+              <a:t>;; (define (</a:t>
+            </a:r>
+            <a:r>
+              <a:rPr lang="en-US" b="1" dirty="0" err="1">
+                <a:latin typeface="Consolas" pitchFamily="49" charset="0"/>
+                <a:cs typeface="Consolas" pitchFamily="49" charset="0"/>
+              </a:rPr>
+              <a:t>lasn</a:t>
+            </a:r>
+            <a:r>
+              <a:rPr lang="en-US" b="1" dirty="0">
+                <a:latin typeface="Consolas" pitchFamily="49" charset="0"/>
+                <a:cs typeface="Consolas" pitchFamily="49" charset="0"/>
+              </a:rPr>
+              <a:t>-fn </a:t>
+            </a:r>
+            <a:r>
+              <a:rPr lang="en-US" b="1" dirty="0" err="1">
+                <a:latin typeface="Consolas" pitchFamily="49" charset="0"/>
+                <a:cs typeface="Consolas" pitchFamily="49" charset="0"/>
+              </a:rPr>
+              <a:t>lasn</a:t>
+            </a:r>
+            <a:r>
+              <a:rPr lang="en-US" b="1" dirty="0">
+                <a:latin typeface="Consolas" pitchFamily="49" charset="0"/>
+                <a:cs typeface="Consolas" pitchFamily="49" charset="0"/>
+              </a:rPr>
+              <a:t>)</a:t>
+            </a:r>
+          </a:p>
+          <a:p>
+            <a:pPr>
+              <a:buNone/>
+            </a:pPr>
+            <a:r>
+              <a:rPr lang="en-US" b="1" dirty="0">
+                <a:latin typeface="Consolas" pitchFamily="49" charset="0"/>
+                <a:cs typeface="Consolas" pitchFamily="49" charset="0"/>
+              </a:rPr>
+              <a:t>;;   (</a:t>
+            </a:r>
+            <a:r>
+              <a:rPr lang="en-US" b="1" dirty="0" err="1">
+                <a:latin typeface="Consolas" pitchFamily="49" charset="0"/>
+                <a:cs typeface="Consolas" pitchFamily="49" charset="0"/>
+              </a:rPr>
+              <a:t>cond</a:t>
+            </a:r>
+            <a:endParaRPr lang="en-US" b="1" dirty="0">
+              <a:latin typeface="Consolas" pitchFamily="49" charset="0"/>
+              <a:cs typeface="Consolas" pitchFamily="49" charset="0"/>
+            </a:endParaRPr>
+          </a:p>
+          <a:p>
+            <a:pPr>
+              <a:buNone/>
+            </a:pPr>
+            <a:r>
+              <a:rPr lang="en-US" b="1" dirty="0">
+                <a:latin typeface="Consolas" pitchFamily="49" charset="0"/>
+                <a:cs typeface="Consolas" pitchFamily="49" charset="0"/>
+              </a:rPr>
+              <a:t>;;     [(empty? </a:t>
+            </a:r>
+            <a:r>
+              <a:rPr lang="en-US" b="1" dirty="0" err="1">
+                <a:latin typeface="Consolas" pitchFamily="49" charset="0"/>
+                <a:cs typeface="Consolas" pitchFamily="49" charset="0"/>
+              </a:rPr>
+              <a:t>lasn</a:t>
+            </a:r>
+            <a:r>
+              <a:rPr lang="en-US" b="1" dirty="0">
+                <a:latin typeface="Consolas" pitchFamily="49" charset="0"/>
+                <a:cs typeface="Consolas" pitchFamily="49" charset="0"/>
+              </a:rPr>
+              <a:t>) ...]</a:t>
+            </a:r>
+          </a:p>
+          <a:p>
+            <a:pPr>
+              <a:buNone/>
+            </a:pPr>
+            <a:r>
+              <a:rPr lang="en-US" b="1" dirty="0">
+                <a:latin typeface="Consolas" pitchFamily="49" charset="0"/>
+                <a:cs typeface="Consolas" pitchFamily="49" charset="0"/>
+              </a:rPr>
+              <a:t>;;     [else (... </a:t>
+            </a:r>
+          </a:p>
+          <a:p>
+            <a:pPr>
+              <a:buNone/>
+            </a:pPr>
+            <a:r>
+              <a:rPr lang="en-US" b="1" dirty="0">
+                <a:latin typeface="Consolas" pitchFamily="49" charset="0"/>
+                <a:cs typeface="Consolas" pitchFamily="49" charset="0"/>
+              </a:rPr>
+              <a:t>;;             (first </a:t>
+            </a:r>
+            <a:r>
+              <a:rPr lang="en-US" b="1" dirty="0" err="1">
+                <a:latin typeface="Consolas" pitchFamily="49" charset="0"/>
+                <a:cs typeface="Consolas" pitchFamily="49" charset="0"/>
+              </a:rPr>
+              <a:t>lasn</a:t>
+            </a:r>
+            <a:r>
+              <a:rPr lang="en-US" b="1" dirty="0">
+                <a:latin typeface="Consolas" pitchFamily="49" charset="0"/>
+                <a:cs typeface="Consolas" pitchFamily="49" charset="0"/>
+              </a:rPr>
+              <a:t>)</a:t>
+            </a:r>
+          </a:p>
+          <a:p>
+            <a:pPr>
+              <a:buNone/>
+            </a:pPr>
+            <a:r>
+              <a:rPr lang="en-US" b="1" dirty="0">
+                <a:latin typeface="Consolas" pitchFamily="49" charset="0"/>
+                <a:cs typeface="Consolas" pitchFamily="49" charset="0"/>
+              </a:rPr>
+              <a:t>;;             (</a:t>
+            </a:r>
+            <a:r>
+              <a:rPr lang="en-US" b="1" dirty="0" err="1">
+                <a:solidFill>
+                  <a:srgbClr val="FF0000"/>
+                </a:solidFill>
+                <a:latin typeface="Consolas" pitchFamily="49" charset="0"/>
+                <a:cs typeface="Consolas" pitchFamily="49" charset="0"/>
+              </a:rPr>
+              <a:t>lans</a:t>
+            </a:r>
+            <a:r>
+              <a:rPr lang="en-US" b="1" dirty="0">
+                <a:solidFill>
+                  <a:srgbClr val="FF0000"/>
+                </a:solidFill>
+                <a:latin typeface="Consolas" pitchFamily="49" charset="0"/>
+                <a:cs typeface="Consolas" pitchFamily="49" charset="0"/>
+              </a:rPr>
+              <a:t>-fn</a:t>
+            </a:r>
+            <a:r>
+              <a:rPr lang="en-US" b="1" dirty="0">
+                <a:latin typeface="Consolas" pitchFamily="49" charset="0"/>
+                <a:cs typeface="Consolas" pitchFamily="49" charset="0"/>
+              </a:rPr>
+              <a:t> (rest </a:t>
+            </a:r>
+            <a:r>
+              <a:rPr lang="en-US" b="1" dirty="0" err="1">
+                <a:latin typeface="Consolas" pitchFamily="49" charset="0"/>
+                <a:cs typeface="Consolas" pitchFamily="49" charset="0"/>
+              </a:rPr>
+              <a:t>lasn</a:t>
+            </a:r>
+            <a:r>
+              <a:rPr lang="en-US" b="1" dirty="0">
+                <a:latin typeface="Consolas" pitchFamily="49" charset="0"/>
+                <a:cs typeface="Consolas" pitchFamily="49" charset="0"/>
+              </a:rPr>
+              <a:t>)))]))</a:t>
+            </a:r>
           </a:p>
         </p:txBody>
       </p:sp>
@@ -6879,7 +6748,7 @@
           <a:p>
             <a:pPr algn="ctr"/>
             <a:r>
-              <a:rPr lang="en-US" dirty="0" smtClean="0">
+              <a:rPr lang="en-US" dirty="0">
                 <a:solidFill>
                   <a:schemeClr val="tx1"/>
                 </a:solidFill>
@@ -6925,7 +6794,7 @@
           <a:p>
             <a:pPr algn="ctr"/>
             <a:r>
-              <a:rPr lang="en-US" dirty="0" smtClean="0">
+              <a:rPr lang="en-US" dirty="0">
                 <a:solidFill>
                   <a:schemeClr val="tx1"/>
                 </a:solidFill>
@@ -6971,7 +6840,7 @@
           <a:p>
             <a:pPr algn="ctr"/>
             <a:r>
-              <a:rPr lang="en-US" dirty="0" smtClean="0">
+              <a:rPr lang="en-US" dirty="0">
                 <a:solidFill>
                   <a:schemeClr val="tx1"/>
                 </a:solidFill>
@@ -7017,7 +6886,7 @@
           <a:p>
             <a:pPr algn="ctr"/>
             <a:r>
-              <a:rPr lang="en-US" dirty="0" smtClean="0">
+              <a:rPr lang="en-US" dirty="0">
                 <a:solidFill>
                   <a:schemeClr val="tx1"/>
                 </a:solidFill>
@@ -7452,13 +7321,6 @@
   <p:clrMapOvr>
     <a:masterClrMapping/>
   </p:clrMapOvr>
-  <p:timing>
-    <p:tnLst>
-      <p:par>
-        <p:cTn id="1" dur="indefinite" restart="never" nodeType="tmRoot"/>
-      </p:par>
-    </p:tnLst>
-  </p:timing>
 </p:sld>
 </file>
 
@@ -7497,10 +7359,9 @@
           <a:lstStyle/>
           <a:p>
             <a:r>
-              <a:rPr lang="en-US" dirty="0" smtClean="0"/>
+              <a:rPr lang="en-US" dirty="0"/>
               <a:t>One function, one task</a:t>
             </a:r>
-            <a:endParaRPr lang="en-US" dirty="0"/>
           </a:p>
         </p:txBody>
       </p:sp>
@@ -7520,40 +7381,39 @@
           <a:lstStyle/>
           <a:p>
             <a:r>
-              <a:rPr lang="en-US" dirty="0" smtClean="0"/>
+              <a:rPr lang="en-US" dirty="0"/>
               <a:t>Each function deals with exactly one data definition.</a:t>
             </a:r>
           </a:p>
           <a:p>
             <a:r>
-              <a:rPr lang="en-US" dirty="0" smtClean="0"/>
+              <a:rPr lang="en-US" dirty="0"/>
               <a:t>So functions will come in pairs</a:t>
             </a:r>
           </a:p>
           <a:p>
             <a:r>
-              <a:rPr lang="en-US" dirty="0" smtClean="0"/>
+              <a:rPr lang="en-US" dirty="0"/>
               <a:t>Write  contracts and purpose statements together, </a:t>
             </a:r>
             <a:r>
-              <a:rPr lang="en-US" b="1" dirty="0" smtClean="0"/>
+              <a:rPr lang="en-US" b="1" dirty="0"/>
               <a:t>or</a:t>
             </a:r>
           </a:p>
           <a:p>
             <a:r>
-              <a:rPr lang="en-US" dirty="0" smtClean="0"/>
+              <a:rPr lang="en-US" dirty="0"/>
               <a:t>Write one, and the other one will appear as a </a:t>
             </a:r>
             <a:r>
-              <a:rPr lang="en-US" dirty="0" err="1" smtClean="0"/>
+              <a:rPr lang="en-US" dirty="0" err="1"/>
               <a:t>wishlist</a:t>
             </a:r>
             <a:r>
-              <a:rPr lang="en-US" dirty="0" smtClean="0"/>
+              <a:rPr lang="en-US" dirty="0"/>
               <a:t> function</a:t>
             </a:r>
-            <a:endParaRPr lang="en-US" dirty="0"/>
           </a:p>
         </p:txBody>
       </p:sp>
@@ -7590,13 +7450,6 @@
   <p:clrMapOvr>
     <a:masterClrMapping/>
   </p:clrMapOvr>
-  <p:timing>
-    <p:tnLst>
-      <p:par>
-        <p:cTn id="1" dur="indefinite" restart="never" nodeType="tmRoot"/>
-      </p:par>
-    </p:tnLst>
-  </p:timing>
 </p:sld>
 </file>
 
@@ -7633,10 +7486,9 @@
           <a:lstStyle/>
           <a:p>
             <a:r>
-              <a:rPr lang="en-US" dirty="0" smtClean="0"/>
+              <a:rPr lang="en-US" dirty="0"/>
               <a:t>Example</a:t>
             </a:r>
-            <a:endParaRPr lang="en-US" dirty="0"/>
           </a:p>
         </p:txBody>
       </p:sp>
@@ -7659,14 +7511,14 @@
               <a:buNone/>
             </a:pPr>
             <a:r>
-              <a:rPr lang="en-US" b="1" dirty="0" err="1" smtClean="0">
+              <a:rPr lang="en-US" b="1" dirty="0" err="1">
                 <a:latin typeface="Consolas" pitchFamily="49" charset="0"/>
                 <a:cs typeface="Consolas" pitchFamily="49" charset="0"/>
               </a:rPr>
               <a:t>lans</a:t>
             </a:r>
             <a:r>
-              <a:rPr lang="en-US" b="1" dirty="0" smtClean="0">
+              <a:rPr lang="en-US" b="1" dirty="0">
                 <a:latin typeface="Consolas" pitchFamily="49" charset="0"/>
                 <a:cs typeface="Consolas" pitchFamily="49" charset="0"/>
               </a:rPr>
@@ -7678,20 +7530,20 @@
               <a:buNone/>
             </a:pPr>
             <a:r>
-              <a:rPr lang="en-US" b="1" dirty="0" smtClean="0">
+              <a:rPr lang="en-US" b="1" dirty="0">
                 <a:latin typeface="Consolas" pitchFamily="49" charset="0"/>
                 <a:cs typeface="Consolas" pitchFamily="49" charset="0"/>
               </a:rPr>
               <a:t>Returns the sum of all the numbers in the given </a:t>
             </a:r>
             <a:r>
-              <a:rPr lang="en-US" b="1" dirty="0" err="1" smtClean="0">
+              <a:rPr lang="en-US" b="1" dirty="0" err="1">
                 <a:latin typeface="Consolas" pitchFamily="49" charset="0"/>
                 <a:cs typeface="Consolas" pitchFamily="49" charset="0"/>
               </a:rPr>
               <a:t>Lans</a:t>
             </a:r>
-            <a:endParaRPr lang="en-US" b="1" dirty="0" smtClean="0">
+            <a:endParaRPr lang="en-US" b="1" dirty="0">
               <a:latin typeface="Consolas" pitchFamily="49" charset="0"/>
               <a:cs typeface="Consolas" pitchFamily="49" charset="0"/>
             </a:endParaRPr>
@@ -7700,7 +7552,7 @@
             <a:pPr>
               <a:buNone/>
             </a:pPr>
-            <a:endParaRPr lang="en-US" b="1" dirty="0" smtClean="0">
+            <a:endParaRPr lang="en-US" b="1" dirty="0">
               <a:latin typeface="Consolas" pitchFamily="49" charset="0"/>
               <a:cs typeface="Consolas" pitchFamily="49" charset="0"/>
             </a:endParaRPr>
@@ -7710,14 +7562,14 @@
               <a:buNone/>
             </a:pPr>
             <a:r>
-              <a:rPr lang="en-US" b="1" dirty="0" err="1" smtClean="0">
+              <a:rPr lang="en-US" b="1" dirty="0" err="1">
                 <a:latin typeface="Consolas" pitchFamily="49" charset="0"/>
                 <a:cs typeface="Consolas" pitchFamily="49" charset="0"/>
               </a:rPr>
               <a:t>lasn</a:t>
             </a:r>
             <a:r>
-              <a:rPr lang="en-US" b="1" dirty="0" smtClean="0">
+              <a:rPr lang="en-US" b="1" dirty="0">
                 <a:latin typeface="Consolas" pitchFamily="49" charset="0"/>
                 <a:cs typeface="Consolas" pitchFamily="49" charset="0"/>
               </a:rPr>
@@ -7729,14 +7581,14 @@
               <a:buNone/>
             </a:pPr>
             <a:r>
-              <a:rPr lang="en-US" b="1" dirty="0" smtClean="0">
+              <a:rPr lang="en-US" b="1" dirty="0">
                 <a:latin typeface="Consolas" pitchFamily="49" charset="0"/>
                 <a:cs typeface="Consolas" pitchFamily="49" charset="0"/>
               </a:rPr>
               <a:t>Returns the sum of all the numbers in the given </a:t>
             </a:r>
             <a:r>
-              <a:rPr lang="en-US" b="1" dirty="0" err="1" smtClean="0">
+              <a:rPr lang="en-US" b="1" dirty="0" err="1">
                 <a:latin typeface="Consolas" pitchFamily="49" charset="0"/>
                 <a:cs typeface="Consolas" pitchFamily="49" charset="0"/>
               </a:rPr>
@@ -7839,13 +7691,6 @@
   <p:clrMapOvr>
     <a:masterClrMapping/>
   </p:clrMapOvr>
-  <p:timing>
-    <p:tnLst>
-      <p:par>
-        <p:cTn id="1" dur="indefinite" restart="never" nodeType="tmRoot"/>
-      </p:par>
-    </p:tnLst>
-  </p:timing>
 </p:sld>
 </file>
 
@@ -7882,10 +7727,9 @@
           <a:lstStyle/>
           <a:p>
             <a:r>
-              <a:rPr lang="en-US" dirty="0" smtClean="0"/>
+              <a:rPr lang="en-US" dirty="0"/>
               <a:t>Examples</a:t>
             </a:r>
-            <a:endParaRPr lang="en-US" dirty="0"/>
           </a:p>
         </p:txBody>
       </p:sp>
@@ -7910,21 +7754,21 @@
               <a:buNone/>
             </a:pPr>
             <a:r>
-              <a:rPr lang="en-US" sz="2800" b="1" dirty="0" smtClean="0">
+              <a:rPr lang="en-US" sz="2800" b="1" dirty="0">
                 <a:latin typeface="Consolas" pitchFamily="49" charset="0"/>
                 <a:cs typeface="Consolas" pitchFamily="49" charset="0"/>
               </a:rPr>
               <a:t>(</a:t>
             </a:r>
             <a:r>
-              <a:rPr lang="en-US" sz="2800" b="1" dirty="0" err="1" smtClean="0">
+              <a:rPr lang="en-US" sz="2800" b="1" dirty="0" err="1">
                 <a:latin typeface="Consolas" pitchFamily="49" charset="0"/>
                 <a:cs typeface="Consolas" pitchFamily="49" charset="0"/>
               </a:rPr>
               <a:t>lans</a:t>
             </a:r>
             <a:r>
-              <a:rPr lang="en-US" sz="2800" b="1" dirty="0" smtClean="0">
+              <a:rPr lang="en-US" sz="2800" b="1" dirty="0">
                 <a:latin typeface="Consolas" pitchFamily="49" charset="0"/>
                 <a:cs typeface="Consolas" pitchFamily="49" charset="0"/>
               </a:rPr>
@@ -7936,7 +7780,7 @@
               <a:buNone/>
             </a:pPr>
             <a:r>
-              <a:rPr lang="en-US" sz="2800" b="1" dirty="0" smtClean="0">
+              <a:rPr lang="en-US" sz="2800" b="1" dirty="0">
                 <a:latin typeface="Consolas" pitchFamily="49" charset="0"/>
                 <a:cs typeface="Consolas" pitchFamily="49" charset="0"/>
               </a:rPr>
@@ -7948,7 +7792,7 @@
               <a:buNone/>
             </a:pPr>
             <a:r>
-              <a:rPr lang="en-US" sz="2800" b="1" dirty="0" smtClean="0">
+              <a:rPr lang="en-US" sz="2800" b="1" dirty="0">
                 <a:latin typeface="Consolas" pitchFamily="49" charset="0"/>
                 <a:cs typeface="Consolas" pitchFamily="49" charset="0"/>
               </a:rPr>
@@ -7960,7 +7804,7 @@
               <a:buNone/>
             </a:pPr>
             <a:r>
-              <a:rPr lang="en-US" sz="2800" b="1" dirty="0" smtClean="0">
+              <a:rPr lang="en-US" sz="2800" b="1" dirty="0">
                 <a:latin typeface="Consolas" pitchFamily="49" charset="0"/>
                 <a:cs typeface="Consolas" pitchFamily="49" charset="0"/>
               </a:rPr>
@@ -7971,7 +7815,7 @@
             <a:pPr>
               <a:buNone/>
             </a:pPr>
-            <a:endParaRPr lang="en-US" sz="2800" b="1" dirty="0" smtClean="0">
+            <a:endParaRPr lang="en-US" sz="2800" b="1" dirty="0">
               <a:latin typeface="Consolas" pitchFamily="49" charset="0"/>
               <a:cs typeface="Consolas" pitchFamily="49" charset="0"/>
             </a:endParaRPr>
@@ -7981,21 +7825,21 @@
               <a:buNone/>
             </a:pPr>
             <a:r>
-              <a:rPr lang="en-US" sz="2800" b="1" dirty="0" smtClean="0">
+              <a:rPr lang="en-US" sz="2800" b="1" dirty="0">
                 <a:latin typeface="Consolas" pitchFamily="49" charset="0"/>
                 <a:cs typeface="Consolas" pitchFamily="49" charset="0"/>
               </a:rPr>
               <a:t>(</a:t>
             </a:r>
             <a:r>
-              <a:rPr lang="en-US" sz="2800" b="1" dirty="0" err="1" smtClean="0">
+              <a:rPr lang="en-US" sz="2800" b="1" dirty="0" err="1">
                 <a:latin typeface="Consolas" pitchFamily="49" charset="0"/>
                 <a:cs typeface="Consolas" pitchFamily="49" charset="0"/>
               </a:rPr>
               <a:t>lasn</a:t>
             </a:r>
             <a:r>
-              <a:rPr lang="en-US" sz="2800" b="1" dirty="0" smtClean="0">
+              <a:rPr lang="en-US" sz="2800" b="1" dirty="0">
                 <a:latin typeface="Consolas" pitchFamily="49" charset="0"/>
                 <a:cs typeface="Consolas" pitchFamily="49" charset="0"/>
               </a:rPr>
@@ -8007,7 +7851,7 @@
               <a:buNone/>
             </a:pPr>
             <a:r>
-              <a:rPr lang="en-US" sz="2800" b="1" dirty="0" smtClean="0">
+              <a:rPr lang="en-US" sz="2800" b="1" dirty="0">
                 <a:latin typeface="Consolas" pitchFamily="49" charset="0"/>
                 <a:cs typeface="Consolas" pitchFamily="49" charset="0"/>
               </a:rPr>
@@ -8019,7 +7863,7 @@
               <a:buNone/>
             </a:pPr>
             <a:r>
-              <a:rPr lang="en-US" sz="2800" b="1" dirty="0" smtClean="0">
+              <a:rPr lang="en-US" sz="2800" b="1" dirty="0">
                 <a:latin typeface="Consolas" pitchFamily="49" charset="0"/>
                 <a:cs typeface="Consolas" pitchFamily="49" charset="0"/>
               </a:rPr>
@@ -8031,21 +7875,21 @@
               <a:buNone/>
             </a:pPr>
             <a:r>
-              <a:rPr lang="en-US" sz="2800" b="1" dirty="0" smtClean="0">
+              <a:rPr lang="en-US" sz="2800" b="1" dirty="0">
                 <a:latin typeface="Consolas" pitchFamily="49" charset="0"/>
                 <a:cs typeface="Consolas" pitchFamily="49" charset="0"/>
               </a:rPr>
               <a:t>    (cons "</a:t>
             </a:r>
             <a:r>
-              <a:rPr lang="en-US" sz="2800" b="1" dirty="0" err="1" smtClean="0">
+              <a:rPr lang="en-US" sz="2800" b="1" dirty="0" err="1">
                 <a:latin typeface="Consolas" pitchFamily="49" charset="0"/>
                 <a:cs typeface="Consolas" pitchFamily="49" charset="0"/>
               </a:rPr>
               <a:t>foo</a:t>
             </a:r>
             <a:r>
-              <a:rPr lang="en-US" sz="2800" b="1" dirty="0" smtClean="0">
+              <a:rPr lang="en-US" sz="2800" b="1" dirty="0">
                 <a:latin typeface="Consolas" pitchFamily="49" charset="0"/>
                 <a:cs typeface="Consolas" pitchFamily="49" charset="0"/>
               </a:rPr>
@@ -8057,7 +7901,7 @@
               <a:buNone/>
             </a:pPr>
             <a:r>
-              <a:rPr lang="en-US" sz="2800" b="1" dirty="0" smtClean="0">
+              <a:rPr lang="en-US" sz="2800" b="1" dirty="0">
                 <a:latin typeface="Consolas" pitchFamily="49" charset="0"/>
                 <a:cs typeface="Consolas" pitchFamily="49" charset="0"/>
               </a:rPr>
@@ -8144,15 +7988,23 @@
                   <a:schemeClr val="tx1"/>
                 </a:solidFill>
               </a:rPr>
-              <a:t>And here are some examples for our </a:t>
-            </a:r>
-            <a:r>
-              <a:rPr lang="en-US" dirty="0" smtClean="0">
+              <a:t>And here are some examples for our two functions.  Observe that </a:t>
+            </a:r>
+            <a:r>
+              <a:rPr lang="en-US" b="1" dirty="0" err="1">
                 <a:solidFill>
                   <a:schemeClr val="tx1"/>
                 </a:solidFill>
               </a:rPr>
-              <a:t>two </a:t>
+              <a:t>lans</a:t>
+            </a:r>
+            <a:r>
+              <a:rPr lang="en-US" b="1" dirty="0">
+                <a:solidFill>
+                  <a:schemeClr val="tx1"/>
+                </a:solidFill>
+              </a:rPr>
+              <a:t>-sum</a:t>
             </a:r>
             <a:r>
               <a:rPr lang="en-US" dirty="0">
@@ -8160,7 +8012,23 @@
                   <a:schemeClr val="tx1"/>
                 </a:solidFill>
               </a:rPr>
-              <a:t>functions.  Observe that </a:t>
+              <a:t> is applied to a </a:t>
+            </a:r>
+            <a:r>
+              <a:rPr lang="en-US" b="1" dirty="0">
+                <a:solidFill>
+                  <a:schemeClr val="tx1"/>
+                </a:solidFill>
+              </a:rPr>
+              <a:t>LANS</a:t>
+            </a:r>
+            <a:r>
+              <a:rPr lang="en-US" dirty="0">
+                <a:solidFill>
+                  <a:schemeClr val="tx1"/>
+                </a:solidFill>
+              </a:rPr>
+              <a:t>, and </a:t>
             </a:r>
             <a:r>
               <a:rPr lang="en-US" b="1" dirty="0" err="1">
@@ -8168,7 +8036,7 @@
                   <a:schemeClr val="tx1"/>
                 </a:solidFill>
               </a:rPr>
-              <a:t>lans</a:t>
+              <a:t>lasn</a:t>
             </a:r>
             <a:r>
               <a:rPr lang="en-US" b="1" dirty="0">
@@ -8192,7 +8060,7 @@
                   <a:schemeClr val="tx1"/>
                 </a:solidFill>
               </a:rPr>
-              <a:t>LANS</a:t>
+              <a:t>LASN</a:t>
             </a:r>
             <a:r>
               <a:rPr lang="en-US" dirty="0">
@@ -8200,53 +8068,8 @@
                   <a:schemeClr val="tx1"/>
                 </a:solidFill>
               </a:rPr>
-              <a:t>, and </a:t>
-            </a:r>
-            <a:r>
-              <a:rPr lang="en-US" b="1" dirty="0" err="1">
-                <a:solidFill>
-                  <a:schemeClr val="tx1"/>
-                </a:solidFill>
-              </a:rPr>
-              <a:t>lasn</a:t>
-            </a:r>
-            <a:r>
-              <a:rPr lang="en-US" b="1" dirty="0">
-                <a:solidFill>
-                  <a:schemeClr val="tx1"/>
-                </a:solidFill>
-              </a:rPr>
-              <a:t>-sum</a:t>
-            </a:r>
-            <a:r>
-              <a:rPr lang="en-US" dirty="0">
-                <a:solidFill>
-                  <a:schemeClr val="tx1"/>
-                </a:solidFill>
-              </a:rPr>
-              <a:t> is applied to a </a:t>
-            </a:r>
-            <a:r>
-              <a:rPr lang="en-US" b="1" dirty="0">
-                <a:solidFill>
-                  <a:schemeClr val="tx1"/>
-                </a:solidFill>
-              </a:rPr>
-              <a:t>LASN</a:t>
-            </a:r>
-            <a:r>
-              <a:rPr lang="en-US" dirty="0" smtClean="0">
-                <a:solidFill>
-                  <a:schemeClr val="tx1"/>
-                </a:solidFill>
-              </a:rPr>
               <a:t>.</a:t>
             </a:r>
-            <a:endParaRPr lang="en-US" dirty="0">
-              <a:solidFill>
-                <a:schemeClr val="tx1"/>
-              </a:solidFill>
-            </a:endParaRPr>
           </a:p>
         </p:txBody>
       </p:sp>
@@ -8260,13 +8083,6 @@
   <p:clrMapOvr>
     <a:masterClrMapping/>
   </p:clrMapOvr>
-  <p:timing>
-    <p:tnLst>
-      <p:par>
-        <p:cTn id="1" dur="indefinite" restart="never" nodeType="tmRoot"/>
-      </p:par>
-    </p:tnLst>
-  </p:timing>
 </p:sld>
 </file>
 
@@ -8303,10 +8119,9 @@
           <a:lstStyle/>
           <a:p>
             <a:r>
-              <a:rPr lang="en-US" dirty="0" smtClean="0"/>
+              <a:rPr lang="en-US" dirty="0"/>
               <a:t>Strategy and  Function Definitions</a:t>
             </a:r>
-            <a:endParaRPr lang="en-US" dirty="0"/>
           </a:p>
         </p:txBody>
       </p:sp>
@@ -8336,7 +8151,7 @@
               <a:buNone/>
             </a:pPr>
             <a:r>
-              <a:rPr lang="en-US" sz="2400" b="1" dirty="0" smtClean="0">
+              <a:rPr lang="en-US" sz="2400" b="1" dirty="0">
                 <a:latin typeface="Consolas" pitchFamily="49" charset="0"/>
                 <a:cs typeface="Consolas" pitchFamily="49" charset="0"/>
               </a:rPr>
@@ -8348,21 +8163,21 @@
               <a:buNone/>
             </a:pPr>
             <a:r>
-              <a:rPr lang="en-US" sz="2400" b="1" dirty="0" smtClean="0">
+              <a:rPr lang="en-US" sz="2400" b="1" dirty="0">
                 <a:latin typeface="Consolas" pitchFamily="49" charset="0"/>
                 <a:cs typeface="Consolas" pitchFamily="49" charset="0"/>
               </a:rPr>
               <a:t>;; </a:t>
             </a:r>
             <a:r>
-              <a:rPr lang="en-US" sz="2400" b="1" dirty="0" err="1" smtClean="0">
+              <a:rPr lang="en-US" sz="2400" b="1" dirty="0" err="1">
                 <a:latin typeface="Consolas" pitchFamily="49" charset="0"/>
                 <a:cs typeface="Consolas" pitchFamily="49" charset="0"/>
               </a:rPr>
               <a:t>lans</a:t>
             </a:r>
             <a:r>
-              <a:rPr lang="en-US" sz="2400" b="1" dirty="0" smtClean="0">
+              <a:rPr lang="en-US" sz="2400" b="1" dirty="0">
                 <a:latin typeface="Consolas" pitchFamily="49" charset="0"/>
                 <a:cs typeface="Consolas" pitchFamily="49" charset="0"/>
               </a:rPr>
@@ -8374,35 +8189,35 @@
               <a:buNone/>
             </a:pPr>
             <a:r>
-              <a:rPr lang="en-US" sz="2400" b="1" dirty="0" smtClean="0">
+              <a:rPr lang="en-US" sz="2400" b="1" dirty="0">
                 <a:latin typeface="Consolas" pitchFamily="49" charset="0"/>
                 <a:cs typeface="Consolas" pitchFamily="49" charset="0"/>
               </a:rPr>
               <a:t>(define (</a:t>
             </a:r>
             <a:r>
-              <a:rPr lang="en-US" sz="2400" b="1" dirty="0" err="1" smtClean="0">
+              <a:rPr lang="en-US" sz="2400" b="1" dirty="0" err="1">
                 <a:latin typeface="Consolas" pitchFamily="49" charset="0"/>
                 <a:cs typeface="Consolas" pitchFamily="49" charset="0"/>
               </a:rPr>
               <a:t>lans</a:t>
             </a:r>
             <a:r>
-              <a:rPr lang="en-US" sz="2400" b="1" dirty="0" smtClean="0">
+              <a:rPr lang="en-US" sz="2400" b="1" dirty="0">
                 <a:latin typeface="Consolas" pitchFamily="49" charset="0"/>
                 <a:cs typeface="Consolas" pitchFamily="49" charset="0"/>
               </a:rPr>
               <a:t>-sum </a:t>
             </a:r>
             <a:r>
-              <a:rPr lang="en-US" sz="2400" b="1" dirty="0" err="1" smtClean="0">
+              <a:rPr lang="en-US" sz="2400" b="1" dirty="0" err="1">
                 <a:latin typeface="Consolas" pitchFamily="49" charset="0"/>
                 <a:cs typeface="Consolas" pitchFamily="49" charset="0"/>
               </a:rPr>
               <a:t>lans</a:t>
             </a:r>
             <a:r>
-              <a:rPr lang="en-US" sz="2400" b="1" dirty="0" smtClean="0">
+              <a:rPr lang="en-US" sz="2400" b="1" dirty="0">
                 <a:latin typeface="Consolas" pitchFamily="49" charset="0"/>
                 <a:cs typeface="Consolas" pitchFamily="49" charset="0"/>
               </a:rPr>
@@ -8414,20 +8229,20 @@
               <a:buNone/>
             </a:pPr>
             <a:r>
-              <a:rPr lang="en-US" sz="2400" b="1" dirty="0" smtClean="0">
+              <a:rPr lang="en-US" sz="2400" b="1" dirty="0">
                 <a:latin typeface="Consolas" pitchFamily="49" charset="0"/>
                 <a:cs typeface="Consolas" pitchFamily="49" charset="0"/>
               </a:rPr>
               <a:t>  (</a:t>
             </a:r>
             <a:r>
-              <a:rPr lang="en-US" sz="2400" b="1" dirty="0" err="1" smtClean="0">
+              <a:rPr lang="en-US" sz="2400" b="1" dirty="0" err="1">
                 <a:latin typeface="Consolas" pitchFamily="49" charset="0"/>
                 <a:cs typeface="Consolas" pitchFamily="49" charset="0"/>
               </a:rPr>
               <a:t>cond</a:t>
             </a:r>
-            <a:endParaRPr lang="en-US" sz="2400" b="1" dirty="0" smtClean="0">
+            <a:endParaRPr lang="en-US" sz="2400" b="1" dirty="0">
               <a:latin typeface="Consolas" pitchFamily="49" charset="0"/>
               <a:cs typeface="Consolas" pitchFamily="49" charset="0"/>
             </a:endParaRPr>
@@ -8437,21 +8252,21 @@
               <a:buNone/>
             </a:pPr>
             <a:r>
-              <a:rPr lang="en-US" sz="2400" b="1" dirty="0" smtClean="0">
+              <a:rPr lang="en-US" sz="2400" b="1" dirty="0">
                 <a:latin typeface="Consolas" pitchFamily="49" charset="0"/>
                 <a:cs typeface="Consolas" pitchFamily="49" charset="0"/>
               </a:rPr>
               <a:t>    [(empty? </a:t>
             </a:r>
             <a:r>
-              <a:rPr lang="en-US" sz="2400" b="1" dirty="0" err="1" smtClean="0">
+              <a:rPr lang="en-US" sz="2400" b="1" dirty="0" err="1">
                 <a:latin typeface="Consolas" pitchFamily="49" charset="0"/>
                 <a:cs typeface="Consolas" pitchFamily="49" charset="0"/>
               </a:rPr>
               <a:t>lans</a:t>
             </a:r>
             <a:r>
-              <a:rPr lang="en-US" sz="2400" b="1" dirty="0" smtClean="0">
+              <a:rPr lang="en-US" sz="2400" b="1" dirty="0">
                 <a:latin typeface="Consolas" pitchFamily="49" charset="0"/>
                 <a:cs typeface="Consolas" pitchFamily="49" charset="0"/>
               </a:rPr>
@@ -8463,7 +8278,7 @@
               <a:buNone/>
             </a:pPr>
             <a:r>
-              <a:rPr lang="en-US" sz="2400" b="1" dirty="0" smtClean="0">
+              <a:rPr lang="en-US" sz="2400" b="1" dirty="0">
                 <a:latin typeface="Consolas" pitchFamily="49" charset="0"/>
                 <a:cs typeface="Consolas" pitchFamily="49" charset="0"/>
               </a:rPr>
@@ -8475,21 +8290,21 @@
               <a:buNone/>
             </a:pPr>
             <a:r>
-              <a:rPr lang="en-US" sz="2400" b="1" dirty="0" smtClean="0">
+              <a:rPr lang="en-US" sz="2400" b="1" dirty="0">
                 <a:latin typeface="Consolas" pitchFamily="49" charset="0"/>
                 <a:cs typeface="Consolas" pitchFamily="49" charset="0"/>
               </a:rPr>
               <a:t>            (first </a:t>
             </a:r>
             <a:r>
-              <a:rPr lang="en-US" sz="2400" b="1" dirty="0" err="1" smtClean="0">
+              <a:rPr lang="en-US" sz="2400" b="1" dirty="0" err="1">
                 <a:latin typeface="Consolas" pitchFamily="49" charset="0"/>
                 <a:cs typeface="Consolas" pitchFamily="49" charset="0"/>
               </a:rPr>
               <a:t>lans</a:t>
             </a:r>
             <a:r>
-              <a:rPr lang="en-US" sz="2400" b="1" dirty="0" smtClean="0">
+              <a:rPr lang="en-US" sz="2400" b="1" dirty="0">
                 <a:latin typeface="Consolas" pitchFamily="49" charset="0"/>
                 <a:cs typeface="Consolas" pitchFamily="49" charset="0"/>
               </a:rPr>
@@ -8501,14 +8316,14 @@
               <a:buNone/>
             </a:pPr>
             <a:r>
-              <a:rPr lang="en-US" sz="2400" b="1" dirty="0" smtClean="0">
+              <a:rPr lang="en-US" sz="2400" b="1" dirty="0">
                 <a:latin typeface="Consolas" pitchFamily="49" charset="0"/>
                 <a:cs typeface="Consolas" pitchFamily="49" charset="0"/>
               </a:rPr>
               <a:t>            (</a:t>
             </a:r>
             <a:r>
-              <a:rPr lang="en-US" sz="2400" b="1" dirty="0" err="1" smtClean="0">
+              <a:rPr lang="en-US" sz="2400" b="1" dirty="0" err="1">
                 <a:solidFill>
                   <a:srgbClr val="FF0000"/>
                 </a:solidFill>
@@ -8518,7 +8333,7 @@
               <a:t>lasn</a:t>
             </a:r>
             <a:r>
-              <a:rPr lang="en-US" sz="2400" b="1" dirty="0" smtClean="0">
+              <a:rPr lang="en-US" sz="2400" b="1" dirty="0">
                 <a:solidFill>
                   <a:srgbClr val="FF0000"/>
                 </a:solidFill>
@@ -8528,21 +8343,21 @@
               <a:t>-sum</a:t>
             </a:r>
             <a:r>
-              <a:rPr lang="en-US" sz="2400" b="1" dirty="0" smtClean="0">
+              <a:rPr lang="en-US" sz="2400" b="1" dirty="0">
                 <a:latin typeface="Consolas" pitchFamily="49" charset="0"/>
                 <a:cs typeface="Consolas" pitchFamily="49" charset="0"/>
               </a:rPr>
               <a:t> (rest </a:t>
             </a:r>
             <a:r>
-              <a:rPr lang="en-US" sz="2400" b="1" dirty="0" err="1" smtClean="0">
+              <a:rPr lang="en-US" sz="2400" b="1" dirty="0" err="1">
                 <a:latin typeface="Consolas" pitchFamily="49" charset="0"/>
                 <a:cs typeface="Consolas" pitchFamily="49" charset="0"/>
               </a:rPr>
               <a:t>lans</a:t>
             </a:r>
             <a:r>
-              <a:rPr lang="en-US" sz="2400" b="1" dirty="0" smtClean="0">
+              <a:rPr lang="en-US" sz="2400" b="1" dirty="0">
                 <a:latin typeface="Consolas" pitchFamily="49" charset="0"/>
                 <a:cs typeface="Consolas" pitchFamily="49" charset="0"/>
               </a:rPr>
@@ -8553,7 +8368,7 @@
             <a:pPr>
               <a:buNone/>
             </a:pPr>
-            <a:endParaRPr lang="en-US" sz="2400" b="1" dirty="0" smtClean="0">
+            <a:endParaRPr lang="en-US" sz="2400" b="1" dirty="0">
               <a:latin typeface="Consolas" pitchFamily="49" charset="0"/>
               <a:cs typeface="Consolas" pitchFamily="49" charset="0"/>
             </a:endParaRPr>
@@ -8563,21 +8378,21 @@
               <a:buNone/>
             </a:pPr>
             <a:r>
-              <a:rPr lang="en-US" sz="2400" b="1" dirty="0" smtClean="0">
+              <a:rPr lang="en-US" sz="2400" b="1" dirty="0">
                 <a:latin typeface="Consolas" pitchFamily="49" charset="0"/>
                 <a:cs typeface="Consolas" pitchFamily="49" charset="0"/>
               </a:rPr>
               <a:t>;; </a:t>
             </a:r>
             <a:r>
-              <a:rPr lang="en-US" sz="2400" b="1" dirty="0" err="1" smtClean="0">
+              <a:rPr lang="en-US" sz="2400" b="1" dirty="0" err="1">
                 <a:latin typeface="Consolas" pitchFamily="49" charset="0"/>
                 <a:cs typeface="Consolas" pitchFamily="49" charset="0"/>
               </a:rPr>
               <a:t>lasn</a:t>
             </a:r>
             <a:r>
-              <a:rPr lang="en-US" sz="2400" b="1" dirty="0" smtClean="0">
+              <a:rPr lang="en-US" sz="2400" b="1" dirty="0">
                 <a:latin typeface="Consolas" pitchFamily="49" charset="0"/>
                 <a:cs typeface="Consolas" pitchFamily="49" charset="0"/>
               </a:rPr>
@@ -8589,35 +8404,35 @@
               <a:buNone/>
             </a:pPr>
             <a:r>
-              <a:rPr lang="en-US" sz="2400" b="1" dirty="0" smtClean="0">
+              <a:rPr lang="en-US" sz="2400" b="1" dirty="0">
                 <a:latin typeface="Consolas" pitchFamily="49" charset="0"/>
                 <a:cs typeface="Consolas" pitchFamily="49" charset="0"/>
               </a:rPr>
               <a:t>(define (</a:t>
             </a:r>
             <a:r>
-              <a:rPr lang="en-US" sz="2400" b="1" dirty="0" err="1" smtClean="0">
+              <a:rPr lang="en-US" sz="2400" b="1" dirty="0" err="1">
                 <a:latin typeface="Consolas" pitchFamily="49" charset="0"/>
                 <a:cs typeface="Consolas" pitchFamily="49" charset="0"/>
               </a:rPr>
               <a:t>lasn</a:t>
             </a:r>
             <a:r>
-              <a:rPr lang="en-US" sz="2400" b="1" dirty="0" smtClean="0">
+              <a:rPr lang="en-US" sz="2400" b="1" dirty="0">
                 <a:latin typeface="Consolas" pitchFamily="49" charset="0"/>
                 <a:cs typeface="Consolas" pitchFamily="49" charset="0"/>
               </a:rPr>
               <a:t>-sum </a:t>
             </a:r>
             <a:r>
-              <a:rPr lang="en-US" sz="2400" b="1" dirty="0" err="1" smtClean="0">
+              <a:rPr lang="en-US" sz="2400" b="1" dirty="0" err="1">
                 <a:latin typeface="Consolas" pitchFamily="49" charset="0"/>
                 <a:cs typeface="Consolas" pitchFamily="49" charset="0"/>
               </a:rPr>
               <a:t>lasn</a:t>
             </a:r>
             <a:r>
-              <a:rPr lang="en-US" sz="2400" b="1" dirty="0" smtClean="0">
+              <a:rPr lang="en-US" sz="2400" b="1" dirty="0">
                 <a:latin typeface="Consolas" pitchFamily="49" charset="0"/>
                 <a:cs typeface="Consolas" pitchFamily="49" charset="0"/>
               </a:rPr>
@@ -8629,20 +8444,20 @@
               <a:buNone/>
             </a:pPr>
             <a:r>
-              <a:rPr lang="en-US" sz="2400" b="1" dirty="0" smtClean="0">
+              <a:rPr lang="en-US" sz="2400" b="1" dirty="0">
                 <a:latin typeface="Consolas" pitchFamily="49" charset="0"/>
                 <a:cs typeface="Consolas" pitchFamily="49" charset="0"/>
               </a:rPr>
               <a:t>  (</a:t>
             </a:r>
             <a:r>
-              <a:rPr lang="en-US" sz="2400" b="1" dirty="0" err="1" smtClean="0">
+              <a:rPr lang="en-US" sz="2400" b="1" dirty="0" err="1">
                 <a:latin typeface="Consolas" pitchFamily="49" charset="0"/>
                 <a:cs typeface="Consolas" pitchFamily="49" charset="0"/>
               </a:rPr>
               <a:t>cond</a:t>
             </a:r>
-            <a:endParaRPr lang="en-US" sz="2400" b="1" dirty="0" smtClean="0">
+            <a:endParaRPr lang="en-US" sz="2400" b="1" dirty="0">
               <a:latin typeface="Consolas" pitchFamily="49" charset="0"/>
               <a:cs typeface="Consolas" pitchFamily="49" charset="0"/>
             </a:endParaRPr>
@@ -8652,21 +8467,21 @@
               <a:buNone/>
             </a:pPr>
             <a:r>
-              <a:rPr lang="en-US" sz="2400" b="1" dirty="0" smtClean="0">
+              <a:rPr lang="en-US" sz="2400" b="1" dirty="0">
                 <a:latin typeface="Consolas" pitchFamily="49" charset="0"/>
                 <a:cs typeface="Consolas" pitchFamily="49" charset="0"/>
               </a:rPr>
               <a:t>    [(empty? </a:t>
             </a:r>
             <a:r>
-              <a:rPr lang="en-US" sz="2400" b="1" dirty="0" err="1" smtClean="0">
+              <a:rPr lang="en-US" sz="2400" b="1" dirty="0" err="1">
                 <a:latin typeface="Consolas" pitchFamily="49" charset="0"/>
                 <a:cs typeface="Consolas" pitchFamily="49" charset="0"/>
               </a:rPr>
               <a:t>lasn</a:t>
             </a:r>
             <a:r>
-              <a:rPr lang="en-US" sz="2400" b="1" dirty="0" smtClean="0">
+              <a:rPr lang="en-US" sz="2400" b="1" dirty="0">
                 <a:latin typeface="Consolas" pitchFamily="49" charset="0"/>
                 <a:cs typeface="Consolas" pitchFamily="49" charset="0"/>
               </a:rPr>
@@ -8678,14 +8493,14 @@
               <a:buNone/>
             </a:pPr>
             <a:r>
-              <a:rPr lang="en-US" sz="2400" b="1" dirty="0" smtClean="0">
+              <a:rPr lang="en-US" sz="2400" b="1" dirty="0">
                 <a:latin typeface="Consolas" pitchFamily="49" charset="0"/>
                 <a:cs typeface="Consolas" pitchFamily="49" charset="0"/>
               </a:rPr>
               <a:t>    [else (</a:t>
             </a:r>
             <a:r>
-              <a:rPr lang="en-US" sz="2400" b="1" dirty="0" err="1" smtClean="0">
+              <a:rPr lang="en-US" sz="2400" b="1" dirty="0" err="1">
                 <a:solidFill>
                   <a:srgbClr val="FF0000"/>
                 </a:solidFill>
@@ -8695,7 +8510,7 @@
               <a:t>lans</a:t>
             </a:r>
             <a:r>
-              <a:rPr lang="en-US" sz="2400" b="1" dirty="0" smtClean="0">
+              <a:rPr lang="en-US" sz="2400" b="1" dirty="0">
                 <a:solidFill>
                   <a:srgbClr val="FF0000"/>
                 </a:solidFill>
@@ -8705,21 +8520,21 @@
               <a:t>-sum</a:t>
             </a:r>
             <a:r>
-              <a:rPr lang="en-US" sz="2400" b="1" dirty="0" smtClean="0">
+              <a:rPr lang="en-US" sz="2400" b="1" dirty="0">
                 <a:latin typeface="Consolas" pitchFamily="49" charset="0"/>
                 <a:cs typeface="Consolas" pitchFamily="49" charset="0"/>
               </a:rPr>
               <a:t> (rest </a:t>
             </a:r>
             <a:r>
-              <a:rPr lang="en-US" sz="2400" b="1" dirty="0" err="1" smtClean="0">
+              <a:rPr lang="en-US" sz="2400" b="1" dirty="0" err="1">
                 <a:latin typeface="Consolas" pitchFamily="49" charset="0"/>
                 <a:cs typeface="Consolas" pitchFamily="49" charset="0"/>
               </a:rPr>
               <a:t>lasn</a:t>
             </a:r>
             <a:r>
-              <a:rPr lang="en-US" sz="2400" b="1" dirty="0" smtClean="0">
+              <a:rPr lang="en-US" sz="2400" b="1" dirty="0">
                 <a:latin typeface="Consolas" pitchFamily="49" charset="0"/>
                 <a:cs typeface="Consolas" pitchFamily="49" charset="0"/>
               </a:rPr>
@@ -8812,23 +8627,7 @@
                   <a:schemeClr val="tx1"/>
                 </a:solidFill>
               </a:rPr>
-              <a:t>We apply </a:t>
-            </a:r>
-            <a:r>
-              <a:rPr lang="en-US" dirty="0" smtClean="0">
-                <a:solidFill>
-                  <a:schemeClr val="tx1"/>
-                </a:solidFill>
-              </a:rPr>
-              <a:t>the template by </a:t>
-            </a:r>
-            <a:r>
-              <a:rPr lang="en-US" dirty="0">
-                <a:solidFill>
-                  <a:schemeClr val="tx1"/>
-                </a:solidFill>
-              </a:rPr>
-              <a:t>filling in each of the four blanks with the answer to the corresponding template question.</a:t>
+              <a:t>We apply the template by filling in each of the four blanks with the answer to the corresponding template question.</a:t>
             </a:r>
           </a:p>
         </p:txBody>
@@ -8843,13 +8642,6 @@
   <p:clrMapOvr>
     <a:masterClrMapping/>
   </p:clrMapOvr>
-  <p:timing>
-    <p:tnLst>
-      <p:par>
-        <p:cTn id="1" dur="indefinite" restart="never" nodeType="tmRoot"/>
-      </p:par>
-    </p:tnLst>
-  </p:timing>
 </p:sld>
 </file>
 
@@ -8886,10 +8678,128 @@
           <a:lstStyle/>
           <a:p>
             <a:r>
-              <a:rPr lang="en-US" dirty="0" smtClean="0"/>
+              <a:rPr lang="en-US" dirty="0"/>
+              <a:t>Halting Measure</a:t>
+            </a:r>
+          </a:p>
+        </p:txBody>
+      </p:sp>
+      <p:sp>
+        <p:nvSpPr>
+          <p:cNvPr id="3" name="Content Placeholder 2"/>
+          <p:cNvSpPr>
+            <a:spLocks noGrp="1"/>
+          </p:cNvSpPr>
+          <p:nvPr>
+            <p:ph idx="1"/>
+          </p:nvPr>
+        </p:nvSpPr>
+        <p:spPr/>
+        <p:txBody>
+          <a:bodyPr/>
+          <a:lstStyle/>
+          <a:p>
+            <a:r>
+              <a:rPr lang="en-US" dirty="0"/>
+              <a:t>The two functions in the template are mutually recursive, so we need a single halting measure that will work for both functions.</a:t>
+            </a:r>
+          </a:p>
+          <a:p>
+            <a:r>
+              <a:rPr lang="en-US" dirty="0"/>
+              <a:t>Each of the functions recurs on </a:t>
+            </a:r>
+            <a:r>
+              <a:rPr lang="en-US" b="1" dirty="0"/>
+              <a:t>(rest </a:t>
+            </a:r>
+            <a:r>
+              <a:rPr lang="en-US" b="1" dirty="0" err="1"/>
+              <a:t>lst</a:t>
+            </a:r>
+            <a:r>
+              <a:rPr lang="en-US" b="1" dirty="0"/>
+              <a:t>)</a:t>
+            </a:r>
+            <a:r>
+              <a:rPr lang="en-US" dirty="0"/>
+              <a:t>, so the length of the list works as a halting measure.</a:t>
+            </a:r>
+          </a:p>
+        </p:txBody>
+      </p:sp>
+      <p:sp>
+        <p:nvSpPr>
+          <p:cNvPr id="4" name="Slide Number Placeholder 3"/>
+          <p:cNvSpPr>
+            <a:spLocks noGrp="1"/>
+          </p:cNvSpPr>
+          <p:nvPr>
+            <p:ph type="sldNum" sz="quarter" idx="12"/>
+          </p:nvPr>
+        </p:nvSpPr>
+        <p:spPr/>
+        <p:txBody>
+          <a:bodyPr/>
+          <a:lstStyle/>
+          <a:p>
+            <a:fld id="{2AF3B5EA-18B6-4040-9F78-6052AF49C681}" type="slidenum">
+              <a:rPr lang="en-US" smtClean="0"/>
+              <a:t>18</a:t>
+            </a:fld>
+            <a:endParaRPr lang="en-US"/>
+          </a:p>
+        </p:txBody>
+      </p:sp>
+    </p:spTree>
+    <p:extLst>
+      <p:ext uri="{BB962C8B-B14F-4D97-AF65-F5344CB8AC3E}">
+        <p14:creationId xmlns:p14="http://schemas.microsoft.com/office/powerpoint/2010/main" val="3109098002"/>
+      </p:ext>
+    </p:extLst>
+  </p:cSld>
+  <p:clrMapOvr>
+    <a:masterClrMapping/>
+  </p:clrMapOvr>
+</p:sld>
+</file>
+
+<file path=ppt/slides/slide19.xml><?xml version="1.0" encoding="utf-8"?>
+<p:sld xmlns:a="http://schemas.openxmlformats.org/drawingml/2006/main" xmlns:r="http://schemas.openxmlformats.org/officeDocument/2006/relationships" xmlns:p="http://schemas.openxmlformats.org/presentationml/2006/main">
+  <p:cSld>
+    <p:spTree>
+      <p:nvGrpSpPr>
+        <p:cNvPr id="1" name=""/>
+        <p:cNvGrpSpPr/>
+        <p:nvPr/>
+      </p:nvGrpSpPr>
+      <p:grpSpPr>
+        <a:xfrm>
+          <a:off x="0" y="0"/>
+          <a:ext cx="0" cy="0"/>
+          <a:chOff x="0" y="0"/>
+          <a:chExt cx="0" cy="0"/>
+        </a:xfrm>
+      </p:grpSpPr>
+      <p:sp>
+        <p:nvSpPr>
+          <p:cNvPr id="2" name="Title 1"/>
+          <p:cNvSpPr>
+            <a:spLocks noGrp="1"/>
+          </p:cNvSpPr>
+          <p:nvPr>
+            <p:ph type="title"/>
+          </p:nvPr>
+        </p:nvSpPr>
+        <p:spPr/>
+        <p:txBody>
+          <a:bodyPr/>
+          <a:lstStyle/>
+          <a:p>
+            <a:r>
+              <a:rPr lang="en-US" dirty="0"/>
               <a:t>What are alternating lists good for?</a:t>
             </a:r>
-            <a:endParaRPr lang="en-US" dirty="0"/>
           </a:p>
         </p:txBody>
       </p:sp>
@@ -8911,7 +8821,7 @@
             <a:fld id="{AB376464-0CAE-48CA-94A1-62F8E9374B4C}" type="slidenum">
               <a:rPr lang="en-US" smtClean="0"/>
               <a:pPr/>
-              <a:t>18</a:t>
+              <a:t>19</a:t>
             </a:fld>
             <a:endParaRPr lang="en-US"/>
           </a:p>
@@ -8969,7 +8879,7 @@
             <a:p>
               <a:pPr algn="ctr"/>
               <a:r>
-                <a:rPr lang="en-US" sz="3200" dirty="0" smtClean="0">
+                <a:rPr lang="en-US" sz="3200" dirty="0">
                   <a:solidFill>
                     <a:schemeClr val="tx1"/>
                   </a:solidFill>
@@ -8980,7 +8890,7 @@
             <a:p>
               <a:pPr algn="ctr"/>
               <a:r>
-                <a:rPr lang="en-US" sz="3200" dirty="0" smtClean="0">
+                <a:rPr lang="en-US" sz="3200" dirty="0">
                   <a:solidFill>
                     <a:schemeClr val="tx1"/>
                   </a:solidFill>
@@ -8991,18 +8901,13 @@
             <a:p>
               <a:pPr algn="ctr"/>
               <a:r>
-                <a:rPr lang="en-US" sz="3200" dirty="0" smtClean="0">
+                <a:rPr lang="en-US" sz="3200" dirty="0">
                   <a:solidFill>
                     <a:schemeClr val="tx1"/>
                   </a:solidFill>
                 </a:rPr>
                 <a:t>???</a:t>
               </a:r>
-              <a:endParaRPr lang="en-US" sz="3200" dirty="0">
-                <a:solidFill>
-                  <a:schemeClr val="tx1"/>
-                </a:solidFill>
-              </a:endParaRPr>
             </a:p>
           </p:txBody>
         </p:sp>
@@ -9044,18 +8949,13 @@
             <a:p>
               <a:pPr algn="ctr"/>
               <a:r>
-                <a:rPr lang="en-US" sz="3200" dirty="0" smtClean="0">
+                <a:rPr lang="en-US" sz="3200" dirty="0">
                   <a:solidFill>
                     <a:schemeClr val="tx1"/>
                   </a:solidFill>
                 </a:rPr>
                 <a:t>Alternating Lists</a:t>
               </a:r>
-              <a:endParaRPr lang="en-US" sz="3200" dirty="0">
-                <a:solidFill>
-                  <a:schemeClr val="tx1"/>
-                </a:solidFill>
-              </a:endParaRPr>
             </a:p>
           </p:txBody>
         </p:sp>
@@ -9110,7 +9010,7 @@
               <a:p>
                 <a:pPr algn="ctr"/>
                 <a:r>
-                  <a:rPr lang="en-US" sz="2400" dirty="0" smtClean="0"/>
+                  <a:rPr lang="en-US" sz="2400" dirty="0"/>
                   <a:t>representation</a:t>
                 </a:r>
               </a:p>
@@ -9156,10 +9056,9 @@
               <a:p>
                 <a:pPr algn="ctr"/>
                 <a:r>
-                  <a:rPr lang="en-US" sz="2400" dirty="0" smtClean="0"/>
+                  <a:rPr lang="en-US" sz="2400" dirty="0"/>
                   <a:t>interpretation</a:t>
                 </a:r>
-                <a:endParaRPr lang="en-US" sz="2400" dirty="0"/>
               </a:p>
             </p:txBody>
           </p:sp>
@@ -9201,10 +9100,9 @@
           <a:lstStyle/>
           <a:p>
             <a:r>
-              <a:rPr lang="en-US" sz="2800" dirty="0" smtClean="0"/>
+              <a:rPr lang="en-US" sz="2800" dirty="0"/>
               <a:t>Answer: Not much!  Don't use them! </a:t>
             </a:r>
-            <a:endParaRPr lang="en-US" sz="2800" dirty="0"/>
           </a:p>
         </p:txBody>
       </p:sp>
@@ -9244,10 +9142,9 @@
           <a:lstStyle/>
           <a:p>
             <a:r>
-              <a:rPr lang="en-US" sz="2800" dirty="0" smtClean="0"/>
+              <a:rPr lang="en-US" sz="2800" dirty="0"/>
               <a:t>But they make a good example of mutually-recursive data definitions</a:t>
             </a:r>
-            <a:endParaRPr lang="en-US" sz="2800" dirty="0"/>
           </a:p>
         </p:txBody>
       </p:sp>
@@ -9261,141 +9158,6 @@
   <p:clrMapOvr>
     <a:masterClrMapping/>
   </p:clrMapOvr>
-  <p:timing>
-    <p:tnLst>
-      <p:par>
-        <p:cTn id="1" dur="indefinite" restart="never" nodeType="tmRoot"/>
-      </p:par>
-    </p:tnLst>
-  </p:timing>
-</p:sld>
-</file>
-
-<file path=ppt/slides/slide19.xml><?xml version="1.0" encoding="utf-8"?>
-<p:sld xmlns:a="http://schemas.openxmlformats.org/drawingml/2006/main" xmlns:r="http://schemas.openxmlformats.org/officeDocument/2006/relationships" xmlns:p="http://schemas.openxmlformats.org/presentationml/2006/main">
-  <p:cSld>
-    <p:spTree>
-      <p:nvGrpSpPr>
-        <p:cNvPr id="1" name=""/>
-        <p:cNvGrpSpPr/>
-        <p:nvPr/>
-      </p:nvGrpSpPr>
-      <p:grpSpPr>
-        <a:xfrm>
-          <a:off x="0" y="0"/>
-          <a:ext cx="0" cy="0"/>
-          <a:chOff x="0" y="0"/>
-          <a:chExt cx="0" cy="0"/>
-        </a:xfrm>
-      </p:grpSpPr>
-      <p:sp>
-        <p:nvSpPr>
-          <p:cNvPr id="2" name="Title 1"/>
-          <p:cNvSpPr>
-            <a:spLocks noGrp="1"/>
-          </p:cNvSpPr>
-          <p:nvPr>
-            <p:ph type="title"/>
-          </p:nvPr>
-        </p:nvSpPr>
-        <p:spPr/>
-        <p:txBody>
-          <a:bodyPr/>
-          <a:lstStyle/>
-          <a:p>
-            <a:r>
-              <a:rPr lang="en-US" dirty="0" smtClean="0"/>
-              <a:t>Summary</a:t>
-            </a:r>
-            <a:endParaRPr lang="en-US" dirty="0"/>
-          </a:p>
-        </p:txBody>
-      </p:sp>
-      <p:sp>
-        <p:nvSpPr>
-          <p:cNvPr id="3" name="Content Placeholder 2"/>
-          <p:cNvSpPr>
-            <a:spLocks noGrp="1"/>
-          </p:cNvSpPr>
-          <p:nvPr>
-            <p:ph idx="1"/>
-          </p:nvPr>
-        </p:nvSpPr>
-        <p:spPr/>
-        <p:txBody>
-          <a:bodyPr>
-            <a:normAutofit/>
-          </a:bodyPr>
-          <a:lstStyle/>
-          <a:p>
-            <a:r>
-              <a:rPr lang="en-US" dirty="0" smtClean="0"/>
-              <a:t>You should now be able to:</a:t>
-            </a:r>
-          </a:p>
-          <a:p>
-            <a:pPr lvl="1"/>
-            <a:r>
-              <a:rPr lang="en-US" dirty="0"/>
-              <a:t>recognize information that should be represented as an alternating list</a:t>
-            </a:r>
-          </a:p>
-          <a:p>
-            <a:pPr lvl="1"/>
-            <a:r>
-              <a:rPr lang="en-US" dirty="0"/>
-              <a:t>write a data definition for an alternating list</a:t>
-            </a:r>
-          </a:p>
-          <a:p>
-            <a:pPr lvl="1"/>
-            <a:r>
-              <a:rPr lang="en-US" dirty="0"/>
-              <a:t>explain why templates for alternating lists come in pairs</a:t>
-            </a:r>
-          </a:p>
-        </p:txBody>
-      </p:sp>
-      <p:sp>
-        <p:nvSpPr>
-          <p:cNvPr id="4" name="Slide Number Placeholder 3"/>
-          <p:cNvSpPr>
-            <a:spLocks noGrp="1"/>
-          </p:cNvSpPr>
-          <p:nvPr>
-            <p:ph type="sldNum" sz="quarter" idx="12"/>
-          </p:nvPr>
-        </p:nvSpPr>
-        <p:spPr/>
-        <p:txBody>
-          <a:bodyPr/>
-          <a:lstStyle/>
-          <a:p>
-            <a:fld id="{C1D4534E-1B22-4A44-850A-B3E8E9EE687A}" type="slidenum">
-              <a:rPr lang="en-US" smtClean="0"/>
-              <a:t>19</a:t>
-            </a:fld>
-            <a:endParaRPr lang="en-US"/>
-          </a:p>
-        </p:txBody>
-      </p:sp>
-    </p:spTree>
-    <p:extLst>
-      <p:ext uri="{BB962C8B-B14F-4D97-AF65-F5344CB8AC3E}">
-        <p14:creationId xmlns:p14="http://schemas.microsoft.com/office/powerpoint/2010/main" val="1709373771"/>
-      </p:ext>
-    </p:extLst>
-  </p:cSld>
-  <p:clrMapOvr>
-    <a:masterClrMapping/>
-  </p:clrMapOvr>
-  <p:timing>
-    <p:tnLst>
-      <p:par>
-        <p:cTn id="1" dur="indefinite" restart="never" nodeType="tmRoot"/>
-      </p:par>
-    </p:tnLst>
-  </p:timing>
 </p:sld>
 </file>
 
@@ -9434,10 +9196,9 @@
           <a:lstStyle/>
           <a:p>
             <a:r>
-              <a:rPr lang="en-US" dirty="0" smtClean="0"/>
+              <a:rPr lang="en-US" dirty="0"/>
               <a:t>Mutually Recursive Data Definitions</a:t>
             </a:r>
-            <a:endParaRPr lang="en-US" dirty="0"/>
           </a:p>
         </p:txBody>
       </p:sp>
@@ -9457,19 +9218,19 @@
           <a:lstStyle/>
           <a:p>
             <a:r>
-              <a:rPr lang="en-US" dirty="0" smtClean="0"/>
+              <a:rPr lang="en-US" dirty="0"/>
               <a:t>Sometimes two kinds of data are intertwined</a:t>
             </a:r>
           </a:p>
           <a:p>
             <a:r>
-              <a:rPr lang="en-US" dirty="0" smtClean="0"/>
+              <a:rPr lang="en-US" dirty="0"/>
               <a:t>In this lesson, we'll consider an easy example: alternating lists</a:t>
             </a:r>
           </a:p>
           <a:p>
             <a:r>
-              <a:rPr lang="en-US" dirty="0" smtClean="0"/>
+              <a:rPr lang="en-US" dirty="0"/>
               <a:t>An alternating list is a list whose elements alternate between numbers and strings</a:t>
             </a:r>
           </a:p>
@@ -9511,13 +9272,6 @@
   <p:clrMapOvr>
     <a:masterClrMapping/>
   </p:clrMapOvr>
-  <p:timing>
-    <p:tnLst>
-      <p:par>
-        <p:cTn id="1" dur="indefinite" restart="never" nodeType="tmRoot"/>
-      </p:par>
-    </p:tnLst>
-  </p:timing>
 </p:sld>
 </file>
 
@@ -9554,10 +9308,9 @@
           <a:lstStyle/>
           <a:p>
             <a:r>
-              <a:rPr lang="en-US" dirty="0" smtClean="0"/>
-              <a:t>Next Steps</a:t>
-            </a:r>
-            <a:endParaRPr lang="en-US" dirty="0"/>
+              <a:rPr lang="en-US" dirty="0"/>
+              <a:t>Summary</a:t>
+            </a:r>
           </a:p>
         </p:txBody>
       </p:sp>
@@ -9573,36 +9326,36 @@
         </p:nvSpPr>
         <p:spPr/>
         <p:txBody>
-          <a:bodyPr/>
-          <a:lstStyle/>
-          <a:p>
-            <a:r>
-              <a:rPr lang="en-US" smtClean="0"/>
-              <a:t>Study the file 06-4-lasns.rkt</a:t>
-            </a:r>
-          </a:p>
-          <a:p>
-            <a:r>
-              <a:rPr lang="en-US" dirty="0" smtClean="0"/>
-              <a:t>If </a:t>
-            </a:r>
-            <a:r>
-              <a:rPr lang="en-US" dirty="0" smtClean="0"/>
-              <a:t>you have questions about this lesson, ask them on the Discussion Board</a:t>
-            </a:r>
-          </a:p>
-          <a:p>
-            <a:r>
-              <a:rPr lang="en-US" dirty="0" smtClean="0"/>
-              <a:t>Do Guided Practice 6.4</a:t>
-            </a:r>
-          </a:p>
-          <a:p>
-            <a:r>
-              <a:rPr lang="en-US" dirty="0" smtClean="0"/>
-              <a:t>Go on to the next lesson</a:t>
-            </a:r>
-            <a:endParaRPr lang="en-US" dirty="0"/>
+          <a:bodyPr>
+            <a:normAutofit/>
+          </a:bodyPr>
+          <a:lstStyle/>
+          <a:p>
+            <a:r>
+              <a:rPr lang="en-US" dirty="0"/>
+              <a:t>You should now be able to:</a:t>
+            </a:r>
+          </a:p>
+          <a:p>
+            <a:pPr lvl="1"/>
+            <a:r>
+              <a:rPr lang="en-US" dirty="0"/>
+              <a:t>recognize information that should be represented as an alternating list</a:t>
+            </a:r>
+          </a:p>
+          <a:p>
+            <a:pPr lvl="1"/>
+            <a:r>
+              <a:rPr lang="en-US" dirty="0"/>
+              <a:t>write a data definition for an alternating list</a:t>
+            </a:r>
+          </a:p>
+          <a:p>
+            <a:pPr lvl="1"/>
+            <a:r>
+              <a:rPr lang="en-US" dirty="0"/>
+              <a:t>explain why templates for alternating lists come in pairs</a:t>
+            </a:r>
           </a:p>
         </p:txBody>
       </p:sp>
@@ -9624,6 +9377,121 @@
             <a:fld id="{C1D4534E-1B22-4A44-850A-B3E8E9EE687A}" type="slidenum">
               <a:rPr lang="en-US" smtClean="0"/>
               <a:t>20</a:t>
+            </a:fld>
+            <a:endParaRPr lang="en-US"/>
+          </a:p>
+        </p:txBody>
+      </p:sp>
+    </p:spTree>
+    <p:extLst>
+      <p:ext uri="{BB962C8B-B14F-4D97-AF65-F5344CB8AC3E}">
+        <p14:creationId xmlns:p14="http://schemas.microsoft.com/office/powerpoint/2010/main" val="1709373771"/>
+      </p:ext>
+    </p:extLst>
+  </p:cSld>
+  <p:clrMapOvr>
+    <a:masterClrMapping/>
+  </p:clrMapOvr>
+</p:sld>
+</file>
+
+<file path=ppt/slides/slide21.xml><?xml version="1.0" encoding="utf-8"?>
+<p:sld xmlns:a="http://schemas.openxmlformats.org/drawingml/2006/main" xmlns:r="http://schemas.openxmlformats.org/officeDocument/2006/relationships" xmlns:p="http://schemas.openxmlformats.org/presentationml/2006/main">
+  <p:cSld>
+    <p:spTree>
+      <p:nvGrpSpPr>
+        <p:cNvPr id="1" name=""/>
+        <p:cNvGrpSpPr/>
+        <p:nvPr/>
+      </p:nvGrpSpPr>
+      <p:grpSpPr>
+        <a:xfrm>
+          <a:off x="0" y="0"/>
+          <a:ext cx="0" cy="0"/>
+          <a:chOff x="0" y="0"/>
+          <a:chExt cx="0" cy="0"/>
+        </a:xfrm>
+      </p:grpSpPr>
+      <p:sp>
+        <p:nvSpPr>
+          <p:cNvPr id="2" name="Title 1"/>
+          <p:cNvSpPr>
+            <a:spLocks noGrp="1"/>
+          </p:cNvSpPr>
+          <p:nvPr>
+            <p:ph type="title"/>
+          </p:nvPr>
+        </p:nvSpPr>
+        <p:spPr/>
+        <p:txBody>
+          <a:bodyPr/>
+          <a:lstStyle/>
+          <a:p>
+            <a:r>
+              <a:rPr lang="en-US" dirty="0"/>
+              <a:t>Next Steps</a:t>
+            </a:r>
+          </a:p>
+        </p:txBody>
+      </p:sp>
+      <p:sp>
+        <p:nvSpPr>
+          <p:cNvPr id="3" name="Content Placeholder 2"/>
+          <p:cNvSpPr>
+            <a:spLocks noGrp="1"/>
+          </p:cNvSpPr>
+          <p:nvPr>
+            <p:ph idx="1"/>
+          </p:nvPr>
+        </p:nvSpPr>
+        <p:spPr/>
+        <p:txBody>
+          <a:bodyPr/>
+          <a:lstStyle/>
+          <a:p>
+            <a:r>
+              <a:rPr lang="en-US"/>
+              <a:t>Study the file 06-4-lasns.rkt</a:t>
+            </a:r>
+          </a:p>
+          <a:p>
+            <a:r>
+              <a:rPr lang="en-US" dirty="0"/>
+              <a:t>If you have questions about this lesson, ask them on the Discussion Board</a:t>
+            </a:r>
+          </a:p>
+          <a:p>
+            <a:r>
+              <a:rPr lang="en-US" dirty="0"/>
+              <a:t>Do Guided Practice 6.4</a:t>
+            </a:r>
+          </a:p>
+          <a:p>
+            <a:r>
+              <a:rPr lang="en-US" dirty="0"/>
+              <a:t>Go on to the next lesson</a:t>
+            </a:r>
+          </a:p>
+        </p:txBody>
+      </p:sp>
+      <p:sp>
+        <p:nvSpPr>
+          <p:cNvPr id="4" name="Slide Number Placeholder 3"/>
+          <p:cNvSpPr>
+            <a:spLocks noGrp="1"/>
+          </p:cNvSpPr>
+          <p:nvPr>
+            <p:ph type="sldNum" sz="quarter" idx="12"/>
+          </p:nvPr>
+        </p:nvSpPr>
+        <p:spPr/>
+        <p:txBody>
+          <a:bodyPr/>
+          <a:lstStyle/>
+          <a:p>
+            <a:fld id="{C1D4534E-1B22-4A44-850A-B3E8E9EE687A}" type="slidenum">
+              <a:rPr lang="en-US" smtClean="0"/>
+              <a:t>21</a:t>
             </a:fld>
             <a:endParaRPr lang="en-US"/>
           </a:p>
@@ -9639,13 +9507,6 @@
   <p:clrMapOvr>
     <a:masterClrMapping/>
   </p:clrMapOvr>
-  <p:timing>
-    <p:tnLst>
-      <p:par>
-        <p:cTn id="1" dur="indefinite" restart="never" nodeType="tmRoot"/>
-      </p:par>
-    </p:tnLst>
-  </p:timing>
 </p:sld>
 </file>
 
@@ -9682,10 +9543,9 @@
           <a:lstStyle/>
           <a:p>
             <a:r>
-              <a:rPr lang="en-US" dirty="0" smtClean="0"/>
+              <a:rPr lang="en-US" dirty="0"/>
               <a:t>Learning Objectives</a:t>
             </a:r>
-            <a:endParaRPr lang="en-US" dirty="0"/>
           </a:p>
         </p:txBody>
       </p:sp>
@@ -9720,20 +9580,15 @@
             <a:pPr lvl="1"/>
             <a:r>
               <a:rPr lang="en-US" dirty="0"/>
-              <a:t>write a data definition for an alternating </a:t>
-            </a:r>
-            <a:r>
-              <a:rPr lang="en-US" dirty="0" smtClean="0"/>
-              <a:t>list</a:t>
+              <a:t>write a data definition for an alternating list</a:t>
             </a:r>
           </a:p>
           <a:p>
             <a:pPr lvl="1"/>
             <a:r>
-              <a:rPr lang="en-US" dirty="0" smtClean="0"/>
+              <a:rPr lang="en-US" dirty="0"/>
               <a:t>explain why templates for alternating lists come in pairs</a:t>
             </a:r>
-            <a:endParaRPr lang="en-US" dirty="0"/>
           </a:p>
           <a:p>
             <a:endParaRPr lang="en-US" dirty="0"/>
@@ -9773,13 +9628,6 @@
   <p:clrMapOvr>
     <a:masterClrMapping/>
   </p:clrMapOvr>
-  <p:timing>
-    <p:tnLst>
-      <p:par>
-        <p:cTn id="1" dur="indefinite" restart="never" nodeType="tmRoot"/>
-      </p:par>
-    </p:tnLst>
-  </p:timing>
 </p:sld>
 </file>
 
@@ -9816,10 +9664,9 @@
           <a:lstStyle/>
           <a:p>
             <a:r>
-              <a:rPr lang="en-US" dirty="0" smtClean="0"/>
+              <a:rPr lang="en-US" dirty="0"/>
               <a:t>Alternating Lists</a:t>
             </a:r>
-            <a:endParaRPr lang="en-US" dirty="0"/>
           </a:p>
         </p:txBody>
       </p:sp>
@@ -9839,10 +9686,9 @@
           <a:lstStyle/>
           <a:p>
             <a:r>
-              <a:rPr lang="en-US" dirty="0" smtClean="0"/>
+              <a:rPr lang="en-US" dirty="0"/>
               <a:t>Let's write a data definition for lists whose elements alternate between numbers and strings.</a:t>
             </a:r>
-            <a:endParaRPr lang="en-US" dirty="0"/>
           </a:p>
         </p:txBody>
       </p:sp>
@@ -9879,13 +9725,6 @@
   <p:clrMapOvr>
     <a:masterClrMapping/>
   </p:clrMapOvr>
-  <p:timing>
-    <p:tnLst>
-      <p:par>
-        <p:cTn id="1" dur="indefinite" restart="never" nodeType="tmRoot"/>
-      </p:par>
-    </p:tnLst>
-  </p:timing>
 </p:sld>
 </file>
 
@@ -9922,10 +9761,9 @@
           <a:lstStyle/>
           <a:p>
             <a:r>
-              <a:rPr lang="en-US" dirty="0" smtClean="0"/>
+              <a:rPr lang="en-US" dirty="0"/>
               <a:t>Data Definitions</a:t>
             </a:r>
-            <a:endParaRPr lang="en-US" dirty="0"/>
           </a:p>
         </p:txBody>
       </p:sp>
@@ -9950,21 +9788,21 @@
               <a:buNone/>
             </a:pPr>
             <a:r>
-              <a:rPr lang="en-US" b="1" dirty="0" smtClean="0">
+              <a:rPr lang="en-US" b="1" dirty="0">
                 <a:latin typeface="Consolas" pitchFamily="49" charset="0"/>
                 <a:cs typeface="Consolas" pitchFamily="49" charset="0"/>
               </a:rPr>
               <a:t>;; A </a:t>
             </a:r>
             <a:r>
-              <a:rPr lang="en-US" b="1" dirty="0" err="1" smtClean="0">
+              <a:rPr lang="en-US" b="1" dirty="0" err="1">
                 <a:latin typeface="Consolas" pitchFamily="49" charset="0"/>
                 <a:cs typeface="Consolas" pitchFamily="49" charset="0"/>
               </a:rPr>
               <a:t>ListOfAlternatingNumbersAndStrings</a:t>
             </a:r>
             <a:r>
-              <a:rPr lang="en-US" b="1" dirty="0" smtClean="0">
+              <a:rPr lang="en-US" b="1" dirty="0">
                 <a:latin typeface="Consolas" pitchFamily="49" charset="0"/>
                 <a:cs typeface="Consolas" pitchFamily="49" charset="0"/>
               </a:rPr>
@@ -9976,7 +9814,7 @@
               <a:buNone/>
             </a:pPr>
             <a:r>
-              <a:rPr lang="en-US" b="1" dirty="0" smtClean="0">
+              <a:rPr lang="en-US" b="1" dirty="0">
                 <a:latin typeface="Consolas" pitchFamily="49" charset="0"/>
                 <a:cs typeface="Consolas" pitchFamily="49" charset="0"/>
               </a:rPr>
@@ -9988,7 +9826,7 @@
               <a:buNone/>
             </a:pPr>
             <a:r>
-              <a:rPr lang="en-US" b="1" dirty="0" smtClean="0">
+              <a:rPr lang="en-US" b="1" dirty="0">
                 <a:latin typeface="Consolas" pitchFamily="49" charset="0"/>
                 <a:cs typeface="Consolas" pitchFamily="49" charset="0"/>
               </a:rPr>
@@ -9999,64 +9837,60 @@
             <a:pPr>
               <a:buNone/>
             </a:pPr>
-            <a:endParaRPr lang="en-US" b="1" dirty="0" smtClean="0">
-              <a:latin typeface="Consolas" pitchFamily="49" charset="0"/>
-              <a:cs typeface="Consolas" pitchFamily="49" charset="0"/>
-            </a:endParaRPr>
-          </a:p>
-          <a:p>
-            <a:pPr>
-              <a:buNone/>
-            </a:pPr>
-            <a:r>
-              <a:rPr lang="en-US" b="1" dirty="0" smtClean="0">
-                <a:latin typeface="Consolas" pitchFamily="49" charset="0"/>
-                <a:cs typeface="Consolas" pitchFamily="49" charset="0"/>
-              </a:rPr>
-              <a:t>;; A </a:t>
-            </a:r>
-            <a:r>
-              <a:rPr lang="en-US" b="1" dirty="0" err="1" smtClean="0">
-                <a:latin typeface="Consolas" pitchFamily="49" charset="0"/>
-                <a:cs typeface="Consolas" pitchFamily="49" charset="0"/>
-              </a:rPr>
-              <a:t>ListOfAlternatingStringsAndNumbers</a:t>
-            </a:r>
-            <a:r>
-              <a:rPr lang="en-US" b="1" dirty="0" smtClean="0">
-                <a:latin typeface="Consolas" pitchFamily="49" charset="0"/>
-                <a:cs typeface="Consolas" pitchFamily="49" charset="0"/>
-              </a:rPr>
-              <a:t> (LASN) is one of:</a:t>
-            </a:r>
-          </a:p>
-          <a:p>
-            <a:pPr>
-              <a:buNone/>
-            </a:pPr>
-            <a:r>
-              <a:rPr lang="en-US" b="1" dirty="0" smtClean="0">
-                <a:latin typeface="Consolas" pitchFamily="49" charset="0"/>
-                <a:cs typeface="Consolas" pitchFamily="49" charset="0"/>
-              </a:rPr>
-              <a:t>;; -- empty</a:t>
-            </a:r>
-          </a:p>
-          <a:p>
-            <a:pPr>
-              <a:buNone/>
-            </a:pPr>
-            <a:r>
-              <a:rPr lang="en-US" b="1" dirty="0" smtClean="0">
-                <a:latin typeface="Consolas" pitchFamily="49" charset="0"/>
-                <a:cs typeface="Consolas" pitchFamily="49" charset="0"/>
-              </a:rPr>
-              <a:t>;; -- (cons String LANS)</a:t>
-            </a:r>
             <a:endParaRPr lang="en-US" b="1" dirty="0">
               <a:latin typeface="Consolas" pitchFamily="49" charset="0"/>
               <a:cs typeface="Consolas" pitchFamily="49" charset="0"/>
             </a:endParaRPr>
+          </a:p>
+          <a:p>
+            <a:pPr>
+              <a:buNone/>
+            </a:pPr>
+            <a:r>
+              <a:rPr lang="en-US" b="1" dirty="0">
+                <a:latin typeface="Consolas" pitchFamily="49" charset="0"/>
+                <a:cs typeface="Consolas" pitchFamily="49" charset="0"/>
+              </a:rPr>
+              <a:t>;; A </a:t>
+            </a:r>
+            <a:r>
+              <a:rPr lang="en-US" b="1" dirty="0" err="1">
+                <a:latin typeface="Consolas" pitchFamily="49" charset="0"/>
+                <a:cs typeface="Consolas" pitchFamily="49" charset="0"/>
+              </a:rPr>
+              <a:t>ListOfAlternatingStringsAndNumbers</a:t>
+            </a:r>
+            <a:r>
+              <a:rPr lang="en-US" b="1" dirty="0">
+                <a:latin typeface="Consolas" pitchFamily="49" charset="0"/>
+                <a:cs typeface="Consolas" pitchFamily="49" charset="0"/>
+              </a:rPr>
+              <a:t> (LASN) is one of:</a:t>
+            </a:r>
+          </a:p>
+          <a:p>
+            <a:pPr>
+              <a:buNone/>
+            </a:pPr>
+            <a:r>
+              <a:rPr lang="en-US" b="1" dirty="0">
+                <a:latin typeface="Consolas" pitchFamily="49" charset="0"/>
+                <a:cs typeface="Consolas" pitchFamily="49" charset="0"/>
+              </a:rPr>
+              <a:t>;; -- empty</a:t>
+            </a:r>
+          </a:p>
+          <a:p>
+            <a:pPr>
+              <a:buNone/>
+            </a:pPr>
+            <a:r>
+              <a:rPr lang="en-US" b="1" dirty="0">
+                <a:latin typeface="Consolas" pitchFamily="49" charset="0"/>
+                <a:cs typeface="Consolas" pitchFamily="49" charset="0"/>
+              </a:rPr>
+              <a:t>;; -- (cons String LANS)</a:t>
+            </a:r>
           </a:p>
         </p:txBody>
       </p:sp>
@@ -10211,13 +10045,6 @@
   <p:clrMapOvr>
     <a:masterClrMapping/>
   </p:clrMapOvr>
-  <p:timing>
-    <p:tnLst>
-      <p:par>
-        <p:cTn id="1" dur="indefinite" restart="never" nodeType="tmRoot"/>
-      </p:par>
-    </p:tnLst>
-  </p:timing>
 </p:sld>
 </file>
 
@@ -10254,10 +10081,9 @@
           <a:lstStyle/>
           <a:p>
             <a:r>
-              <a:rPr lang="en-US" dirty="0" smtClean="0"/>
+              <a:rPr lang="en-US" dirty="0"/>
               <a:t>Examples</a:t>
             </a:r>
-            <a:endParaRPr lang="en-US" dirty="0"/>
           </a:p>
         </p:txBody>
       </p:sp>
@@ -10282,89 +10108,85 @@
               <a:buNone/>
             </a:pPr>
             <a:r>
-              <a:rPr lang="en-US" sz="1800" b="1" dirty="0" smtClean="0">
+              <a:rPr lang="en-US" sz="1800" b="1" dirty="0">
                 <a:latin typeface="Consolas" pitchFamily="49" charset="0"/>
                 <a:cs typeface="Consolas" pitchFamily="49" charset="0"/>
               </a:rPr>
               <a:t>                                          empty     is </a:t>
             </a:r>
             <a:r>
-              <a:rPr lang="en-US" sz="1800" b="1" smtClean="0">
+              <a:rPr lang="en-US" sz="1800" b="1">
                 <a:latin typeface="Consolas" pitchFamily="49" charset="0"/>
                 <a:cs typeface="Consolas" pitchFamily="49" charset="0"/>
               </a:rPr>
               <a:t>a LASN</a:t>
-            </a:r>
-            <a:endParaRPr lang="en-US" sz="1800" b="1" dirty="0" smtClean="0">
-              <a:latin typeface="Consolas" pitchFamily="49" charset="0"/>
-              <a:cs typeface="Consolas" pitchFamily="49" charset="0"/>
-            </a:endParaRPr>
-          </a:p>
-          <a:p>
-            <a:pPr>
-              <a:buNone/>
-            </a:pPr>
-            <a:r>
-              <a:rPr lang="en-US" sz="1800" b="1" dirty="0" smtClean="0">
-                <a:latin typeface="Consolas" pitchFamily="49" charset="0"/>
-                <a:cs typeface="Consolas" pitchFamily="49" charset="0"/>
-              </a:rPr>
-              <a:t>                                 (cons 11 empty)    is a LANS</a:t>
-            </a:r>
-          </a:p>
-          <a:p>
-            <a:pPr>
-              <a:buNone/>
-            </a:pPr>
-            <a:r>
-              <a:rPr lang="en-US" sz="1800" b="1" dirty="0" smtClean="0">
-                <a:latin typeface="Consolas" pitchFamily="49" charset="0"/>
-                <a:cs typeface="Consolas" pitchFamily="49" charset="0"/>
-              </a:rPr>
-              <a:t>                     (cons "</a:t>
-            </a:r>
-            <a:r>
-              <a:rPr lang="en-US" sz="1800" b="1" dirty="0" err="1" smtClean="0">
-                <a:latin typeface="Consolas" pitchFamily="49" charset="0"/>
-                <a:cs typeface="Consolas" pitchFamily="49" charset="0"/>
-              </a:rPr>
-              <a:t>foo</a:t>
-            </a:r>
-            <a:r>
-              <a:rPr lang="en-US" sz="1800" b="1" dirty="0" smtClean="0">
-                <a:latin typeface="Consolas" pitchFamily="49" charset="0"/>
-                <a:cs typeface="Consolas" pitchFamily="49" charset="0"/>
-              </a:rPr>
-              <a:t>" (cons 11 empty))   is a LASN</a:t>
-            </a:r>
-          </a:p>
-          <a:p>
-            <a:pPr>
-              <a:buNone/>
-            </a:pPr>
-            <a:r>
-              <a:rPr lang="en-US" sz="1800" b="1" dirty="0" smtClean="0">
-                <a:latin typeface="Consolas" pitchFamily="49" charset="0"/>
-                <a:cs typeface="Consolas" pitchFamily="49" charset="0"/>
-              </a:rPr>
-              <a:t>            (cons 23 (cons "foo" (cons 11 empty)))  is a LANS</a:t>
-            </a:r>
-          </a:p>
-          <a:p>
-            <a:pPr>
-              <a:buNone/>
-            </a:pPr>
-            <a:r>
-              <a:rPr lang="en-US" sz="1800" b="1" dirty="0" smtClean="0">
-                <a:latin typeface="Consolas" pitchFamily="49" charset="0"/>
-                <a:cs typeface="Consolas" pitchFamily="49" charset="0"/>
-              </a:rPr>
-              <a:t>(cons "bar" (cons 23 (cons "foo" (cons 11 empty)))) is a LASN</a:t>
             </a:r>
             <a:endParaRPr lang="en-US" sz="1800" b="1" dirty="0">
               <a:latin typeface="Consolas" pitchFamily="49" charset="0"/>
               <a:cs typeface="Consolas" pitchFamily="49" charset="0"/>
             </a:endParaRPr>
+          </a:p>
+          <a:p>
+            <a:pPr>
+              <a:buNone/>
+            </a:pPr>
+            <a:r>
+              <a:rPr lang="en-US" sz="1800" b="1" dirty="0">
+                <a:latin typeface="Consolas" pitchFamily="49" charset="0"/>
+                <a:cs typeface="Consolas" pitchFamily="49" charset="0"/>
+              </a:rPr>
+              <a:t>                                 (cons 11 empty)    is a LANS</a:t>
+            </a:r>
+          </a:p>
+          <a:p>
+            <a:pPr>
+              <a:buNone/>
+            </a:pPr>
+            <a:r>
+              <a:rPr lang="en-US" sz="1800" b="1" dirty="0">
+                <a:latin typeface="Consolas" pitchFamily="49" charset="0"/>
+                <a:cs typeface="Consolas" pitchFamily="49" charset="0"/>
+              </a:rPr>
+              <a:t>                     (cons "</a:t>
+            </a:r>
+            <a:r>
+              <a:rPr lang="en-US" sz="1800" b="1" dirty="0" err="1">
+                <a:latin typeface="Consolas" pitchFamily="49" charset="0"/>
+                <a:cs typeface="Consolas" pitchFamily="49" charset="0"/>
+              </a:rPr>
+              <a:t>foo</a:t>
+            </a:r>
+            <a:r>
+              <a:rPr lang="en-US" sz="1800" b="1" dirty="0">
+                <a:latin typeface="Consolas" pitchFamily="49" charset="0"/>
+                <a:cs typeface="Consolas" pitchFamily="49" charset="0"/>
+              </a:rPr>
+              <a:t>" (cons 11 empty))   is a LASN</a:t>
+            </a:r>
+          </a:p>
+          <a:p>
+            <a:pPr>
+              <a:buNone/>
+            </a:pPr>
+            <a:r>
+              <a:rPr lang="en-US" sz="1800" b="1" dirty="0">
+                <a:latin typeface="Consolas" pitchFamily="49" charset="0"/>
+                <a:cs typeface="Consolas" pitchFamily="49" charset="0"/>
+              </a:rPr>
+              <a:t>            (cons 23 (cons "foo" (cons 11 empty)))  is a LANS</a:t>
+            </a:r>
+          </a:p>
+          <a:p>
+            <a:pPr>
+              <a:buNone/>
+            </a:pPr>
+            <a:r>
+              <a:rPr lang="en-US" sz="1800" b="1" dirty="0">
+                <a:latin typeface="Consolas" pitchFamily="49" charset="0"/>
+                <a:cs typeface="Consolas" pitchFamily="49" charset="0"/>
+              </a:rPr>
+              <a:t>(cons "bar" (cons 23 (cons "foo" (cons 11 empty)))) is a LASN</a:t>
+            </a:r>
           </a:p>
         </p:txBody>
       </p:sp>
@@ -10401,13 +10223,6 @@
   <p:clrMapOvr>
     <a:masterClrMapping/>
   </p:clrMapOvr>
-  <p:timing>
-    <p:tnLst>
-      <p:par>
-        <p:cTn id="1" dur="indefinite" restart="never" nodeType="tmRoot"/>
-      </p:par>
-    </p:tnLst>
-  </p:timing>
 </p:sld>
 </file>
 
@@ -10446,22 +10261,17 @@
           <a:lstStyle/>
           <a:p>
             <a:r>
-              <a:rPr lang="en-US" dirty="0" smtClean="0"/>
+              <a:rPr lang="en-US" dirty="0"/>
               <a:t>These data definitions are </a:t>
             </a:r>
             <a:r>
-              <a:rPr lang="en-US" i="1" dirty="0" smtClean="0">
+              <a:rPr lang="en-US" i="1" dirty="0">
                 <a:solidFill>
                   <a:srgbClr val="FF0000"/>
                 </a:solidFill>
               </a:rPr>
               <a:t>mutually recursive</a:t>
             </a:r>
-            <a:endParaRPr lang="en-US" i="1" dirty="0">
-              <a:solidFill>
-                <a:srgbClr val="FF0000"/>
-              </a:solidFill>
-            </a:endParaRPr>
           </a:p>
         </p:txBody>
       </p:sp>
@@ -10486,21 +10296,21 @@
               <a:buNone/>
             </a:pPr>
             <a:r>
-              <a:rPr lang="en-US" b="1" dirty="0" smtClean="0">
+              <a:rPr lang="en-US" b="1" dirty="0">
                 <a:latin typeface="Consolas" pitchFamily="49" charset="0"/>
                 <a:cs typeface="Consolas" pitchFamily="49" charset="0"/>
               </a:rPr>
               <a:t>;; A </a:t>
             </a:r>
             <a:r>
-              <a:rPr lang="en-US" b="1" dirty="0" err="1" smtClean="0">
+              <a:rPr lang="en-US" b="1" dirty="0" err="1">
                 <a:latin typeface="Consolas" pitchFamily="49" charset="0"/>
                 <a:cs typeface="Consolas" pitchFamily="49" charset="0"/>
               </a:rPr>
               <a:t>ListOfAlternatingNumbersAndStrings</a:t>
             </a:r>
             <a:r>
-              <a:rPr lang="en-US" b="1" dirty="0" smtClean="0">
+              <a:rPr lang="en-US" b="1" dirty="0">
                 <a:latin typeface="Consolas" pitchFamily="49" charset="0"/>
                 <a:cs typeface="Consolas" pitchFamily="49" charset="0"/>
               </a:rPr>
@@ -10512,7 +10322,7 @@
               <a:buNone/>
             </a:pPr>
             <a:r>
-              <a:rPr lang="en-US" b="1" dirty="0" smtClean="0">
+              <a:rPr lang="en-US" b="1" dirty="0">
                 <a:latin typeface="Consolas" pitchFamily="49" charset="0"/>
                 <a:cs typeface="Consolas" pitchFamily="49" charset="0"/>
               </a:rPr>
@@ -10524,7 +10334,7 @@
               <a:buNone/>
             </a:pPr>
             <a:r>
-              <a:rPr lang="en-US" b="1" dirty="0" smtClean="0">
+              <a:rPr lang="en-US" b="1" dirty="0">
                 <a:latin typeface="Consolas" pitchFamily="49" charset="0"/>
                 <a:cs typeface="Consolas" pitchFamily="49" charset="0"/>
               </a:rPr>
@@ -10535,64 +10345,60 @@
             <a:pPr>
               <a:buNone/>
             </a:pPr>
-            <a:endParaRPr lang="en-US" b="1" dirty="0" smtClean="0">
-              <a:latin typeface="Consolas" pitchFamily="49" charset="0"/>
-              <a:cs typeface="Consolas" pitchFamily="49" charset="0"/>
-            </a:endParaRPr>
-          </a:p>
-          <a:p>
-            <a:pPr>
-              <a:buNone/>
-            </a:pPr>
-            <a:r>
-              <a:rPr lang="en-US" b="1" dirty="0" smtClean="0">
-                <a:latin typeface="Consolas" pitchFamily="49" charset="0"/>
-                <a:cs typeface="Consolas" pitchFamily="49" charset="0"/>
-              </a:rPr>
-              <a:t>;; A </a:t>
-            </a:r>
-            <a:r>
-              <a:rPr lang="en-US" b="1" dirty="0" err="1" smtClean="0">
-                <a:latin typeface="Consolas" pitchFamily="49" charset="0"/>
-                <a:cs typeface="Consolas" pitchFamily="49" charset="0"/>
-              </a:rPr>
-              <a:t>ListOfAlternatingStringsAndNumbers</a:t>
-            </a:r>
-            <a:r>
-              <a:rPr lang="en-US" b="1" dirty="0" smtClean="0">
-                <a:latin typeface="Consolas" pitchFamily="49" charset="0"/>
-                <a:cs typeface="Consolas" pitchFamily="49" charset="0"/>
-              </a:rPr>
-              <a:t> (LASN) is one of:</a:t>
-            </a:r>
-          </a:p>
-          <a:p>
-            <a:pPr>
-              <a:buNone/>
-            </a:pPr>
-            <a:r>
-              <a:rPr lang="en-US" b="1" dirty="0" smtClean="0">
-                <a:latin typeface="Consolas" pitchFamily="49" charset="0"/>
-                <a:cs typeface="Consolas" pitchFamily="49" charset="0"/>
-              </a:rPr>
-              <a:t>;; -- empty</a:t>
-            </a:r>
-          </a:p>
-          <a:p>
-            <a:pPr>
-              <a:buNone/>
-            </a:pPr>
-            <a:r>
-              <a:rPr lang="en-US" b="1" dirty="0" smtClean="0">
-                <a:latin typeface="Consolas" pitchFamily="49" charset="0"/>
-                <a:cs typeface="Consolas" pitchFamily="49" charset="0"/>
-              </a:rPr>
-              <a:t>;; -- (cons String LANS)</a:t>
-            </a:r>
             <a:endParaRPr lang="en-US" b="1" dirty="0">
               <a:latin typeface="Consolas" pitchFamily="49" charset="0"/>
               <a:cs typeface="Consolas" pitchFamily="49" charset="0"/>
             </a:endParaRPr>
+          </a:p>
+          <a:p>
+            <a:pPr>
+              <a:buNone/>
+            </a:pPr>
+            <a:r>
+              <a:rPr lang="en-US" b="1" dirty="0">
+                <a:latin typeface="Consolas" pitchFamily="49" charset="0"/>
+                <a:cs typeface="Consolas" pitchFamily="49" charset="0"/>
+              </a:rPr>
+              <a:t>;; A </a:t>
+            </a:r>
+            <a:r>
+              <a:rPr lang="en-US" b="1" dirty="0" err="1">
+                <a:latin typeface="Consolas" pitchFamily="49" charset="0"/>
+                <a:cs typeface="Consolas" pitchFamily="49" charset="0"/>
+              </a:rPr>
+              <a:t>ListOfAlternatingStringsAndNumbers</a:t>
+            </a:r>
+            <a:r>
+              <a:rPr lang="en-US" b="1" dirty="0">
+                <a:latin typeface="Consolas" pitchFamily="49" charset="0"/>
+                <a:cs typeface="Consolas" pitchFamily="49" charset="0"/>
+              </a:rPr>
+              <a:t> (LASN) is one of:</a:t>
+            </a:r>
+          </a:p>
+          <a:p>
+            <a:pPr>
+              <a:buNone/>
+            </a:pPr>
+            <a:r>
+              <a:rPr lang="en-US" b="1" dirty="0">
+                <a:latin typeface="Consolas" pitchFamily="49" charset="0"/>
+                <a:cs typeface="Consolas" pitchFamily="49" charset="0"/>
+              </a:rPr>
+              <a:t>;; -- empty</a:t>
+            </a:r>
+          </a:p>
+          <a:p>
+            <a:pPr>
+              <a:buNone/>
+            </a:pPr>
+            <a:r>
+              <a:rPr lang="en-US" b="1" dirty="0">
+                <a:latin typeface="Consolas" pitchFamily="49" charset="0"/>
+                <a:cs typeface="Consolas" pitchFamily="49" charset="0"/>
+              </a:rPr>
+              <a:t>;; -- (cons String LANS)</a:t>
+            </a:r>
           </a:p>
         </p:txBody>
       </p:sp>
@@ -10665,7 +10471,7 @@
           <a:lstStyle/>
           <a:p>
             <a:pPr algn="ctr"/>
-            <a:endParaRPr lang="en-US" dirty="0" smtClean="0">
+            <a:endParaRPr lang="en-US" dirty="0">
               <a:solidFill>
                 <a:schemeClr val="tx1"/>
               </a:solidFill>
@@ -10719,7 +10525,7 @@
           <a:lstStyle/>
           <a:p>
             <a:pPr algn="ctr"/>
-            <a:endParaRPr lang="en-US" dirty="0" smtClean="0">
+            <a:endParaRPr lang="en-US" dirty="0">
               <a:solidFill>
                 <a:schemeClr val="tx1"/>
               </a:solidFill>
@@ -10855,13 +10661,6 @@
   <p:clrMapOvr>
     <a:masterClrMapping/>
   </p:clrMapOvr>
-  <p:timing>
-    <p:tnLst>
-      <p:par>
-        <p:cTn id="1" dur="indefinite" restart="never" nodeType="tmRoot"/>
-      </p:par>
-    </p:tnLst>
-  </p:timing>
 </p:sld>
 </file>
 
@@ -10898,10 +10697,9 @@
           <a:lstStyle/>
           <a:p>
             <a:r>
-              <a:rPr lang="en-US" dirty="0" smtClean="0"/>
+              <a:rPr lang="en-US" dirty="0"/>
               <a:t>This is mutual recursion</a:t>
             </a:r>
-            <a:endParaRPr lang="en-US" dirty="0"/>
           </a:p>
         </p:txBody>
       </p:sp>
@@ -10923,7 +10721,7 @@
             <a:pPr>
               <a:buNone/>
             </a:pPr>
-            <a:endParaRPr lang="en-US" b="1" dirty="0" smtClean="0">
+            <a:endParaRPr lang="en-US" b="1" dirty="0">
               <a:latin typeface="Courier New" pitchFamily="49" charset="0"/>
               <a:cs typeface="Courier New" pitchFamily="49" charset="0"/>
             </a:endParaRPr>
@@ -10932,7 +10730,7 @@
             <a:pPr>
               <a:buNone/>
             </a:pPr>
-            <a:endParaRPr lang="en-US" b="1" dirty="0" smtClean="0">
+            <a:endParaRPr lang="en-US" b="1" dirty="0">
               <a:latin typeface="Courier New" pitchFamily="49" charset="0"/>
               <a:cs typeface="Courier New" pitchFamily="49" charset="0"/>
             </a:endParaRPr>
@@ -10941,7 +10739,7 @@
             <a:pPr>
               <a:buNone/>
             </a:pPr>
-            <a:endParaRPr lang="en-US" b="1" dirty="0" smtClean="0">
+            <a:endParaRPr lang="en-US" b="1" dirty="0">
               <a:latin typeface="Courier New" pitchFamily="49" charset="0"/>
               <a:cs typeface="Courier New" pitchFamily="49" charset="0"/>
             </a:endParaRPr>
@@ -10951,37 +10749,33 @@
               <a:buNone/>
             </a:pPr>
             <a:r>
-              <a:rPr lang="en-US" b="1" dirty="0" smtClean="0">
+              <a:rPr lang="en-US" b="1" dirty="0">
                 <a:latin typeface="Courier New" pitchFamily="49" charset="0"/>
                 <a:cs typeface="Courier New" pitchFamily="49" charset="0"/>
               </a:rPr>
               <a:t>     </a:t>
             </a:r>
             <a:r>
-              <a:rPr lang="en-US" b="1" dirty="0" smtClean="0">
+              <a:rPr lang="en-US" b="1" dirty="0">
                 <a:latin typeface="Consolas" pitchFamily="49" charset="0"/>
                 <a:cs typeface="Consolas" pitchFamily="49" charset="0"/>
               </a:rPr>
               <a:t>LASN</a:t>
             </a:r>
             <a:r>
-              <a:rPr lang="en-US" b="1" dirty="0" smtClean="0">
+              <a:rPr lang="en-US" b="1" dirty="0">
                 <a:latin typeface="Courier New" pitchFamily="49" charset="0"/>
                 <a:cs typeface="Courier New" pitchFamily="49" charset="0"/>
               </a:rPr>
               <a:t>               </a:t>
             </a:r>
             <a:r>
-              <a:rPr lang="en-US" b="1" dirty="0" smtClean="0">
+              <a:rPr lang="en-US" b="1" dirty="0">
                 <a:latin typeface="Consolas" pitchFamily="49" charset="0"/>
                 <a:cs typeface="Consolas" pitchFamily="49" charset="0"/>
               </a:rPr>
               <a:t>LANS</a:t>
             </a:r>
-            <a:endParaRPr lang="en-US" b="1" dirty="0">
-              <a:latin typeface="Consolas" pitchFamily="49" charset="0"/>
-              <a:cs typeface="Consolas" pitchFamily="49" charset="0"/>
-            </a:endParaRPr>
           </a:p>
         </p:txBody>
       </p:sp>
@@ -11054,7 +10848,7 @@
           <a:lstStyle/>
           <a:p>
             <a:pPr algn="ctr"/>
-            <a:endParaRPr lang="en-US" dirty="0" smtClean="0">
+            <a:endParaRPr lang="en-US" dirty="0">
               <a:solidFill>
                 <a:schemeClr val="tx1"/>
               </a:solidFill>
@@ -11106,7 +10900,7 @@
           <a:lstStyle/>
           <a:p>
             <a:pPr algn="ctr"/>
-            <a:endParaRPr lang="en-US" dirty="0" smtClean="0">
+            <a:endParaRPr lang="en-US" dirty="0">
               <a:solidFill>
                 <a:schemeClr val="tx1"/>
               </a:solidFill>
@@ -11137,10 +10931,9 @@
           <a:lstStyle/>
           <a:p>
             <a:r>
-              <a:rPr lang="en-US" sz="2400" dirty="0" smtClean="0"/>
+              <a:rPr lang="en-US" sz="2400" dirty="0"/>
               <a:t>defined in terms of </a:t>
             </a:r>
-            <a:endParaRPr lang="en-US" sz="2400" dirty="0"/>
           </a:p>
         </p:txBody>
       </p:sp>
@@ -11167,10 +10960,9 @@
           <a:lstStyle/>
           <a:p>
             <a:r>
-              <a:rPr lang="en-US" sz="2400" dirty="0" smtClean="0"/>
+              <a:rPr lang="en-US" sz="2400" dirty="0"/>
               <a:t>defined in terms of </a:t>
             </a:r>
-            <a:endParaRPr lang="en-US" sz="2400" dirty="0"/>
           </a:p>
         </p:txBody>
       </p:sp>
@@ -11184,13 +10976,6 @@
   <p:clrMapOvr>
     <a:masterClrMapping/>
   </p:clrMapOvr>
-  <p:timing>
-    <p:tnLst>
-      <p:par>
-        <p:cTn id="1" dur="indefinite" restart="never" nodeType="tmRoot"/>
-      </p:par>
-    </p:tnLst>
-  </p:timing>
 </p:sld>
 </file>
 
@@ -11229,10 +11014,9 @@
           <a:lstStyle/>
           <a:p>
             <a:r>
-              <a:rPr lang="en-US" dirty="0" smtClean="0"/>
+              <a:rPr lang="en-US" dirty="0"/>
               <a:t>The template recipe</a:t>
             </a:r>
-            <a:endParaRPr lang="en-US" dirty="0"/>
           </a:p>
         </p:txBody>
       </p:sp>
@@ -11262,8 +11046,20 @@
                 <a:tableStyleId>{5C22544A-7EE6-4342-B048-85BDC9FD1C3A}</a:tableStyleId>
               </a:tblPr>
               <a:tblGrid>
-                <a:gridCol w="4114800"/>
-                <a:gridCol w="4114800"/>
+                <a:gridCol w="4114800">
+                  <a:extLst>
+                    <a:ext uri="{9D8B030D-6E8A-4147-A177-3AD203B41FA5}">
+                      <a16:colId xmlns:a16="http://schemas.microsoft.com/office/drawing/2014/main" val="20000"/>
+                    </a:ext>
+                  </a:extLst>
+                </a:gridCol>
+                <a:gridCol w="4114800">
+                  <a:extLst>
+                    <a:ext uri="{9D8B030D-6E8A-4147-A177-3AD203B41FA5}">
+                      <a16:colId xmlns:a16="http://schemas.microsoft.com/office/drawing/2014/main" val="20001"/>
+                    </a:ext>
+                  </a:extLst>
+                </a:gridCol>
               </a:tblGrid>
               <a:tr h="370840">
                 <a:tc>
@@ -11272,10 +11068,9 @@
                     <a:lstStyle/>
                     <a:p>
                       <a:r>
-                        <a:rPr lang="en-US" dirty="0" smtClean="0"/>
+                        <a:rPr lang="en-US" dirty="0"/>
                         <a:t>Question</a:t>
                       </a:r>
-                      <a:endParaRPr lang="en-US" dirty="0"/>
                     </a:p>
                   </a:txBody>
                   <a:tcPr/>
@@ -11286,14 +11081,18 @@
                     <a:lstStyle/>
                     <a:p>
                       <a:r>
-                        <a:rPr lang="en-US" dirty="0" smtClean="0"/>
+                        <a:rPr lang="en-US" dirty="0"/>
                         <a:t>Answer</a:t>
                       </a:r>
-                      <a:endParaRPr lang="en-US" dirty="0"/>
                     </a:p>
                   </a:txBody>
                   <a:tcPr/>
                 </a:tc>
+                <a:extLst>
+                  <a:ext uri="{0D108BD9-81ED-4DB2-BD59-A6C34878D82A}">
+                    <a16:rowId xmlns:a16="http://schemas.microsoft.com/office/drawing/2014/main" val="10000"/>
+                  </a:ext>
+                </a:extLst>
               </a:tr>
               <a:tr h="370840">
                 <a:tc>
@@ -11302,10 +11101,9 @@
                     <a:lstStyle/>
                     <a:p>
                       <a:r>
-                        <a:rPr lang="en-US" dirty="0" smtClean="0"/>
+                        <a:rPr lang="en-US" dirty="0"/>
                         <a:t>Does the data definition distinguish among different subclasses of data?</a:t>
                       </a:r>
-                      <a:endParaRPr lang="en-US" dirty="0"/>
                     </a:p>
                   </a:txBody>
                   <a:tcPr/>
@@ -11316,24 +11114,28 @@
                     <a:lstStyle/>
                     <a:p>
                       <a:r>
-                        <a:rPr lang="en-US" dirty="0" smtClean="0"/>
+                        <a:rPr lang="en-US" dirty="0"/>
                         <a:t>Your template needs as many </a:t>
                       </a:r>
                       <a:r>
-                        <a:rPr lang="en-US" dirty="0" err="1" smtClean="0">
+                        <a:rPr lang="en-US" dirty="0" err="1">
                           <a:hlinkClick r:id="rId2"/>
                         </a:rPr>
                         <a:t>cond</a:t>
                       </a:r>
                       <a:r>
-                        <a:rPr lang="en-US" dirty="0" smtClean="0"/>
+                        <a:rPr lang="en-US" dirty="0"/>
                         <a:t> clauses as subclasses that the data definition distinguishes.</a:t>
                       </a:r>
-                      <a:endParaRPr lang="en-US" dirty="0"/>
                     </a:p>
                   </a:txBody>
                   <a:tcPr/>
                 </a:tc>
+                <a:extLst>
+                  <a:ext uri="{0D108BD9-81ED-4DB2-BD59-A6C34878D82A}">
+                    <a16:rowId xmlns:a16="http://schemas.microsoft.com/office/drawing/2014/main" val="10001"/>
+                  </a:ext>
+                </a:extLst>
               </a:tr>
               <a:tr h="370840">
                 <a:tc>
@@ -11342,10 +11144,9 @@
                     <a:lstStyle/>
                     <a:p>
                       <a:r>
-                        <a:rPr lang="en-US" dirty="0" smtClean="0"/>
+                        <a:rPr lang="en-US" dirty="0"/>
                         <a:t>How do the subclasses differ from each other?</a:t>
                       </a:r>
-                      <a:endParaRPr lang="en-US" dirty="0"/>
                     </a:p>
                   </a:txBody>
                   <a:tcPr/>
@@ -11356,14 +11157,18 @@
                     <a:lstStyle/>
                     <a:p>
                       <a:r>
-                        <a:rPr lang="en-US" dirty="0" smtClean="0"/>
+                        <a:rPr lang="en-US" dirty="0"/>
                         <a:t>Use the differences to formulate a condition per clause.</a:t>
                       </a:r>
-                      <a:endParaRPr lang="en-US" dirty="0"/>
                     </a:p>
                   </a:txBody>
                   <a:tcPr/>
                 </a:tc>
+                <a:extLst>
+                  <a:ext uri="{0D108BD9-81ED-4DB2-BD59-A6C34878D82A}">
+                    <a16:rowId xmlns:a16="http://schemas.microsoft.com/office/drawing/2014/main" val="10002"/>
+                  </a:ext>
+                </a:extLst>
               </a:tr>
               <a:tr h="370840">
                 <a:tc>
@@ -11372,10 +11177,9 @@
                     <a:lstStyle/>
                     <a:p>
                       <a:r>
-                        <a:rPr lang="en-US" dirty="0" smtClean="0"/>
+                        <a:rPr lang="en-US" dirty="0"/>
                         <a:t>Do any of the clauses deal with structured values?</a:t>
                       </a:r>
-                      <a:endParaRPr lang="en-US" dirty="0"/>
                     </a:p>
                   </a:txBody>
                   <a:tcPr/>
@@ -11386,14 +11190,18 @@
                     <a:lstStyle/>
                     <a:p>
                       <a:r>
-                        <a:rPr lang="en-US" dirty="0" smtClean="0"/>
+                        <a:rPr lang="en-US" dirty="0"/>
                         <a:t>If so, add appropriate selector expressions to the clause.</a:t>
                       </a:r>
-                      <a:endParaRPr lang="en-US" dirty="0"/>
                     </a:p>
                   </a:txBody>
                   <a:tcPr/>
                 </a:tc>
+                <a:extLst>
+                  <a:ext uri="{0D108BD9-81ED-4DB2-BD59-A6C34878D82A}">
+                    <a16:rowId xmlns:a16="http://schemas.microsoft.com/office/drawing/2014/main" val="10003"/>
+                  </a:ext>
+                </a:extLst>
               </a:tr>
               <a:tr h="370840">
                 <a:tc>
@@ -11402,18 +11210,13 @@
                     <a:lstStyle/>
                     <a:p>
                       <a:r>
-                        <a:rPr lang="en-US" dirty="0" smtClean="0">
+                        <a:rPr lang="en-US" dirty="0">
                           <a:solidFill>
                             <a:schemeClr val="tx1"/>
                           </a:solidFill>
                         </a:rPr>
                         <a:t>Does the data definition use self-references?</a:t>
                       </a:r>
-                      <a:endParaRPr lang="en-US" dirty="0">
-                        <a:solidFill>
-                          <a:schemeClr val="tx1"/>
-                        </a:solidFill>
-                      </a:endParaRPr>
                     </a:p>
                   </a:txBody>
                   <a:tcPr/>
@@ -11424,22 +11227,22 @@
                     <a:lstStyle/>
                     <a:p>
                       <a:r>
-                        <a:rPr lang="en-US" dirty="0" smtClean="0">
+                        <a:rPr lang="en-US" dirty="0">
                           <a:solidFill>
                             <a:schemeClr val="tx1"/>
                           </a:solidFill>
                         </a:rPr>
                         <a:t>Formulate ``natural recursions'' for the template to represent the self-references of the data definition.</a:t>
                       </a:r>
-                      <a:endParaRPr lang="en-US" dirty="0">
-                        <a:solidFill>
-                          <a:schemeClr val="tx1"/>
-                        </a:solidFill>
-                      </a:endParaRPr>
                     </a:p>
                   </a:txBody>
                   <a:tcPr/>
                 </a:tc>
+                <a:extLst>
+                  <a:ext uri="{0D108BD9-81ED-4DB2-BD59-A6C34878D82A}">
+                    <a16:rowId xmlns:a16="http://schemas.microsoft.com/office/drawing/2014/main" val="10004"/>
+                  </a:ext>
+                </a:extLst>
               </a:tr>
               <a:tr h="370840">
                 <a:tc>
@@ -11448,7 +11251,7 @@
                     <a:lstStyle/>
                     <a:p>
                       <a:r>
-                        <a:rPr lang="en-US" dirty="0" smtClean="0">
+                        <a:rPr lang="en-US" dirty="0">
                           <a:solidFill>
                             <a:schemeClr val="tx1"/>
                           </a:solidFill>
@@ -11456,7 +11259,7 @@
                         <a:t>Do any of the fields contain compound</a:t>
                       </a:r>
                       <a:r>
-                        <a:rPr lang="en-US" baseline="0" dirty="0" smtClean="0">
+                        <a:rPr lang="en-US" baseline="0" dirty="0">
                           <a:solidFill>
                             <a:schemeClr val="tx1"/>
                           </a:solidFill>
@@ -11478,7 +11281,7 @@
                     <a:lstStyle/>
                     <a:p>
                       <a:r>
-                        <a:rPr lang="en-US" dirty="0" smtClean="0">
+                        <a:rPr lang="en-US" dirty="0">
                           <a:solidFill>
                             <a:schemeClr val="tx1"/>
                           </a:solidFill>
@@ -11486,7 +11289,7 @@
                         <a:t>If the value of a field is a foo,</a:t>
                       </a:r>
                       <a:r>
-                        <a:rPr lang="en-US" baseline="0" dirty="0" smtClean="0">
+                        <a:rPr lang="en-US" baseline="0" dirty="0">
                           <a:solidFill>
                             <a:schemeClr val="tx1"/>
                           </a:solidFill>
@@ -11494,7 +11297,7 @@
                         <a:t> add a call to a foo-</a:t>
                       </a:r>
                       <a:r>
-                        <a:rPr lang="en-US" baseline="0" dirty="0" err="1" smtClean="0">
+                        <a:rPr lang="en-US" baseline="0" dirty="0" err="1">
                           <a:solidFill>
                             <a:schemeClr val="tx1"/>
                           </a:solidFill>
@@ -11502,7 +11305,7 @@
                         <a:t>fn</a:t>
                       </a:r>
                       <a:r>
-                        <a:rPr lang="en-US" baseline="0" dirty="0" smtClean="0">
+                        <a:rPr lang="en-US" baseline="0" dirty="0">
                           <a:solidFill>
                             <a:schemeClr val="tx1"/>
                           </a:solidFill>
@@ -11518,6 +11321,11 @@
                   </a:txBody>
                   <a:tcPr/>
                 </a:tc>
+                <a:extLst>
+                  <a:ext uri="{0D108BD9-81ED-4DB2-BD59-A6C34878D82A}">
+                    <a16:rowId xmlns:a16="http://schemas.microsoft.com/office/drawing/2014/main" val="10005"/>
+                  </a:ext>
+                </a:extLst>
               </a:tr>
             </a:tbl>
           </a:graphicData>
@@ -11593,7 +11401,7 @@
           <a:p>
             <a:pPr algn="ctr"/>
             <a:r>
-              <a:rPr lang="en-US" dirty="0" smtClean="0">
+              <a:rPr lang="en-US" dirty="0">
                 <a:solidFill>
                   <a:schemeClr val="tx1"/>
                 </a:solidFill>
